--- a/presentation.pptx
+++ b/presentation.pptx
@@ -6,6 +6,17 @@
   </p:sldMasterIdLst>
   <p:sldIdLst>
     <p:sldId id="256" r:id="rId3"/>
+    <p:sldId id="257" r:id="rId4"/>
+    <p:sldId id="258" r:id="rId5"/>
+    <p:sldId id="259" r:id="rId6"/>
+    <p:sldId id="260" r:id="rId7"/>
+    <p:sldId id="261" r:id="rId8"/>
+    <p:sldId id="262" r:id="rId9"/>
+    <p:sldId id="263" r:id="rId10"/>
+    <p:sldId id="264" r:id="rId11"/>
+    <p:sldId id="265" r:id="rId12"/>
+    <p:sldId id="266" r:id="rId13"/>
+    <p:sldId id="267" r:id="rId14"/>
   </p:sldIdLst>
   <p:sldSz cx="10080625" cy="5670550"/>
   <p:notesSz cx="7559675" cy="10691813"/>
@@ -13,6 +24,176 @@
 </file>
 
 <file path=ppt/slideLayouts/slideLayout1.xml><?xml version="1.0" encoding="utf-8"?>
+<p:sldLayout xmlns:a="http://schemas.openxmlformats.org/drawingml/2006/main" xmlns:p="http://schemas.openxmlformats.org/presentationml/2006/main" xmlns:r="http://schemas.openxmlformats.org/officeDocument/2006/relationships" xmlns:p14="http://schemas.microsoft.com/office/powerpoint/2010/main" xmlns:p15="http://schemas.microsoft.com/office/powerpoint/2012/main" xmlns:mc="http://schemas.openxmlformats.org/markup-compatibility/2006" type="tx" preserve="1">
+  <p:cSld name="Default">
+    <p:spTree>
+      <p:nvGrpSpPr>
+        <p:cNvPr id="1" name=""/>
+        <p:cNvGrpSpPr/>
+        <p:nvPr/>
+      </p:nvGrpSpPr>
+      <p:grpSpPr>
+        <a:xfrm>
+          <a:off x="0" y="0"/>
+          <a:ext cx="0" cy="0"/>
+          <a:chOff x="0" y="0"/>
+          <a:chExt cx="0" cy="0"/>
+        </a:xfrm>
+      </p:grpSpPr>
+      <p:sp>
+        <p:nvSpPr>
+          <p:cNvPr id="7" name="PlaceHolder 1"/>
+          <p:cNvSpPr>
+            <a:spLocks noGrp="1"/>
+          </p:cNvSpPr>
+          <p:nvPr>
+            <p:ph type="title"/>
+          </p:nvPr>
+        </p:nvSpPr>
+        <p:spPr>
+          <a:xfrm>
+            <a:off x="504000" y="226080"/>
+            <a:ext cx="9071640" cy="946440"/>
+          </a:xfrm>
+          <a:prstGeom prst="rect">
+            <a:avLst/>
+          </a:prstGeom>
+          <a:noFill/>
+          <a:ln w="0">
+            <a:noFill/>
+          </a:ln>
+        </p:spPr>
+        <p:txBody>
+          <a:bodyPr lIns="0" rIns="0" tIns="0" bIns="0" anchor="ctr">
+            <a:spAutoFit/>
+          </a:bodyPr>
+          <a:p>
+            <a:pPr indent="0" algn="ctr">
+              <a:buNone/>
+            </a:pPr>
+            <a:endParaRPr b="0" lang="en-US" sz="4400" strike="noStrike" u="none">
+              <a:solidFill>
+                <a:srgbClr val="000000"/>
+              </a:solidFill>
+              <a:effectLst/>
+              <a:uFillTx/>
+              <a:latin typeface="Arial"/>
+            </a:endParaRPr>
+          </a:p>
+        </p:txBody>
+      </p:sp>
+      <p:sp>
+        <p:nvSpPr>
+          <p:cNvPr id="8" name="PlaceHolder 2"/>
+          <p:cNvSpPr>
+            <a:spLocks noGrp="1"/>
+          </p:cNvSpPr>
+          <p:nvPr>
+            <p:ph/>
+          </p:nvPr>
+        </p:nvSpPr>
+        <p:spPr>
+          <a:xfrm>
+            <a:off x="504000" y="1326600"/>
+            <a:ext cx="9071640" cy="3288240"/>
+          </a:xfrm>
+          <a:prstGeom prst="rect">
+            <a:avLst/>
+          </a:prstGeom>
+          <a:noFill/>
+          <a:ln w="0">
+            <a:noFill/>
+          </a:ln>
+        </p:spPr>
+        <p:txBody>
+          <a:bodyPr lIns="0" rIns="0" tIns="0" bIns="0" anchor="t">
+            <a:normAutofit/>
+          </a:bodyPr>
+          <a:p>
+            <a:pPr indent="0">
+              <a:spcBef>
+                <a:spcPts val="1417"/>
+              </a:spcBef>
+              <a:buNone/>
+            </a:pPr>
+            <a:endParaRPr b="0" lang="en-US" sz="3200" strike="noStrike" u="none">
+              <a:solidFill>
+                <a:srgbClr val="000000"/>
+              </a:solidFill>
+              <a:effectLst/>
+              <a:uFillTx/>
+              <a:latin typeface="Arial"/>
+            </a:endParaRPr>
+          </a:p>
+        </p:txBody>
+      </p:sp>
+      <p:sp>
+        <p:nvSpPr>
+          <p:cNvPr id="4" name="PlaceHolder 3"/>
+          <p:cNvSpPr>
+            <a:spLocks noGrp="1"/>
+          </p:cNvSpPr>
+          <p:nvPr>
+            <p:ph type="ftr" idx="2"/>
+          </p:nvPr>
+        </p:nvSpPr>
+        <p:spPr/>
+        <p:txBody>
+          <a:bodyPr/>
+          <a:p>
+            <a:r>
+              <a:t>Footer</a:t>
+            </a:r>
+          </a:p>
+        </p:txBody>
+      </p:sp>
+      <p:sp>
+        <p:nvSpPr>
+          <p:cNvPr id="5" name="PlaceHolder 4"/>
+          <p:cNvSpPr>
+            <a:spLocks noGrp="1"/>
+          </p:cNvSpPr>
+          <p:nvPr>
+            <p:ph type="sldNum" idx="3"/>
+          </p:nvPr>
+        </p:nvSpPr>
+        <p:spPr/>
+        <p:txBody>
+          <a:bodyPr/>
+          <a:p>
+            <a:fld id="{F4717DCE-FF16-410F-A84C-E156CF7CA052}" type="slidenum">
+              <a:t>&lt;#&gt;</a:t>
+            </a:fld>
+          </a:p>
+        </p:txBody>
+      </p:sp>
+      <p:sp>
+        <p:nvSpPr>
+          <p:cNvPr id="6" name="PlaceHolder 5"/>
+          <p:cNvSpPr>
+            <a:spLocks noGrp="1"/>
+          </p:cNvSpPr>
+          <p:nvPr>
+            <p:ph type="dt" idx="1"/>
+          </p:nvPr>
+        </p:nvSpPr>
+        <p:spPr/>
+        <p:txBody>
+          <a:bodyPr/>
+          <a:p>
+            <a:r>
+              <a:rPr lang="en-US"/>
+              <a:t/>
+            </a:r>
+          </a:p>
+        </p:txBody>
+      </p:sp>
+    </p:spTree>
+  </p:cSld>
+</p:sldLayout>
+</file>
+
+<file path=ppt/slideLayouts/slideLayout2.xml><?xml version="1.0" encoding="utf-8"?>
 <p:sldLayout xmlns:a="http://schemas.openxmlformats.org/drawingml/2006/main" xmlns:p="http://schemas.openxmlformats.org/presentationml/2006/main" xmlns:r="http://schemas.openxmlformats.org/officeDocument/2006/relationships" xmlns:p14="http://schemas.microsoft.com/office/powerpoint/2010/main" xmlns:p15="http://schemas.microsoft.com/office/powerpoint/2012/main" xmlns:mc="http://schemas.openxmlformats.org/markup-compatibility/2006" type="title" preserve="1">
   <p:cSld name="Default">
     <p:spTree>
@@ -31,7 +212,7 @@
       </p:grpSpPr>
       <p:sp>
         <p:nvSpPr>
-          <p:cNvPr id="7" name="PlaceHolder 1"/>
+          <p:cNvPr id="9" name="PlaceHolder 1"/>
           <p:cNvSpPr>
             <a:spLocks noGrp="1"/>
           </p:cNvSpPr>
@@ -73,7 +254,7 @@
       </p:sp>
       <p:sp>
         <p:nvSpPr>
-          <p:cNvPr id="8" name="PlaceHolder 2"/>
+          <p:cNvPr id="10" name="PlaceHolder 2"/>
           <p:cNvSpPr>
             <a:spLocks noGrp="1"/>
           </p:cNvSpPr>
@@ -147,7 +328,7 @@
         <p:txBody>
           <a:bodyPr/>
           <a:p>
-            <a:fld id="{814932EE-97DB-42EA-9B53-12B5E95CAA23}" type="slidenum">
+            <a:fld id="{858B82AD-AEE1-48F3-BB52-D2745C51012C}" type="slidenum">
               <a:t>&lt;#&gt;</a:t>
             </a:fld>
           </a:p>
@@ -678,7 +859,7 @@
             <a:pPr indent="0" algn="r">
               <a:buNone/>
             </a:pPr>
-            <a:fld id="{09D6A6D1-6C6C-4792-B633-E9F2EDEEFB0C}" type="slidenum">
+            <a:fld id="{25B371AE-92AF-447C-A7AD-C4AA91CD54FA}" type="slidenum">
               <a:rPr b="0" lang="en-US" sz="1400" strike="noStrike" u="none">
                 <a:solidFill>
                   <a:srgbClr val="000000"/>
@@ -705,6 +886,7 @@
   <p:clrMap bg1="lt1" tx1="dk1" bg2="lt2" tx2="dk2" accent1="accent1" accent2="accent2" accent3="accent3" accent4="accent4" accent5="accent5" accent6="accent6" hlink="hlink" folHlink="folHlink"/>
   <p:sldLayoutIdLst>
     <p:sldLayoutId id="2147483649" r:id="rId2"/>
+    <p:sldLayoutId id="2147483650" r:id="rId3"/>
   </p:sldLayoutIdLst>
 </p:sldMaster>
 </file>
@@ -728,7 +910,7 @@
       </p:grpSpPr>
       <p:sp>
         <p:nvSpPr>
-          <p:cNvPr id="9" name="PlaceHolder 1"/>
+          <p:cNvPr id="11" name="PlaceHolder 1"/>
           <p:cNvSpPr>
             <a:spLocks noGrp="1"/>
           </p:cNvSpPr>
@@ -781,7 +963,7 @@
       </p:sp>
       <p:sp>
         <p:nvSpPr>
-          <p:cNvPr id="10" name="PlaceHolder 2"/>
+          <p:cNvPr id="12" name="PlaceHolder 2"/>
           <p:cNvSpPr>
             <a:spLocks noGrp="1"/>
           </p:cNvSpPr>
@@ -810,6 +992,1503 @@
             <a:pPr indent="0" algn="ctr">
               <a:buNone/>
             </a:pPr>
+            <a:endParaRPr b="0" lang="en-US" sz="3200" strike="noStrike" u="none">
+              <a:solidFill>
+                <a:srgbClr val="000000"/>
+              </a:solidFill>
+              <a:effectLst/>
+              <a:uFillTx/>
+              <a:latin typeface="Arial"/>
+            </a:endParaRPr>
+          </a:p>
+        </p:txBody>
+      </p:sp>
+    </p:spTree>
+  </p:cSld>
+  <mc:AlternateContent>
+    <mc:Choice Requires="p14">
+      <p:transition spd="slow" p14:dur="2000"/>
+    </mc:Choice>
+    <mc:Fallback>
+      <p:transition spd="slow"/>
+    </mc:Fallback>
+  </mc:AlternateContent>
+</p:sld>
+</file>
+
+<file path=ppt/slides/slide10.xml><?xml version="1.0" encoding="utf-8"?>
+<p:sld xmlns:a="http://schemas.openxmlformats.org/drawingml/2006/main" xmlns:p="http://schemas.openxmlformats.org/presentationml/2006/main" xmlns:r="http://schemas.openxmlformats.org/officeDocument/2006/relationships" xmlns:p14="http://schemas.microsoft.com/office/powerpoint/2010/main" xmlns:p15="http://schemas.microsoft.com/office/powerpoint/2012/main" xmlns:mc="http://schemas.openxmlformats.org/markup-compatibility/2006">
+  <p:cSld>
+    <p:spTree>
+      <p:nvGrpSpPr>
+        <p:cNvPr id="1" name=""/>
+        <p:cNvGrpSpPr/>
+        <p:nvPr/>
+      </p:nvGrpSpPr>
+      <p:grpSpPr>
+        <a:xfrm>
+          <a:off x="0" y="0"/>
+          <a:ext cx="0" cy="0"/>
+          <a:chOff x="0" y="0"/>
+          <a:chExt cx="0" cy="0"/>
+        </a:xfrm>
+      </p:grpSpPr>
+      <p:sp>
+        <p:nvSpPr>
+          <p:cNvPr id="29" name="PlaceHolder 1"/>
+          <p:cNvSpPr>
+            <a:spLocks noGrp="1"/>
+          </p:cNvSpPr>
+          <p:nvPr>
+            <p:ph type="title"/>
+          </p:nvPr>
+        </p:nvSpPr>
+        <p:spPr>
+          <a:xfrm>
+            <a:off x="504000" y="226080"/>
+            <a:ext cx="9071640" cy="946440"/>
+          </a:xfrm>
+          <a:prstGeom prst="rect">
+            <a:avLst/>
+          </a:prstGeom>
+          <a:noFill/>
+          <a:ln w="0">
+            <a:noFill/>
+          </a:ln>
+        </p:spPr>
+        <p:txBody>
+          <a:bodyPr lIns="0" rIns="0" tIns="0" bIns="0" anchor="ctr">
+            <a:spAutoFit/>
+          </a:bodyPr>
+          <a:p>
+            <a:pPr indent="0" algn="ctr">
+              <a:buNone/>
+            </a:pPr>
+            <a:r>
+              <a:rPr b="0" lang="en-US" sz="4400" strike="noStrike" u="none">
+                <a:solidFill>
+                  <a:srgbClr val="000000"/>
+                </a:solidFill>
+                <a:effectLst/>
+                <a:uFillTx/>
+                <a:latin typeface="Arial"/>
+              </a:rPr>
+              <a:t>… a další</a:t>
+            </a:r>
+            <a:endParaRPr b="0" lang="en-US" sz="4400" strike="noStrike" u="none">
+              <a:solidFill>
+                <a:srgbClr val="000000"/>
+              </a:solidFill>
+              <a:effectLst/>
+              <a:uFillTx/>
+              <a:latin typeface="Arial"/>
+            </a:endParaRPr>
+          </a:p>
+        </p:txBody>
+      </p:sp>
+      <p:sp>
+        <p:nvSpPr>
+          <p:cNvPr id="30" name="PlaceHolder 2"/>
+          <p:cNvSpPr>
+            <a:spLocks noGrp="1"/>
+          </p:cNvSpPr>
+          <p:nvPr>
+            <p:ph/>
+          </p:nvPr>
+        </p:nvSpPr>
+        <p:spPr>
+          <a:xfrm>
+            <a:off x="504000" y="1326600"/>
+            <a:ext cx="9071640" cy="3288240"/>
+          </a:xfrm>
+          <a:prstGeom prst="rect">
+            <a:avLst/>
+          </a:prstGeom>
+          <a:noFill/>
+          <a:ln w="0">
+            <a:noFill/>
+          </a:ln>
+        </p:spPr>
+        <p:txBody>
+          <a:bodyPr lIns="0" rIns="0" tIns="0" bIns="0" anchor="t">
+            <a:normAutofit/>
+          </a:bodyPr>
+          <a:p>
+            <a:pPr indent="0">
+              <a:spcBef>
+                <a:spcPts val="1417"/>
+              </a:spcBef>
+              <a:buNone/>
+            </a:pPr>
+            <a:endParaRPr b="0" lang="en-US" sz="3200" strike="noStrike" u="none">
+              <a:solidFill>
+                <a:srgbClr val="000000"/>
+              </a:solidFill>
+              <a:effectLst/>
+              <a:uFillTx/>
+              <a:latin typeface="Arial"/>
+            </a:endParaRPr>
+          </a:p>
+        </p:txBody>
+      </p:sp>
+    </p:spTree>
+  </p:cSld>
+  <mc:AlternateContent>
+    <mc:Choice Requires="p14">
+      <p:transition spd="slow" p14:dur="2000"/>
+    </mc:Choice>
+    <mc:Fallback>
+      <p:transition spd="slow"/>
+    </mc:Fallback>
+  </mc:AlternateContent>
+</p:sld>
+</file>
+
+<file path=ppt/slides/slide11.xml><?xml version="1.0" encoding="utf-8"?>
+<p:sld xmlns:a="http://schemas.openxmlformats.org/drawingml/2006/main" xmlns:p="http://schemas.openxmlformats.org/presentationml/2006/main" xmlns:r="http://schemas.openxmlformats.org/officeDocument/2006/relationships" xmlns:p14="http://schemas.microsoft.com/office/powerpoint/2010/main" xmlns:p15="http://schemas.microsoft.com/office/powerpoint/2012/main" xmlns:mc="http://schemas.openxmlformats.org/markup-compatibility/2006">
+  <p:cSld>
+    <p:spTree>
+      <p:nvGrpSpPr>
+        <p:cNvPr id="1" name=""/>
+        <p:cNvGrpSpPr/>
+        <p:nvPr/>
+      </p:nvGrpSpPr>
+      <p:grpSpPr>
+        <a:xfrm>
+          <a:off x="0" y="0"/>
+          <a:ext cx="0" cy="0"/>
+          <a:chOff x="0" y="0"/>
+          <a:chExt cx="0" cy="0"/>
+        </a:xfrm>
+      </p:grpSpPr>
+      <p:sp>
+        <p:nvSpPr>
+          <p:cNvPr id="31" name="PlaceHolder 1"/>
+          <p:cNvSpPr>
+            <a:spLocks noGrp="1"/>
+          </p:cNvSpPr>
+          <p:nvPr>
+            <p:ph type="title"/>
+          </p:nvPr>
+        </p:nvSpPr>
+        <p:spPr>
+          <a:xfrm>
+            <a:off x="504000" y="226080"/>
+            <a:ext cx="9071640" cy="946440"/>
+          </a:xfrm>
+          <a:prstGeom prst="rect">
+            <a:avLst/>
+          </a:prstGeom>
+          <a:noFill/>
+          <a:ln w="0">
+            <a:noFill/>
+          </a:ln>
+        </p:spPr>
+        <p:txBody>
+          <a:bodyPr lIns="0" rIns="0" tIns="0" bIns="0" anchor="ctr">
+            <a:spAutoFit/>
+          </a:bodyPr>
+          <a:p>
+            <a:pPr indent="0" algn="ctr">
+              <a:buNone/>
+            </a:pPr>
+            <a:r>
+              <a:rPr b="0" lang="en-US" sz="4400" strike="noStrike" u="none">
+                <a:solidFill>
+                  <a:srgbClr val="000000"/>
+                </a:solidFill>
+                <a:effectLst/>
+                <a:uFillTx/>
+                <a:latin typeface="Arial"/>
+              </a:rPr>
+              <a:t>Videohry</a:t>
+            </a:r>
+            <a:endParaRPr b="0" lang="en-US" sz="4400" strike="noStrike" u="none">
+              <a:solidFill>
+                <a:srgbClr val="000000"/>
+              </a:solidFill>
+              <a:effectLst/>
+              <a:uFillTx/>
+              <a:latin typeface="Arial"/>
+            </a:endParaRPr>
+          </a:p>
+        </p:txBody>
+      </p:sp>
+      <p:sp>
+        <p:nvSpPr>
+          <p:cNvPr id="32" name="PlaceHolder 2"/>
+          <p:cNvSpPr>
+            <a:spLocks noGrp="1"/>
+          </p:cNvSpPr>
+          <p:nvPr>
+            <p:ph/>
+          </p:nvPr>
+        </p:nvSpPr>
+        <p:spPr>
+          <a:xfrm>
+            <a:off x="504000" y="1326600"/>
+            <a:ext cx="9071640" cy="3288240"/>
+          </a:xfrm>
+          <a:prstGeom prst="rect">
+            <a:avLst/>
+          </a:prstGeom>
+          <a:noFill/>
+          <a:ln w="0">
+            <a:noFill/>
+          </a:ln>
+        </p:spPr>
+        <p:txBody>
+          <a:bodyPr lIns="0" rIns="0" tIns="0" bIns="0" anchor="t">
+            <a:normAutofit/>
+          </a:bodyPr>
+          <a:p>
+            <a:pPr indent="0">
+              <a:spcBef>
+                <a:spcPts val="1417"/>
+              </a:spcBef>
+              <a:buNone/>
+            </a:pPr>
+            <a:endParaRPr b="0" lang="en-US" sz="3200" strike="noStrike" u="none">
+              <a:solidFill>
+                <a:srgbClr val="000000"/>
+              </a:solidFill>
+              <a:effectLst/>
+              <a:uFillTx/>
+              <a:latin typeface="Arial"/>
+            </a:endParaRPr>
+          </a:p>
+        </p:txBody>
+      </p:sp>
+    </p:spTree>
+  </p:cSld>
+  <mc:AlternateContent>
+    <mc:Choice Requires="p14">
+      <p:transition spd="slow" p14:dur="2000"/>
+    </mc:Choice>
+    <mc:Fallback>
+      <p:transition spd="slow"/>
+    </mc:Fallback>
+  </mc:AlternateContent>
+</p:sld>
+</file>
+
+<file path=ppt/slides/slide12.xml><?xml version="1.0" encoding="utf-8"?>
+<p:sld xmlns:a="http://schemas.openxmlformats.org/drawingml/2006/main" xmlns:p="http://schemas.openxmlformats.org/presentationml/2006/main" xmlns:r="http://schemas.openxmlformats.org/officeDocument/2006/relationships" xmlns:p14="http://schemas.microsoft.com/office/powerpoint/2010/main" xmlns:p15="http://schemas.microsoft.com/office/powerpoint/2012/main" xmlns:mc="http://schemas.openxmlformats.org/markup-compatibility/2006">
+  <p:cSld>
+    <p:spTree>
+      <p:nvGrpSpPr>
+        <p:cNvPr id="1" name=""/>
+        <p:cNvGrpSpPr/>
+        <p:nvPr/>
+      </p:nvGrpSpPr>
+      <p:grpSpPr>
+        <a:xfrm>
+          <a:off x="0" y="0"/>
+          <a:ext cx="0" cy="0"/>
+          <a:chOff x="0" y="0"/>
+          <a:chExt cx="0" cy="0"/>
+        </a:xfrm>
+      </p:grpSpPr>
+      <p:sp>
+        <p:nvSpPr>
+          <p:cNvPr id="33" name="PlaceHolder 1"/>
+          <p:cNvSpPr>
+            <a:spLocks noGrp="1"/>
+          </p:cNvSpPr>
+          <p:nvPr>
+            <p:ph type="title"/>
+          </p:nvPr>
+        </p:nvSpPr>
+        <p:spPr>
+          <a:xfrm>
+            <a:off x="504000" y="226080"/>
+            <a:ext cx="9071640" cy="946440"/>
+          </a:xfrm>
+          <a:prstGeom prst="rect">
+            <a:avLst/>
+          </a:prstGeom>
+          <a:noFill/>
+          <a:ln w="0">
+            <a:noFill/>
+          </a:ln>
+        </p:spPr>
+        <p:txBody>
+          <a:bodyPr lIns="0" rIns="0" tIns="0" bIns="0" anchor="ctr">
+            <a:spAutoFit/>
+          </a:bodyPr>
+          <a:p>
+            <a:pPr indent="0" algn="ctr">
+              <a:buNone/>
+            </a:pPr>
+            <a:r>
+              <a:rPr b="0" lang="en-US" sz="4400" strike="noStrike" u="none">
+                <a:solidFill>
+                  <a:srgbClr val="000000"/>
+                </a:solidFill>
+                <a:effectLst/>
+                <a:uFillTx/>
+                <a:latin typeface="Arial"/>
+              </a:rPr>
+              <a:t>Lidské vnímání náhodnosti</a:t>
+            </a:r>
+            <a:endParaRPr b="0" lang="en-US" sz="4400" strike="noStrike" u="none">
+              <a:solidFill>
+                <a:srgbClr val="000000"/>
+              </a:solidFill>
+              <a:effectLst/>
+              <a:uFillTx/>
+              <a:latin typeface="Arial"/>
+            </a:endParaRPr>
+          </a:p>
+        </p:txBody>
+      </p:sp>
+      <p:sp>
+        <p:nvSpPr>
+          <p:cNvPr id="34" name="PlaceHolder 2"/>
+          <p:cNvSpPr>
+            <a:spLocks noGrp="1"/>
+          </p:cNvSpPr>
+          <p:nvPr>
+            <p:ph/>
+          </p:nvPr>
+        </p:nvSpPr>
+        <p:spPr>
+          <a:xfrm>
+            <a:off x="504000" y="1326600"/>
+            <a:ext cx="9071640" cy="3288240"/>
+          </a:xfrm>
+          <a:prstGeom prst="rect">
+            <a:avLst/>
+          </a:prstGeom>
+          <a:noFill/>
+          <a:ln w="0">
+            <a:noFill/>
+          </a:ln>
+        </p:spPr>
+        <p:txBody>
+          <a:bodyPr lIns="0" rIns="0" tIns="0" bIns="0" anchor="t">
+            <a:normAutofit/>
+          </a:bodyPr>
+          <a:p>
+            <a:pPr indent="0">
+              <a:spcBef>
+                <a:spcPts val="1417"/>
+              </a:spcBef>
+              <a:buNone/>
+            </a:pPr>
+            <a:endParaRPr b="0" lang="en-US" sz="3200" strike="noStrike" u="none">
+              <a:solidFill>
+                <a:srgbClr val="000000"/>
+              </a:solidFill>
+              <a:effectLst/>
+              <a:uFillTx/>
+              <a:latin typeface="Arial"/>
+            </a:endParaRPr>
+          </a:p>
+        </p:txBody>
+      </p:sp>
+    </p:spTree>
+  </p:cSld>
+  <mc:AlternateContent>
+    <mc:Choice Requires="p14">
+      <p:transition spd="slow" p14:dur="2000"/>
+    </mc:Choice>
+    <mc:Fallback>
+      <p:transition spd="slow"/>
+    </mc:Fallback>
+  </mc:AlternateContent>
+</p:sld>
+</file>
+
+<file path=ppt/slides/slide2.xml><?xml version="1.0" encoding="utf-8"?>
+<p:sld xmlns:a="http://schemas.openxmlformats.org/drawingml/2006/main" xmlns:p="http://schemas.openxmlformats.org/presentationml/2006/main" xmlns:r="http://schemas.openxmlformats.org/officeDocument/2006/relationships" xmlns:p14="http://schemas.microsoft.com/office/powerpoint/2010/main" xmlns:p15="http://schemas.microsoft.com/office/powerpoint/2012/main" xmlns:mc="http://schemas.openxmlformats.org/markup-compatibility/2006">
+  <p:cSld>
+    <p:spTree>
+      <p:nvGrpSpPr>
+        <p:cNvPr id="1" name=""/>
+        <p:cNvGrpSpPr/>
+        <p:nvPr/>
+      </p:nvGrpSpPr>
+      <p:grpSpPr>
+        <a:xfrm>
+          <a:off x="0" y="0"/>
+          <a:ext cx="0" cy="0"/>
+          <a:chOff x="0" y="0"/>
+          <a:chExt cx="0" cy="0"/>
+        </a:xfrm>
+      </p:grpSpPr>
+      <p:sp>
+        <p:nvSpPr>
+          <p:cNvPr id="13" name="PlaceHolder 1"/>
+          <p:cNvSpPr>
+            <a:spLocks noGrp="1"/>
+          </p:cNvSpPr>
+          <p:nvPr>
+            <p:ph type="title"/>
+          </p:nvPr>
+        </p:nvSpPr>
+        <p:spPr>
+          <a:xfrm>
+            <a:off x="504000" y="226080"/>
+            <a:ext cx="9071640" cy="946440"/>
+          </a:xfrm>
+          <a:prstGeom prst="rect">
+            <a:avLst/>
+          </a:prstGeom>
+          <a:noFill/>
+          <a:ln w="0">
+            <a:noFill/>
+          </a:ln>
+        </p:spPr>
+        <p:txBody>
+          <a:bodyPr lIns="0" rIns="0" tIns="0" bIns="0" anchor="ctr">
+            <a:spAutoFit/>
+          </a:bodyPr>
+          <a:p>
+            <a:pPr indent="0" algn="ctr">
+              <a:buNone/>
+            </a:pPr>
+            <a:r>
+              <a:rPr b="0" lang="en-US" sz="4400" strike="noStrike" u="none">
+                <a:solidFill>
+                  <a:srgbClr val="000000"/>
+                </a:solidFill>
+                <a:effectLst/>
+                <a:uFillTx/>
+                <a:latin typeface="Arial"/>
+              </a:rPr>
+              <a:t>Definice</a:t>
+            </a:r>
+            <a:endParaRPr b="0" lang="en-US" sz="4400" strike="noStrike" u="none">
+              <a:solidFill>
+                <a:srgbClr val="000000"/>
+              </a:solidFill>
+              <a:effectLst/>
+              <a:uFillTx/>
+              <a:latin typeface="Arial"/>
+            </a:endParaRPr>
+          </a:p>
+        </p:txBody>
+      </p:sp>
+      <p:sp>
+        <p:nvSpPr>
+          <p:cNvPr id="14" name="PlaceHolder 2"/>
+          <p:cNvSpPr>
+            <a:spLocks noGrp="1"/>
+          </p:cNvSpPr>
+          <p:nvPr>
+            <p:ph/>
+          </p:nvPr>
+        </p:nvSpPr>
+        <p:spPr>
+          <a:xfrm>
+            <a:off x="504000" y="1326600"/>
+            <a:ext cx="9071640" cy="3288240"/>
+          </a:xfrm>
+          <a:prstGeom prst="rect">
+            <a:avLst/>
+          </a:prstGeom>
+          <a:noFill/>
+          <a:ln w="0">
+            <a:noFill/>
+          </a:ln>
+        </p:spPr>
+        <p:txBody>
+          <a:bodyPr lIns="0" rIns="0" tIns="0" bIns="0" anchor="t">
+            <a:normAutofit/>
+          </a:bodyPr>
+          <a:p>
+            <a:pPr indent="0">
+              <a:spcBef>
+                <a:spcPts val="1191"/>
+              </a:spcBef>
+              <a:spcAft>
+                <a:spcPts val="992"/>
+              </a:spcAft>
+              <a:buNone/>
+            </a:pPr>
+            <a:r>
+              <a:rPr b="0" lang="en-US" sz="1000" strike="noStrike" u="none">
+                <a:solidFill>
+                  <a:srgbClr val="000000"/>
+                </a:solidFill>
+                <a:effectLst/>
+                <a:uFillTx/>
+                <a:latin typeface="Arial"/>
+              </a:rPr>
+              <a:t>Definice náhodnost - vlastnost jevů či dat, jejichž výsledek nebo příčinu nelze předem přesně určit, přestože mohou být teoreticky opakovatelné </a:t>
+            </a:r>
+            <a:endParaRPr b="0" lang="en-US" sz="1000" strike="noStrike" u="none">
+              <a:solidFill>
+                <a:srgbClr val="000000"/>
+              </a:solidFill>
+              <a:effectLst/>
+              <a:uFillTx/>
+              <a:latin typeface="Arial"/>
+            </a:endParaRPr>
+          </a:p>
+        </p:txBody>
+      </p:sp>
+    </p:spTree>
+  </p:cSld>
+  <mc:AlternateContent>
+    <mc:Choice Requires="p14">
+      <p:transition spd="slow" p14:dur="2000"/>
+    </mc:Choice>
+    <mc:Fallback>
+      <p:transition spd="slow"/>
+    </mc:Fallback>
+  </mc:AlternateContent>
+</p:sld>
+</file>
+
+<file path=ppt/slides/slide3.xml><?xml version="1.0" encoding="utf-8"?>
+<p:sld xmlns:a="http://schemas.openxmlformats.org/drawingml/2006/main" xmlns:p="http://schemas.openxmlformats.org/presentationml/2006/main" xmlns:r="http://schemas.openxmlformats.org/officeDocument/2006/relationships" xmlns:p14="http://schemas.microsoft.com/office/powerpoint/2010/main" xmlns:p15="http://schemas.microsoft.com/office/powerpoint/2012/main" xmlns:mc="http://schemas.openxmlformats.org/markup-compatibility/2006">
+  <p:cSld>
+    <p:spTree>
+      <p:nvGrpSpPr>
+        <p:cNvPr id="1" name=""/>
+        <p:cNvGrpSpPr/>
+        <p:nvPr/>
+      </p:nvGrpSpPr>
+      <p:grpSpPr>
+        <a:xfrm>
+          <a:off x="0" y="0"/>
+          <a:ext cx="0" cy="0"/>
+          <a:chOff x="0" y="0"/>
+          <a:chExt cx="0" cy="0"/>
+        </a:xfrm>
+      </p:grpSpPr>
+      <p:sp>
+        <p:nvSpPr>
+          <p:cNvPr id="15" name="PlaceHolder 1"/>
+          <p:cNvSpPr>
+            <a:spLocks noGrp="1"/>
+          </p:cNvSpPr>
+          <p:nvPr>
+            <p:ph type="title"/>
+          </p:nvPr>
+        </p:nvSpPr>
+        <p:spPr>
+          <a:xfrm>
+            <a:off x="504000" y="226080"/>
+            <a:ext cx="9071640" cy="946440"/>
+          </a:xfrm>
+          <a:prstGeom prst="rect">
+            <a:avLst/>
+          </a:prstGeom>
+          <a:noFill/>
+          <a:ln w="0">
+            <a:noFill/>
+          </a:ln>
+        </p:spPr>
+        <p:txBody>
+          <a:bodyPr lIns="0" rIns="0" tIns="0" bIns="0" anchor="ctr">
+            <a:spAutoFit/>
+          </a:bodyPr>
+          <a:p>
+            <a:pPr indent="0" algn="ctr">
+              <a:buNone/>
+            </a:pPr>
+            <a:r>
+              <a:rPr b="0" lang="en-US" sz="4400" strike="noStrike" u="none">
+                <a:solidFill>
+                  <a:srgbClr val="000000"/>
+                </a:solidFill>
+                <a:effectLst/>
+                <a:uFillTx/>
+                <a:latin typeface="Arial"/>
+              </a:rPr>
+              <a:t>Pseudonáhodnost</a:t>
+            </a:r>
+            <a:endParaRPr b="0" lang="en-US" sz="4400" strike="noStrike" u="none">
+              <a:solidFill>
+                <a:srgbClr val="000000"/>
+              </a:solidFill>
+              <a:effectLst/>
+              <a:uFillTx/>
+              <a:latin typeface="Arial"/>
+            </a:endParaRPr>
+          </a:p>
+        </p:txBody>
+      </p:sp>
+      <p:sp>
+        <p:nvSpPr>
+          <p:cNvPr id="16" name="PlaceHolder 2"/>
+          <p:cNvSpPr>
+            <a:spLocks noGrp="1"/>
+          </p:cNvSpPr>
+          <p:nvPr>
+            <p:ph/>
+          </p:nvPr>
+        </p:nvSpPr>
+        <p:spPr>
+          <a:xfrm>
+            <a:off x="504000" y="1326600"/>
+            <a:ext cx="9071640" cy="3288240"/>
+          </a:xfrm>
+          <a:prstGeom prst="rect">
+            <a:avLst/>
+          </a:prstGeom>
+          <a:noFill/>
+          <a:ln w="0">
+            <a:noFill/>
+          </a:ln>
+        </p:spPr>
+        <p:txBody>
+          <a:bodyPr lIns="0" rIns="0" tIns="0" bIns="0" anchor="t">
+            <a:normAutofit/>
+          </a:bodyPr>
+          <a:p>
+            <a:pPr indent="0">
+              <a:spcBef>
+                <a:spcPts val="1417"/>
+              </a:spcBef>
+              <a:buNone/>
+            </a:pPr>
+            <a:endParaRPr b="0" lang="en-US" sz="3200" strike="noStrike" u="none">
+              <a:solidFill>
+                <a:srgbClr val="000000"/>
+              </a:solidFill>
+              <a:effectLst/>
+              <a:uFillTx/>
+              <a:latin typeface="Arial"/>
+            </a:endParaRPr>
+          </a:p>
+        </p:txBody>
+      </p:sp>
+    </p:spTree>
+  </p:cSld>
+  <mc:AlternateContent>
+    <mc:Choice Requires="p14">
+      <p:transition spd="slow" p14:dur="2000"/>
+    </mc:Choice>
+    <mc:Fallback>
+      <p:transition spd="slow"/>
+    </mc:Fallback>
+  </mc:AlternateContent>
+</p:sld>
+</file>
+
+<file path=ppt/slides/slide4.xml><?xml version="1.0" encoding="utf-8"?>
+<p:sld xmlns:a="http://schemas.openxmlformats.org/drawingml/2006/main" xmlns:p="http://schemas.openxmlformats.org/presentationml/2006/main" xmlns:r="http://schemas.openxmlformats.org/officeDocument/2006/relationships" xmlns:p14="http://schemas.microsoft.com/office/powerpoint/2010/main" xmlns:p15="http://schemas.microsoft.com/office/powerpoint/2012/main" xmlns:mc="http://schemas.openxmlformats.org/markup-compatibility/2006">
+  <p:cSld>
+    <p:spTree>
+      <p:nvGrpSpPr>
+        <p:cNvPr id="1" name=""/>
+        <p:cNvGrpSpPr/>
+        <p:nvPr/>
+      </p:nvGrpSpPr>
+      <p:grpSpPr>
+        <a:xfrm>
+          <a:off x="0" y="0"/>
+          <a:ext cx="0" cy="0"/>
+          <a:chOff x="0" y="0"/>
+          <a:chExt cx="0" cy="0"/>
+        </a:xfrm>
+      </p:grpSpPr>
+      <p:sp>
+        <p:nvSpPr>
+          <p:cNvPr id="17" name="PlaceHolder 1"/>
+          <p:cNvSpPr>
+            <a:spLocks noGrp="1"/>
+          </p:cNvSpPr>
+          <p:nvPr>
+            <p:ph type="title"/>
+          </p:nvPr>
+        </p:nvSpPr>
+        <p:spPr>
+          <a:xfrm>
+            <a:off x="504000" y="226080"/>
+            <a:ext cx="9071640" cy="946440"/>
+          </a:xfrm>
+          <a:prstGeom prst="rect">
+            <a:avLst/>
+          </a:prstGeom>
+          <a:noFill/>
+          <a:ln w="0">
+            <a:noFill/>
+          </a:ln>
+        </p:spPr>
+        <p:txBody>
+          <a:bodyPr lIns="0" rIns="0" tIns="0" bIns="0" anchor="ctr">
+            <a:spAutoFit/>
+          </a:bodyPr>
+          <a:p>
+            <a:pPr indent="0" algn="ctr">
+              <a:buNone/>
+            </a:pPr>
+            <a:r>
+              <a:rPr b="0" lang="en-US" sz="4400" strike="noStrike" u="none">
+                <a:solidFill>
+                  <a:srgbClr val="000000"/>
+                </a:solidFill>
+                <a:effectLst/>
+                <a:uFillTx/>
+                <a:latin typeface="Arial"/>
+              </a:rPr>
+              <a:t>Historie</a:t>
+            </a:r>
+            <a:endParaRPr b="0" lang="en-US" sz="4400" strike="noStrike" u="none">
+              <a:solidFill>
+                <a:srgbClr val="000000"/>
+              </a:solidFill>
+              <a:effectLst/>
+              <a:uFillTx/>
+              <a:latin typeface="Arial"/>
+            </a:endParaRPr>
+          </a:p>
+        </p:txBody>
+      </p:sp>
+      <p:sp>
+        <p:nvSpPr>
+          <p:cNvPr id="18" name="PlaceHolder 2"/>
+          <p:cNvSpPr>
+            <a:spLocks noGrp="1"/>
+          </p:cNvSpPr>
+          <p:nvPr>
+            <p:ph/>
+          </p:nvPr>
+        </p:nvSpPr>
+        <p:spPr>
+          <a:xfrm>
+            <a:off x="504000" y="1326600"/>
+            <a:ext cx="9071640" cy="3288240"/>
+          </a:xfrm>
+          <a:prstGeom prst="rect">
+            <a:avLst/>
+          </a:prstGeom>
+          <a:noFill/>
+          <a:ln w="0">
+            <a:noFill/>
+          </a:ln>
+        </p:spPr>
+        <p:txBody>
+          <a:bodyPr lIns="0" rIns="0" tIns="0" bIns="0" anchor="t">
+            <a:normAutofit/>
+          </a:bodyPr>
+          <a:p>
+            <a:pPr indent="0">
+              <a:spcBef>
+                <a:spcPts val="1417"/>
+              </a:spcBef>
+              <a:buNone/>
+            </a:pPr>
+            <a:endParaRPr b="0" lang="en-US" sz="3200" strike="noStrike" u="none">
+              <a:solidFill>
+                <a:srgbClr val="000000"/>
+              </a:solidFill>
+              <a:effectLst/>
+              <a:uFillTx/>
+              <a:latin typeface="Arial"/>
+            </a:endParaRPr>
+          </a:p>
+        </p:txBody>
+      </p:sp>
+    </p:spTree>
+  </p:cSld>
+  <mc:AlternateContent>
+    <mc:Choice Requires="p14">
+      <p:transition spd="slow" p14:dur="2000"/>
+    </mc:Choice>
+    <mc:Fallback>
+      <p:transition spd="slow"/>
+    </mc:Fallback>
+  </mc:AlternateContent>
+</p:sld>
+</file>
+
+<file path=ppt/slides/slide5.xml><?xml version="1.0" encoding="utf-8"?>
+<p:sld xmlns:a="http://schemas.openxmlformats.org/drawingml/2006/main" xmlns:p="http://schemas.openxmlformats.org/presentationml/2006/main" xmlns:r="http://schemas.openxmlformats.org/officeDocument/2006/relationships" xmlns:p14="http://schemas.microsoft.com/office/powerpoint/2010/main" xmlns:p15="http://schemas.microsoft.com/office/powerpoint/2012/main" xmlns:mc="http://schemas.openxmlformats.org/markup-compatibility/2006">
+  <p:cSld>
+    <p:spTree>
+      <p:nvGrpSpPr>
+        <p:cNvPr id="1" name=""/>
+        <p:cNvGrpSpPr/>
+        <p:nvPr/>
+      </p:nvGrpSpPr>
+      <p:grpSpPr>
+        <a:xfrm>
+          <a:off x="0" y="0"/>
+          <a:ext cx="0" cy="0"/>
+          <a:chOff x="0" y="0"/>
+          <a:chExt cx="0" cy="0"/>
+        </a:xfrm>
+      </p:grpSpPr>
+      <p:sp>
+        <p:nvSpPr>
+          <p:cNvPr id="19" name="PlaceHolder 1"/>
+          <p:cNvSpPr>
+            <a:spLocks noGrp="1"/>
+          </p:cNvSpPr>
+          <p:nvPr>
+            <p:ph type="title"/>
+          </p:nvPr>
+        </p:nvSpPr>
+        <p:spPr>
+          <a:xfrm>
+            <a:off x="504000" y="226080"/>
+            <a:ext cx="9071640" cy="946440"/>
+          </a:xfrm>
+          <a:prstGeom prst="rect">
+            <a:avLst/>
+          </a:prstGeom>
+          <a:noFill/>
+          <a:ln w="0">
+            <a:noFill/>
+          </a:ln>
+        </p:spPr>
+        <p:txBody>
+          <a:bodyPr lIns="0" rIns="0" tIns="0" bIns="0" anchor="ctr">
+            <a:spAutoFit/>
+          </a:bodyPr>
+          <a:p>
+            <a:pPr indent="0" algn="ctr">
+              <a:buNone/>
+            </a:pPr>
+            <a:r>
+              <a:rPr b="0" lang="en-US" sz="4400" strike="noStrike" u="none">
+                <a:solidFill>
+                  <a:srgbClr val="000000"/>
+                </a:solidFill>
+                <a:effectLst/>
+                <a:uFillTx/>
+                <a:latin typeface="Arial"/>
+              </a:rPr>
+              <a:t>Princip náhodnosti v počítačích</a:t>
+            </a:r>
+            <a:endParaRPr b="0" lang="en-US" sz="4400" strike="noStrike" u="none">
+              <a:solidFill>
+                <a:srgbClr val="000000"/>
+              </a:solidFill>
+              <a:effectLst/>
+              <a:uFillTx/>
+              <a:latin typeface="Arial"/>
+            </a:endParaRPr>
+          </a:p>
+        </p:txBody>
+      </p:sp>
+      <p:sp>
+        <p:nvSpPr>
+          <p:cNvPr id="20" name="PlaceHolder 2"/>
+          <p:cNvSpPr>
+            <a:spLocks noGrp="1"/>
+          </p:cNvSpPr>
+          <p:nvPr>
+            <p:ph/>
+          </p:nvPr>
+        </p:nvSpPr>
+        <p:spPr>
+          <a:xfrm>
+            <a:off x="504000" y="1326600"/>
+            <a:ext cx="9071640" cy="3288240"/>
+          </a:xfrm>
+          <a:prstGeom prst="rect">
+            <a:avLst/>
+          </a:prstGeom>
+          <a:noFill/>
+          <a:ln w="0">
+            <a:noFill/>
+          </a:ln>
+        </p:spPr>
+        <p:txBody>
+          <a:bodyPr lIns="0" rIns="0" tIns="0" bIns="0" anchor="t">
+            <a:normAutofit/>
+          </a:bodyPr>
+          <a:p>
+            <a:pPr marL="432000" indent="-324000">
+              <a:spcBef>
+                <a:spcPts val="1417"/>
+              </a:spcBef>
+              <a:buClr>
+                <a:srgbClr val="000000"/>
+              </a:buClr>
+              <a:buSzPct val="45000"/>
+              <a:buFont typeface="Wingdings" charset="2"/>
+              <a:buChar char=""/>
+            </a:pPr>
+            <a:r>
+              <a:rPr b="0" lang="en-US" sz="3200" strike="noStrike" u="none">
+                <a:solidFill>
+                  <a:srgbClr val="000000"/>
+                </a:solidFill>
+                <a:effectLst/>
+                <a:uFillTx/>
+                <a:latin typeface="Arial"/>
+              </a:rPr>
+              <a:t>Velmi jednoduchá funkce generátoru náhodných čísel</a:t>
+            </a:r>
+            <a:endParaRPr b="0" lang="en-US" sz="3200" strike="noStrike" u="none">
+              <a:solidFill>
+                <a:srgbClr val="000000"/>
+              </a:solidFill>
+              <a:effectLst/>
+              <a:uFillTx/>
+              <a:latin typeface="Arial"/>
+            </a:endParaRPr>
+          </a:p>
+        </p:txBody>
+      </p:sp>
+    </p:spTree>
+  </p:cSld>
+  <mc:AlternateContent>
+    <mc:Choice Requires="p14">
+      <p:transition spd="slow" p14:dur="2000"/>
+    </mc:Choice>
+    <mc:Fallback>
+      <p:transition spd="slow"/>
+    </mc:Fallback>
+  </mc:AlternateContent>
+</p:sld>
+</file>
+
+<file path=ppt/slides/slide6.xml><?xml version="1.0" encoding="utf-8"?>
+<p:sld xmlns:a="http://schemas.openxmlformats.org/drawingml/2006/main" xmlns:p="http://schemas.openxmlformats.org/presentationml/2006/main" xmlns:r="http://schemas.openxmlformats.org/officeDocument/2006/relationships" xmlns:p14="http://schemas.microsoft.com/office/powerpoint/2010/main" xmlns:p15="http://schemas.microsoft.com/office/powerpoint/2012/main" xmlns:mc="http://schemas.openxmlformats.org/markup-compatibility/2006">
+  <p:cSld>
+    <p:spTree>
+      <p:nvGrpSpPr>
+        <p:cNvPr id="1" name=""/>
+        <p:cNvGrpSpPr/>
+        <p:nvPr/>
+      </p:nvGrpSpPr>
+      <p:grpSpPr>
+        <a:xfrm>
+          <a:off x="0" y="0"/>
+          <a:ext cx="0" cy="0"/>
+          <a:chOff x="0" y="0"/>
+          <a:chExt cx="0" cy="0"/>
+        </a:xfrm>
+      </p:grpSpPr>
+      <p:sp>
+        <p:nvSpPr>
+          <p:cNvPr id="21" name="PlaceHolder 1"/>
+          <p:cNvSpPr>
+            <a:spLocks noGrp="1"/>
+          </p:cNvSpPr>
+          <p:nvPr>
+            <p:ph type="title"/>
+          </p:nvPr>
+        </p:nvSpPr>
+        <p:spPr>
+          <a:xfrm>
+            <a:off x="504000" y="226080"/>
+            <a:ext cx="9071640" cy="946440"/>
+          </a:xfrm>
+          <a:prstGeom prst="rect">
+            <a:avLst/>
+          </a:prstGeom>
+          <a:noFill/>
+          <a:ln w="0">
+            <a:noFill/>
+          </a:ln>
+        </p:spPr>
+        <p:txBody>
+          <a:bodyPr lIns="0" rIns="0" tIns="0" bIns="0" anchor="ctr">
+            <a:spAutoFit/>
+          </a:bodyPr>
+          <a:p>
+            <a:pPr indent="0" algn="ctr">
+              <a:buNone/>
+            </a:pPr>
+            <a:r>
+              <a:rPr b="0" lang="en-US" sz="4400" strike="noStrike" u="none">
+                <a:solidFill>
+                  <a:srgbClr val="000000"/>
+                </a:solidFill>
+                <a:effectLst/>
+                <a:uFillTx/>
+                <a:latin typeface="Arial"/>
+              </a:rPr>
+              <a:t>SEEDS</a:t>
+            </a:r>
+            <a:endParaRPr b="0" lang="en-US" sz="4400" strike="noStrike" u="none">
+              <a:solidFill>
+                <a:srgbClr val="000000"/>
+              </a:solidFill>
+              <a:effectLst/>
+              <a:uFillTx/>
+              <a:latin typeface="Arial"/>
+            </a:endParaRPr>
+          </a:p>
+        </p:txBody>
+      </p:sp>
+      <p:sp>
+        <p:nvSpPr>
+          <p:cNvPr id="22" name="PlaceHolder 2"/>
+          <p:cNvSpPr>
+            <a:spLocks noGrp="1"/>
+          </p:cNvSpPr>
+          <p:nvPr>
+            <p:ph/>
+          </p:nvPr>
+        </p:nvSpPr>
+        <p:spPr>
+          <a:xfrm>
+            <a:off x="504000" y="1326600"/>
+            <a:ext cx="9071640" cy="3288240"/>
+          </a:xfrm>
+          <a:prstGeom prst="rect">
+            <a:avLst/>
+          </a:prstGeom>
+          <a:noFill/>
+          <a:ln w="0">
+            <a:noFill/>
+          </a:ln>
+        </p:spPr>
+        <p:txBody>
+          <a:bodyPr lIns="0" rIns="0" tIns="0" bIns="0" anchor="t">
+            <a:normAutofit/>
+          </a:bodyPr>
+          <a:p>
+            <a:pPr marL="432000" indent="0">
+              <a:spcBef>
+                <a:spcPts val="1417"/>
+              </a:spcBef>
+              <a:buNone/>
+            </a:pPr>
+            <a:r>
+              <a:rPr b="0" lang="en-US" sz="3200" strike="noStrike" u="none">
+                <a:solidFill>
+                  <a:srgbClr val="000000"/>
+                </a:solidFill>
+                <a:effectLst/>
+                <a:uFillTx/>
+                <a:latin typeface="Arial"/>
+              </a:rPr>
+              <a:t>Čas jako SEED</a:t>
+            </a:r>
+            <a:endParaRPr b="0" lang="en-US" sz="3200" strike="noStrike" u="none">
+              <a:solidFill>
+                <a:srgbClr val="000000"/>
+              </a:solidFill>
+              <a:effectLst/>
+              <a:uFillTx/>
+              <a:latin typeface="Arial"/>
+            </a:endParaRPr>
+          </a:p>
+          <a:p>
+            <a:pPr marL="432000" indent="-324000">
+              <a:spcBef>
+                <a:spcPts val="1417"/>
+              </a:spcBef>
+              <a:buClr>
+                <a:srgbClr val="000000"/>
+              </a:buClr>
+              <a:buSzPct val="45000"/>
+              <a:buFont typeface="Wingdings" charset="2"/>
+              <a:buChar char=""/>
+            </a:pPr>
+            <a:r>
+              <a:rPr b="0" lang="en-US" sz="3200" strike="noStrike" u="none">
+                <a:solidFill>
+                  <a:srgbClr val="000000"/>
+                </a:solidFill>
+                <a:effectLst/>
+                <a:uFillTx/>
+                <a:latin typeface="Arial"/>
+              </a:rPr>
+              <a:t>yadayada</a:t>
+            </a:r>
+            <a:endParaRPr b="0" lang="en-US" sz="3200" strike="noStrike" u="none">
+              <a:solidFill>
+                <a:srgbClr val="000000"/>
+              </a:solidFill>
+              <a:effectLst/>
+              <a:uFillTx/>
+              <a:latin typeface="Arial"/>
+            </a:endParaRPr>
+          </a:p>
+        </p:txBody>
+      </p:sp>
+    </p:spTree>
+  </p:cSld>
+  <mc:AlternateContent>
+    <mc:Choice Requires="p14">
+      <p:transition spd="slow" p14:dur="2000"/>
+    </mc:Choice>
+    <mc:Fallback>
+      <p:transition spd="slow"/>
+    </mc:Fallback>
+  </mc:AlternateContent>
+</p:sld>
+</file>
+
+<file path=ppt/slides/slide7.xml><?xml version="1.0" encoding="utf-8"?>
+<p:sld xmlns:a="http://schemas.openxmlformats.org/drawingml/2006/main" xmlns:p="http://schemas.openxmlformats.org/presentationml/2006/main" xmlns:r="http://schemas.openxmlformats.org/officeDocument/2006/relationships" xmlns:p14="http://schemas.microsoft.com/office/powerpoint/2010/main" xmlns:p15="http://schemas.microsoft.com/office/powerpoint/2012/main" xmlns:mc="http://schemas.openxmlformats.org/markup-compatibility/2006">
+  <p:cSld>
+    <p:spTree>
+      <p:nvGrpSpPr>
+        <p:cNvPr id="1" name=""/>
+        <p:cNvGrpSpPr/>
+        <p:nvPr/>
+      </p:nvGrpSpPr>
+      <p:grpSpPr>
+        <a:xfrm>
+          <a:off x="0" y="0"/>
+          <a:ext cx="0" cy="0"/>
+          <a:chOff x="0" y="0"/>
+          <a:chExt cx="0" cy="0"/>
+        </a:xfrm>
+      </p:grpSpPr>
+      <p:sp>
+        <p:nvSpPr>
+          <p:cNvPr id="23" name="PlaceHolder 1"/>
+          <p:cNvSpPr>
+            <a:spLocks noGrp="1"/>
+          </p:cNvSpPr>
+          <p:nvPr>
+            <p:ph type="title"/>
+          </p:nvPr>
+        </p:nvSpPr>
+        <p:spPr>
+          <a:xfrm>
+            <a:off x="504000" y="226080"/>
+            <a:ext cx="9071640" cy="946440"/>
+          </a:xfrm>
+          <a:prstGeom prst="rect">
+            <a:avLst/>
+          </a:prstGeom>
+          <a:noFill/>
+          <a:ln w="0">
+            <a:noFill/>
+          </a:ln>
+        </p:spPr>
+        <p:txBody>
+          <a:bodyPr lIns="0" rIns="0" tIns="0" bIns="0" anchor="ctr">
+            <a:spAutoFit/>
+          </a:bodyPr>
+          <a:p>
+            <a:pPr indent="0" algn="ctr">
+              <a:buNone/>
+            </a:pPr>
+            <a:r>
+              <a:rPr b="0" lang="en-US" sz="4400" strike="noStrike" u="none">
+                <a:solidFill>
+                  <a:srgbClr val="000000"/>
+                </a:solidFill>
+                <a:effectLst/>
+                <a:uFillTx/>
+                <a:latin typeface="Arial"/>
+              </a:rPr>
+              <a:t>Využití</a:t>
+            </a:r>
+            <a:endParaRPr b="0" lang="en-US" sz="4400" strike="noStrike" u="none">
+              <a:solidFill>
+                <a:srgbClr val="000000"/>
+              </a:solidFill>
+              <a:effectLst/>
+              <a:uFillTx/>
+              <a:latin typeface="Arial"/>
+            </a:endParaRPr>
+          </a:p>
+        </p:txBody>
+      </p:sp>
+      <p:sp>
+        <p:nvSpPr>
+          <p:cNvPr id="24" name="PlaceHolder 2"/>
+          <p:cNvSpPr>
+            <a:spLocks noGrp="1"/>
+          </p:cNvSpPr>
+          <p:nvPr>
+            <p:ph/>
+          </p:nvPr>
+        </p:nvSpPr>
+        <p:spPr>
+          <a:xfrm>
+            <a:off x="504000" y="1326600"/>
+            <a:ext cx="9071640" cy="3288240"/>
+          </a:xfrm>
+          <a:prstGeom prst="rect">
+            <a:avLst/>
+          </a:prstGeom>
+          <a:noFill/>
+          <a:ln w="0">
+            <a:noFill/>
+          </a:ln>
+        </p:spPr>
+        <p:txBody>
+          <a:bodyPr lIns="0" rIns="0" tIns="0" bIns="0" anchor="t">
+            <a:normAutofit/>
+          </a:bodyPr>
+          <a:p>
+            <a:pPr indent="0">
+              <a:spcBef>
+                <a:spcPts val="1417"/>
+              </a:spcBef>
+              <a:buNone/>
+            </a:pPr>
+            <a:endParaRPr b="0" lang="en-US" sz="3200" strike="noStrike" u="none">
+              <a:solidFill>
+                <a:srgbClr val="000000"/>
+              </a:solidFill>
+              <a:effectLst/>
+              <a:uFillTx/>
+              <a:latin typeface="Arial"/>
+            </a:endParaRPr>
+          </a:p>
+        </p:txBody>
+      </p:sp>
+    </p:spTree>
+  </p:cSld>
+  <mc:AlternateContent>
+    <mc:Choice Requires="p14">
+      <p:transition spd="slow" p14:dur="2000"/>
+    </mc:Choice>
+    <mc:Fallback>
+      <p:transition spd="slow"/>
+    </mc:Fallback>
+  </mc:AlternateContent>
+</p:sld>
+</file>
+
+<file path=ppt/slides/slide8.xml><?xml version="1.0" encoding="utf-8"?>
+<p:sld xmlns:a="http://schemas.openxmlformats.org/drawingml/2006/main" xmlns:p="http://schemas.openxmlformats.org/presentationml/2006/main" xmlns:r="http://schemas.openxmlformats.org/officeDocument/2006/relationships" xmlns:p14="http://schemas.microsoft.com/office/powerpoint/2010/main" xmlns:p15="http://schemas.microsoft.com/office/powerpoint/2012/main" xmlns:mc="http://schemas.openxmlformats.org/markup-compatibility/2006">
+  <p:cSld>
+    <p:spTree>
+      <p:nvGrpSpPr>
+        <p:cNvPr id="1" name=""/>
+        <p:cNvGrpSpPr/>
+        <p:nvPr/>
+      </p:nvGrpSpPr>
+      <p:grpSpPr>
+        <a:xfrm>
+          <a:off x="0" y="0"/>
+          <a:ext cx="0" cy="0"/>
+          <a:chOff x="0" y="0"/>
+          <a:chExt cx="0" cy="0"/>
+        </a:xfrm>
+      </p:grpSpPr>
+      <p:sp>
+        <p:nvSpPr>
+          <p:cNvPr id="25" name="PlaceHolder 1"/>
+          <p:cNvSpPr>
+            <a:spLocks noGrp="1"/>
+          </p:cNvSpPr>
+          <p:nvPr>
+            <p:ph type="title"/>
+          </p:nvPr>
+        </p:nvSpPr>
+        <p:spPr>
+          <a:xfrm>
+            <a:off x="504000" y="226080"/>
+            <a:ext cx="9071640" cy="946440"/>
+          </a:xfrm>
+          <a:prstGeom prst="rect">
+            <a:avLst/>
+          </a:prstGeom>
+          <a:noFill/>
+          <a:ln w="0">
+            <a:noFill/>
+          </a:ln>
+        </p:spPr>
+        <p:txBody>
+          <a:bodyPr lIns="0" rIns="0" tIns="0" bIns="0" anchor="ctr">
+            <a:spAutoFit/>
+          </a:bodyPr>
+          <a:p>
+            <a:pPr indent="0" algn="ctr">
+              <a:buNone/>
+            </a:pPr>
+            <a:r>
+              <a:rPr b="0" lang="en-US" sz="4400" strike="noStrike" u="none">
+                <a:solidFill>
+                  <a:srgbClr val="000000"/>
+                </a:solidFill>
+                <a:effectLst/>
+                <a:uFillTx/>
+                <a:latin typeface="Arial"/>
+              </a:rPr>
+              <a:t>Bezpečnost</a:t>
+            </a:r>
+            <a:endParaRPr b="0" lang="en-US" sz="4400" strike="noStrike" u="none">
+              <a:solidFill>
+                <a:srgbClr val="000000"/>
+              </a:solidFill>
+              <a:effectLst/>
+              <a:uFillTx/>
+              <a:latin typeface="Arial"/>
+            </a:endParaRPr>
+          </a:p>
+        </p:txBody>
+      </p:sp>
+      <p:sp>
+        <p:nvSpPr>
+          <p:cNvPr id="26" name="PlaceHolder 2"/>
+          <p:cNvSpPr>
+            <a:spLocks noGrp="1"/>
+          </p:cNvSpPr>
+          <p:nvPr>
+            <p:ph/>
+          </p:nvPr>
+        </p:nvSpPr>
+        <p:spPr>
+          <a:xfrm>
+            <a:off x="504000" y="1326600"/>
+            <a:ext cx="9071640" cy="3288240"/>
+          </a:xfrm>
+          <a:prstGeom prst="rect">
+            <a:avLst/>
+          </a:prstGeom>
+          <a:noFill/>
+          <a:ln w="0">
+            <a:noFill/>
+          </a:ln>
+        </p:spPr>
+        <p:txBody>
+          <a:bodyPr lIns="0" rIns="0" tIns="0" bIns="0" anchor="t">
+            <a:normAutofit/>
+          </a:bodyPr>
+          <a:p>
+            <a:pPr indent="0">
+              <a:spcBef>
+                <a:spcPts val="1417"/>
+              </a:spcBef>
+              <a:buNone/>
+            </a:pPr>
+            <a:endParaRPr b="0" lang="en-US" sz="3200" strike="noStrike" u="none">
+              <a:solidFill>
+                <a:srgbClr val="000000"/>
+              </a:solidFill>
+              <a:effectLst/>
+              <a:uFillTx/>
+              <a:latin typeface="Arial"/>
+            </a:endParaRPr>
+          </a:p>
+        </p:txBody>
+      </p:sp>
+    </p:spTree>
+  </p:cSld>
+  <mc:AlternateContent>
+    <mc:Choice Requires="p14">
+      <p:transition spd="slow" p14:dur="2000"/>
+    </mc:Choice>
+    <mc:Fallback>
+      <p:transition spd="slow"/>
+    </mc:Fallback>
+  </mc:AlternateContent>
+</p:sld>
+</file>
+
+<file path=ppt/slides/slide9.xml><?xml version="1.0" encoding="utf-8"?>
+<p:sld xmlns:a="http://schemas.openxmlformats.org/drawingml/2006/main" xmlns:p="http://schemas.openxmlformats.org/presentationml/2006/main" xmlns:r="http://schemas.openxmlformats.org/officeDocument/2006/relationships" xmlns:p14="http://schemas.microsoft.com/office/powerpoint/2010/main" xmlns:p15="http://schemas.microsoft.com/office/powerpoint/2012/main" xmlns:mc="http://schemas.openxmlformats.org/markup-compatibility/2006">
+  <p:cSld>
+    <p:spTree>
+      <p:nvGrpSpPr>
+        <p:cNvPr id="1" name=""/>
+        <p:cNvGrpSpPr/>
+        <p:nvPr/>
+      </p:nvGrpSpPr>
+      <p:grpSpPr>
+        <a:xfrm>
+          <a:off x="0" y="0"/>
+          <a:ext cx="0" cy="0"/>
+          <a:chOff x="0" y="0"/>
+          <a:chExt cx="0" cy="0"/>
+        </a:xfrm>
+      </p:grpSpPr>
+      <p:sp>
+        <p:nvSpPr>
+          <p:cNvPr id="27" name="PlaceHolder 1"/>
+          <p:cNvSpPr>
+            <a:spLocks noGrp="1"/>
+          </p:cNvSpPr>
+          <p:nvPr>
+            <p:ph type="title"/>
+          </p:nvPr>
+        </p:nvSpPr>
+        <p:spPr>
+          <a:xfrm>
+            <a:off x="504000" y="226080"/>
+            <a:ext cx="9071640" cy="946440"/>
+          </a:xfrm>
+          <a:prstGeom prst="rect">
+            <a:avLst/>
+          </a:prstGeom>
+          <a:noFill/>
+          <a:ln w="0">
+            <a:noFill/>
+          </a:ln>
+        </p:spPr>
+        <p:txBody>
+          <a:bodyPr lIns="0" rIns="0" tIns="0" bIns="0" anchor="ctr">
+            <a:spAutoFit/>
+          </a:bodyPr>
+          <a:p>
+            <a:pPr indent="0" algn="ctr">
+              <a:buNone/>
+            </a:pPr>
+            <a:r>
+              <a:rPr b="0" lang="en-US" sz="4400" strike="noStrike" u="none">
+                <a:solidFill>
+                  <a:srgbClr val="000000"/>
+                </a:solidFill>
+                <a:effectLst/>
+                <a:uFillTx/>
+                <a:latin typeface="Arial"/>
+              </a:rPr>
+              <a:t>Grafika</a:t>
+            </a:r>
+            <a:endParaRPr b="0" lang="en-US" sz="4400" strike="noStrike" u="none">
+              <a:solidFill>
+                <a:srgbClr val="000000"/>
+              </a:solidFill>
+              <a:effectLst/>
+              <a:uFillTx/>
+              <a:latin typeface="Arial"/>
+            </a:endParaRPr>
+          </a:p>
+        </p:txBody>
+      </p:sp>
+      <p:sp>
+        <p:nvSpPr>
+          <p:cNvPr id="28" name="PlaceHolder 2"/>
+          <p:cNvSpPr>
+            <a:spLocks noGrp="1"/>
+          </p:cNvSpPr>
+          <p:nvPr>
+            <p:ph/>
+          </p:nvPr>
+        </p:nvSpPr>
+        <p:spPr>
+          <a:xfrm>
+            <a:off x="504000" y="1326600"/>
+            <a:ext cx="9071640" cy="3288240"/>
+          </a:xfrm>
+          <a:prstGeom prst="rect">
+            <a:avLst/>
+          </a:prstGeom>
+          <a:noFill/>
+          <a:ln w="0">
+            <a:noFill/>
+          </a:ln>
+        </p:spPr>
+        <p:txBody>
+          <a:bodyPr lIns="0" rIns="0" tIns="0" bIns="0" anchor="t">
+            <a:normAutofit/>
+          </a:bodyPr>
+          <a:p>
+            <a:pPr marL="432000" indent="-324000">
+              <a:spcBef>
+                <a:spcPts val="1417"/>
+              </a:spcBef>
+              <a:buClr>
+                <a:srgbClr val="000000"/>
+              </a:buClr>
+              <a:buSzPct val="45000"/>
+              <a:buFont typeface="Wingdings" charset="2"/>
+              <a:buChar char=""/>
+            </a:pPr>
+            <a:r>
+              <a:rPr b="0" lang="en-US" sz="3200" strike="noStrike" u="none">
+                <a:solidFill>
+                  <a:srgbClr val="000000"/>
+                </a:solidFill>
+                <a:effectLst/>
+                <a:uFillTx/>
+                <a:latin typeface="Arial"/>
+              </a:rPr>
+              <a:t>Monte carlo – u tohoto se dobře vysvětluje tbh</a:t>
+            </a:r>
             <a:endParaRPr b="0" lang="en-US" sz="3200" strike="noStrike" u="none">
               <a:solidFill>
                 <a:srgbClr val="000000"/>

--- a/presentation.pptx
+++ b/presentation.pptx
@@ -17,6 +17,7 @@
     <p:sldId id="265" r:id="rId12"/>
     <p:sldId id="266" r:id="rId13"/>
     <p:sldId id="267" r:id="rId14"/>
+    <p:sldId id="268" r:id="rId15"/>
   </p:sldIdLst>
   <p:sldSz cx="10080625" cy="5670550"/>
   <p:notesSz cx="7559675" cy="10691813"/>
@@ -42,7 +43,7 @@
       </p:grpSpPr>
       <p:sp>
         <p:nvSpPr>
-          <p:cNvPr id="7" name="PlaceHolder 1"/>
+          <p:cNvPr id="2" name="PlaceHolder 1"/>
           <p:cNvSpPr>
             <a:spLocks noGrp="1"/>
           </p:cNvSpPr>
@@ -52,8 +53,8 @@
         </p:nvSpPr>
         <p:spPr>
           <a:xfrm>
-            <a:off x="504000" y="226080"/>
-            <a:ext cx="9071640" cy="946440"/>
+            <a:off x="504000" y="561600"/>
+            <a:ext cx="9071280" cy="274680"/>
           </a:xfrm>
           <a:prstGeom prst="rect">
             <a:avLst/>
@@ -68,34 +69,45 @@
             <a:spAutoFit/>
           </a:bodyPr>
           <a:p>
-            <a:pPr indent="0" algn="ctr">
-              <a:buNone/>
-            </a:pPr>
-            <a:endParaRPr b="0" lang="en-US" sz="4400" strike="noStrike" u="none">
-              <a:solidFill>
-                <a:srgbClr val="000000"/>
-              </a:solidFill>
-              <a:effectLst/>
-              <a:uFillTx/>
-              <a:latin typeface="Arial"/>
-            </a:endParaRPr>
-          </a:p>
-        </p:txBody>
-      </p:sp>
-      <p:sp>
-        <p:nvSpPr>
-          <p:cNvPr id="8" name="PlaceHolder 2"/>
-          <p:cNvSpPr>
-            <a:spLocks noGrp="1"/>
-          </p:cNvSpPr>
-          <p:nvPr>
-            <p:ph/>
+            <a:pPr indent="0">
+              <a:buNone/>
+            </a:pPr>
+            <a:r>
+              <a:rPr b="0" lang="en-US" sz="1800" strike="noStrike" u="none">
+                <a:solidFill>
+                  <a:srgbClr val="000000"/>
+                </a:solidFill>
+                <a:effectLst/>
+                <a:uFillTx/>
+                <a:latin typeface="Arial"/>
+              </a:rPr>
+              <a:t>Click to edit the title text format</a:t>
+            </a:r>
+            <a:endParaRPr b="0" lang="en-US" sz="1800" strike="noStrike" u="none">
+              <a:solidFill>
+                <a:srgbClr val="000000"/>
+              </a:solidFill>
+              <a:effectLst/>
+              <a:uFillTx/>
+              <a:latin typeface="Arial"/>
+            </a:endParaRPr>
+          </a:p>
+        </p:txBody>
+      </p:sp>
+      <p:sp>
+        <p:nvSpPr>
+          <p:cNvPr id="3" name="PlaceHolder 2"/>
+          <p:cNvSpPr>
+            <a:spLocks noGrp="1"/>
+          </p:cNvSpPr>
+          <p:nvPr>
+            <p:ph type="body"/>
           </p:nvPr>
         </p:nvSpPr>
         <p:spPr>
           <a:xfrm>
             <a:off x="504000" y="1326600"/>
-            <a:ext cx="9071640" cy="3288240"/>
+            <a:ext cx="9071280" cy="3287880"/>
           </a:xfrm>
           <a:prstGeom prst="rect">
             <a:avLst/>
@@ -110,13 +122,221 @@
             <a:normAutofit/>
           </a:bodyPr>
           <a:p>
-            <a:pPr indent="0">
+            <a:pPr marL="432000" indent="-324000">
               <a:spcBef>
                 <a:spcPts val="1417"/>
               </a:spcBef>
-              <a:buNone/>
-            </a:pPr>
-            <a:endParaRPr b="0" lang="en-US" sz="3200" strike="noStrike" u="none">
+              <a:buClr>
+                <a:srgbClr val="000000"/>
+              </a:buClr>
+              <a:buSzPct val="45000"/>
+              <a:buFont typeface="Wingdings" charset="2"/>
+              <a:buChar char=""/>
+            </a:pPr>
+            <a:r>
+              <a:rPr b="0" lang="en-US" sz="1800" strike="noStrike" u="none">
+                <a:solidFill>
+                  <a:srgbClr val="000000"/>
+                </a:solidFill>
+                <a:effectLst/>
+                <a:uFillTx/>
+                <a:latin typeface="Arial"/>
+              </a:rPr>
+              <a:t>Click to edit the outline text format</a:t>
+            </a:r>
+            <a:endParaRPr b="0" lang="en-US" sz="1800" strike="noStrike" u="none">
+              <a:solidFill>
+                <a:srgbClr val="000000"/>
+              </a:solidFill>
+              <a:effectLst/>
+              <a:uFillTx/>
+              <a:latin typeface="Arial"/>
+            </a:endParaRPr>
+          </a:p>
+          <a:p>
+            <a:pPr lvl="1" marL="864000" indent="-324000">
+              <a:spcBef>
+                <a:spcPts val="1134"/>
+              </a:spcBef>
+              <a:buClr>
+                <a:srgbClr val="000000"/>
+              </a:buClr>
+              <a:buSzPct val="75000"/>
+              <a:buFont typeface="Symbol" charset="2"/>
+              <a:buChar char=""/>
+            </a:pPr>
+            <a:r>
+              <a:rPr b="0" lang="en-US" sz="1800" strike="noStrike" u="none">
+                <a:solidFill>
+                  <a:srgbClr val="000000"/>
+                </a:solidFill>
+                <a:effectLst/>
+                <a:uFillTx/>
+                <a:latin typeface="Arial"/>
+              </a:rPr>
+              <a:t>Second Outline Level</a:t>
+            </a:r>
+            <a:endParaRPr b="0" lang="en-US" sz="1800" strike="noStrike" u="none">
+              <a:solidFill>
+                <a:srgbClr val="000000"/>
+              </a:solidFill>
+              <a:effectLst/>
+              <a:uFillTx/>
+              <a:latin typeface="Arial"/>
+            </a:endParaRPr>
+          </a:p>
+          <a:p>
+            <a:pPr lvl="2" marL="1296000" indent="-288000">
+              <a:spcBef>
+                <a:spcPts val="850"/>
+              </a:spcBef>
+              <a:buClr>
+                <a:srgbClr val="000000"/>
+              </a:buClr>
+              <a:buSzPct val="45000"/>
+              <a:buFont typeface="Wingdings" charset="2"/>
+              <a:buChar char=""/>
+            </a:pPr>
+            <a:r>
+              <a:rPr b="0" lang="en-US" sz="1800" strike="noStrike" u="none">
+                <a:solidFill>
+                  <a:srgbClr val="000000"/>
+                </a:solidFill>
+                <a:effectLst/>
+                <a:uFillTx/>
+                <a:latin typeface="Arial"/>
+              </a:rPr>
+              <a:t>Third Outline Level</a:t>
+            </a:r>
+            <a:endParaRPr b="0" lang="en-US" sz="1800" strike="noStrike" u="none">
+              <a:solidFill>
+                <a:srgbClr val="000000"/>
+              </a:solidFill>
+              <a:effectLst/>
+              <a:uFillTx/>
+              <a:latin typeface="Arial"/>
+            </a:endParaRPr>
+          </a:p>
+          <a:p>
+            <a:pPr lvl="3" marL="1728000" indent="-216000">
+              <a:spcBef>
+                <a:spcPts val="567"/>
+              </a:spcBef>
+              <a:buClr>
+                <a:srgbClr val="000000"/>
+              </a:buClr>
+              <a:buSzPct val="75000"/>
+              <a:buFont typeface="Symbol" charset="2"/>
+              <a:buChar char=""/>
+            </a:pPr>
+            <a:r>
+              <a:rPr b="0" lang="en-US" sz="1800" strike="noStrike" u="none">
+                <a:solidFill>
+                  <a:srgbClr val="000000"/>
+                </a:solidFill>
+                <a:effectLst/>
+                <a:uFillTx/>
+                <a:latin typeface="Arial"/>
+              </a:rPr>
+              <a:t>Fourth Outline Level</a:t>
+            </a:r>
+            <a:endParaRPr b="0" lang="en-US" sz="1800" strike="noStrike" u="none">
+              <a:solidFill>
+                <a:srgbClr val="000000"/>
+              </a:solidFill>
+              <a:effectLst/>
+              <a:uFillTx/>
+              <a:latin typeface="Arial"/>
+            </a:endParaRPr>
+          </a:p>
+          <a:p>
+            <a:pPr lvl="4" marL="2160000" indent="-216000">
+              <a:spcBef>
+                <a:spcPts val="283"/>
+              </a:spcBef>
+              <a:buClr>
+                <a:srgbClr val="000000"/>
+              </a:buClr>
+              <a:buSzPct val="45000"/>
+              <a:buFont typeface="Wingdings" charset="2"/>
+              <a:buChar char=""/>
+            </a:pPr>
+            <a:r>
+              <a:rPr b="0" lang="en-US" sz="1800" strike="noStrike" u="none">
+                <a:solidFill>
+                  <a:srgbClr val="000000"/>
+                </a:solidFill>
+                <a:effectLst/>
+                <a:uFillTx/>
+                <a:latin typeface="Arial"/>
+              </a:rPr>
+              <a:t>Fifth Outline Level</a:t>
+            </a:r>
+            <a:endParaRPr b="0" lang="en-US" sz="1800" strike="noStrike" u="none">
+              <a:solidFill>
+                <a:srgbClr val="000000"/>
+              </a:solidFill>
+              <a:effectLst/>
+              <a:uFillTx/>
+              <a:latin typeface="Arial"/>
+            </a:endParaRPr>
+          </a:p>
+          <a:p>
+            <a:pPr lvl="5" marL="2592000" indent="-216000">
+              <a:spcBef>
+                <a:spcPts val="283"/>
+              </a:spcBef>
+              <a:buClr>
+                <a:srgbClr val="000000"/>
+              </a:buClr>
+              <a:buSzPct val="45000"/>
+              <a:buFont typeface="Wingdings" charset="2"/>
+              <a:buChar char=""/>
+            </a:pPr>
+            <a:r>
+              <a:rPr b="0" lang="en-US" sz="1800" strike="noStrike" u="none">
+                <a:solidFill>
+                  <a:srgbClr val="000000"/>
+                </a:solidFill>
+                <a:effectLst/>
+                <a:uFillTx/>
+                <a:latin typeface="Arial"/>
+              </a:rPr>
+              <a:t>Sixth Outline Level</a:t>
+            </a:r>
+            <a:endParaRPr b="0" lang="en-US" sz="1800" strike="noStrike" u="none">
+              <a:solidFill>
+                <a:srgbClr val="000000"/>
+              </a:solidFill>
+              <a:effectLst/>
+              <a:uFillTx/>
+              <a:latin typeface="Arial"/>
+            </a:endParaRPr>
+          </a:p>
+          <a:p>
+            <a:pPr lvl="6" marL="3024000" indent="-216000">
+              <a:spcBef>
+                <a:spcPts val="283"/>
+              </a:spcBef>
+              <a:buClr>
+                <a:srgbClr val="000000"/>
+              </a:buClr>
+              <a:buSzPct val="45000"/>
+              <a:buFont typeface="Wingdings" charset="2"/>
+              <a:buChar char=""/>
+            </a:pPr>
+            <a:r>
+              <a:rPr b="0" lang="en-US" sz="1800" strike="noStrike" u="none">
+                <a:solidFill>
+                  <a:srgbClr val="000000"/>
+                </a:solidFill>
+                <a:effectLst/>
+                <a:uFillTx/>
+                <a:latin typeface="Arial"/>
+              </a:rPr>
+              <a:t>Seventh Outline Level</a:t>
+            </a:r>
+            <a:endParaRPr b="0" lang="en-US" sz="1800" strike="noStrike" u="none">
               <a:solidFill>
                 <a:srgbClr val="000000"/>
               </a:solidFill>
@@ -134,16 +354,74 @@
             <a:spLocks noGrp="1"/>
           </p:cNvSpPr>
           <p:nvPr>
-            <p:ph type="ftr" idx="2"/>
-          </p:nvPr>
-        </p:nvSpPr>
-        <p:spPr/>
-        <p:txBody>
-          <a:bodyPr/>
-          <a:p>
-            <a:r>
-              <a:t>Footer</a:t>
-            </a:r>
+            <p:ph type="ftr" idx="1"/>
+          </p:nvPr>
+        </p:nvSpPr>
+        <p:spPr>
+          <a:xfrm>
+            <a:off x="3447360" y="5165280"/>
+            <a:ext cx="3194640" cy="390240"/>
+          </a:xfrm>
+          <a:prstGeom prst="rect">
+            <a:avLst/>
+          </a:prstGeom>
+          <a:noFill/>
+          <a:ln w="0">
+            <a:noFill/>
+          </a:ln>
+        </p:spPr>
+        <p:txBody>
+          <a:bodyPr lIns="0" rIns="0" tIns="0" bIns="0" anchor="t">
+            <a:noAutofit/>
+          </a:bodyPr>
+          <a:lstStyle>
+            <a:lvl1pPr indent="0" algn="ctr">
+              <a:lnSpc>
+                <a:spcPct val="100000"/>
+              </a:lnSpc>
+              <a:buNone/>
+              <a:tabLst>
+                <a:tab algn="l" pos="0"/>
+              </a:tabLst>
+              <a:defRPr b="0" lang="en-US" sz="1400" strike="noStrike" u="none">
+                <a:solidFill>
+                  <a:srgbClr val="000000"/>
+                </a:solidFill>
+                <a:effectLst/>
+                <a:uFillTx/>
+                <a:latin typeface="Times New Roman"/>
+              </a:defRPr>
+            </a:lvl1pPr>
+          </a:lstStyle>
+          <a:p>
+            <a:pPr indent="0" algn="ctr">
+              <a:lnSpc>
+                <a:spcPct val="100000"/>
+              </a:lnSpc>
+              <a:buNone/>
+              <a:tabLst>
+                <a:tab algn="l" pos="0"/>
+              </a:tabLst>
+            </a:pPr>
+            <a:r>
+              <a:rPr b="0" lang="en-US" sz="1400" strike="noStrike" u="none">
+                <a:solidFill>
+                  <a:srgbClr val="000000"/>
+                </a:solidFill>
+                <a:effectLst/>
+                <a:uFillTx/>
+                <a:latin typeface="Times New Roman"/>
+              </a:rPr>
+              <a:t>&lt;footer&gt;</a:t>
+            </a:r>
+            <a:endParaRPr b="0" lang="en-US" sz="1400" strike="noStrike" u="none">
+              <a:solidFill>
+                <a:srgbClr val="000000"/>
+              </a:solidFill>
+              <a:effectLst/>
+              <a:uFillTx/>
+              <a:latin typeface="Times New Roman"/>
+            </a:endParaRPr>
           </a:p>
         </p:txBody>
       </p:sp>
@@ -154,16 +432,74 @@
             <a:spLocks noGrp="1"/>
           </p:cNvSpPr>
           <p:nvPr>
-            <p:ph type="sldNum" idx="3"/>
-          </p:nvPr>
-        </p:nvSpPr>
-        <p:spPr/>
-        <p:txBody>
-          <a:bodyPr/>
-          <a:p>
-            <a:fld id="{F4717DCE-FF16-410F-A84C-E156CF7CA052}" type="slidenum">
-              <a:t>&lt;#&gt;</a:t>
+            <p:ph type="sldNum" idx="2"/>
+          </p:nvPr>
+        </p:nvSpPr>
+        <p:spPr>
+          <a:xfrm>
+            <a:off x="7227360" y="5165280"/>
+            <a:ext cx="2347920" cy="390240"/>
+          </a:xfrm>
+          <a:prstGeom prst="rect">
+            <a:avLst/>
+          </a:prstGeom>
+          <a:noFill/>
+          <a:ln w="0">
+            <a:noFill/>
+          </a:ln>
+        </p:spPr>
+        <p:txBody>
+          <a:bodyPr lIns="0" rIns="0" tIns="0" bIns="0" anchor="t">
+            <a:noAutofit/>
+          </a:bodyPr>
+          <a:lstStyle>
+            <a:lvl1pPr indent="0" algn="r">
+              <a:lnSpc>
+                <a:spcPct val="100000"/>
+              </a:lnSpc>
+              <a:buNone/>
+              <a:tabLst>
+                <a:tab algn="l" pos="0"/>
+              </a:tabLst>
+              <a:defRPr b="0" lang="en-US" sz="1400" strike="noStrike" u="none">
+                <a:solidFill>
+                  <a:srgbClr val="000000"/>
+                </a:solidFill>
+                <a:effectLst/>
+                <a:uFillTx/>
+                <a:latin typeface="Times New Roman"/>
+              </a:defRPr>
+            </a:lvl1pPr>
+          </a:lstStyle>
+          <a:p>
+            <a:pPr indent="0" algn="r">
+              <a:lnSpc>
+                <a:spcPct val="100000"/>
+              </a:lnSpc>
+              <a:buNone/>
+              <a:tabLst>
+                <a:tab algn="l" pos="0"/>
+              </a:tabLst>
+            </a:pPr>
+            <a:fld id="{2B2F7843-2FAF-4C46-812D-83A1B312F48F}" type="slidenum">
+              <a:rPr b="0" lang="en-US" sz="1400" strike="noStrike" u="none">
+                <a:solidFill>
+                  <a:srgbClr val="000000"/>
+                </a:solidFill>
+                <a:effectLst/>
+                <a:uFillTx/>
+                <a:latin typeface="Times New Roman"/>
+              </a:rPr>
+              <a:t>&lt;number&gt;</a:t>
             </a:fld>
+            <a:endParaRPr b="0" lang="en-US" sz="1400" strike="noStrike" u="none">
+              <a:solidFill>
+                <a:srgbClr val="000000"/>
+              </a:solidFill>
+              <a:effectLst/>
+              <a:uFillTx/>
+              <a:latin typeface="Times New Roman"/>
+            </a:endParaRPr>
           </a:p>
         </p:txBody>
       </p:sp>
@@ -174,17 +510,62 @@
             <a:spLocks noGrp="1"/>
           </p:cNvSpPr>
           <p:nvPr>
-            <p:ph type="dt" idx="1"/>
-          </p:nvPr>
-        </p:nvSpPr>
-        <p:spPr/>
-        <p:txBody>
-          <a:bodyPr/>
-          <a:p>
-            <a:r>
-              <a:rPr lang="en-US"/>
-              <a:t/>
-            </a:r>
+            <p:ph type="dt" idx="3"/>
+          </p:nvPr>
+        </p:nvSpPr>
+        <p:spPr>
+          <a:xfrm>
+            <a:off x="504000" y="5165280"/>
+            <a:ext cx="2347920" cy="390240"/>
+          </a:xfrm>
+          <a:prstGeom prst="rect">
+            <a:avLst/>
+          </a:prstGeom>
+          <a:noFill/>
+          <a:ln w="0">
+            <a:noFill/>
+          </a:ln>
+        </p:spPr>
+        <p:txBody>
+          <a:bodyPr lIns="0" rIns="0" tIns="0" bIns="0" anchor="t">
+            <a:noAutofit/>
+          </a:bodyPr>
+          <a:lstStyle>
+            <a:lvl1pPr indent="0">
+              <a:buNone/>
+              <a:defRPr b="0" lang="en-US" sz="1400" strike="noStrike" u="none">
+                <a:solidFill>
+                  <a:srgbClr val="000000"/>
+                </a:solidFill>
+                <a:effectLst/>
+                <a:uFillTx/>
+                <a:latin typeface="Times New Roman"/>
+              </a:defRPr>
+            </a:lvl1pPr>
+          </a:lstStyle>
+          <a:p>
+            <a:pPr indent="0">
+              <a:buNone/>
+            </a:pPr>
+            <a:r>
+              <a:rPr b="0" lang="en-US" sz="1400" strike="noStrike" u="none">
+                <a:solidFill>
+                  <a:srgbClr val="000000"/>
+                </a:solidFill>
+                <a:effectLst/>
+                <a:uFillTx/>
+                <a:latin typeface="Times New Roman"/>
+              </a:rPr>
+              <a:t>&lt;date/time&gt;</a:t>
+            </a:r>
+            <a:endParaRPr b="0" lang="en-US" sz="1400" strike="noStrike" u="none">
+              <a:solidFill>
+                <a:srgbClr val="000000"/>
+              </a:solidFill>
+              <a:effectLst/>
+              <a:uFillTx/>
+              <a:latin typeface="Times New Roman"/>
+            </a:endParaRPr>
           </a:p>
         </p:txBody>
       </p:sp>
@@ -195,7 +576,7 @@
 
 <file path=ppt/slideLayouts/slideLayout2.xml><?xml version="1.0" encoding="utf-8"?>
 <p:sldLayout xmlns:a="http://schemas.openxmlformats.org/drawingml/2006/main" xmlns:p="http://schemas.openxmlformats.org/presentationml/2006/main" xmlns:r="http://schemas.openxmlformats.org/officeDocument/2006/relationships" xmlns:p14="http://schemas.microsoft.com/office/powerpoint/2010/main" xmlns:p15="http://schemas.microsoft.com/office/powerpoint/2012/main" xmlns:mc="http://schemas.openxmlformats.org/markup-compatibility/2006" type="title" preserve="1">
-  <p:cSld name="Default">
+  <p:cSld name="Default 1">
     <p:spTree>
       <p:nvGrpSpPr>
         <p:cNvPr id="1" name=""/>
@@ -212,7 +593,7 @@
       </p:grpSpPr>
       <p:sp>
         <p:nvSpPr>
-          <p:cNvPr id="9" name="PlaceHolder 1"/>
+          <p:cNvPr id="7" name="PlaceHolder 1"/>
           <p:cNvSpPr>
             <a:spLocks noGrp="1"/>
           </p:cNvSpPr>
@@ -222,8 +603,8 @@
         </p:nvSpPr>
         <p:spPr>
           <a:xfrm>
-            <a:off x="504000" y="226080"/>
-            <a:ext cx="9071640" cy="946440"/>
+            <a:off x="504000" y="561600"/>
+            <a:ext cx="9071280" cy="274680"/>
           </a:xfrm>
           <a:prstGeom prst="rect">
             <a:avLst/>
@@ -238,51 +619,303 @@
             <a:spAutoFit/>
           </a:bodyPr>
           <a:p>
+            <a:pPr indent="0">
+              <a:buNone/>
+            </a:pPr>
+            <a:r>
+              <a:rPr b="0" lang="en-US" sz="1800" strike="noStrike" u="none">
+                <a:solidFill>
+                  <a:srgbClr val="000000"/>
+                </a:solidFill>
+                <a:effectLst/>
+                <a:uFillTx/>
+                <a:latin typeface="Arial"/>
+              </a:rPr>
+              <a:t>Click to edit the title text format</a:t>
+            </a:r>
+            <a:endParaRPr b="0" lang="en-US" sz="1800" strike="noStrike" u="none">
+              <a:solidFill>
+                <a:srgbClr val="000000"/>
+              </a:solidFill>
+              <a:effectLst/>
+              <a:uFillTx/>
+              <a:latin typeface="Arial"/>
+            </a:endParaRPr>
+          </a:p>
+        </p:txBody>
+      </p:sp>
+      <p:sp>
+        <p:nvSpPr>
+          <p:cNvPr id="8" name="PlaceHolder 2"/>
+          <p:cNvSpPr>
+            <a:spLocks noGrp="1"/>
+          </p:cNvSpPr>
+          <p:nvPr>
+            <p:ph type="ftr" idx="4"/>
+          </p:nvPr>
+        </p:nvSpPr>
+        <p:spPr>
+          <a:xfrm>
+            <a:off x="3447360" y="5165280"/>
+            <a:ext cx="3194640" cy="390240"/>
+          </a:xfrm>
+          <a:prstGeom prst="rect">
+            <a:avLst/>
+          </a:prstGeom>
+          <a:noFill/>
+          <a:ln w="0">
+            <a:noFill/>
+          </a:ln>
+        </p:spPr>
+        <p:txBody>
+          <a:bodyPr lIns="0" rIns="0" tIns="0" bIns="0" anchor="t">
+            <a:noAutofit/>
+          </a:bodyPr>
+          <a:lstStyle>
+            <a:lvl1pPr indent="0" algn="ctr">
+              <a:lnSpc>
+                <a:spcPct val="100000"/>
+              </a:lnSpc>
+              <a:buNone/>
+              <a:tabLst>
+                <a:tab algn="l" pos="0"/>
+              </a:tabLst>
+              <a:defRPr b="0" lang="en-US" sz="1400" strike="noStrike" u="none">
+                <a:solidFill>
+                  <a:srgbClr val="000000"/>
+                </a:solidFill>
+                <a:effectLst/>
+                <a:uFillTx/>
+                <a:latin typeface="Times New Roman"/>
+              </a:defRPr>
+            </a:lvl1pPr>
+          </a:lstStyle>
+          <a:p>
             <a:pPr indent="0" algn="ctr">
-              <a:buNone/>
-            </a:pPr>
-            <a:endParaRPr b="0" lang="en-US" sz="4400" strike="noStrike" u="none">
-              <a:solidFill>
-                <a:srgbClr val="000000"/>
-              </a:solidFill>
-              <a:effectLst/>
-              <a:uFillTx/>
-              <a:latin typeface="Arial"/>
-            </a:endParaRPr>
-          </a:p>
-        </p:txBody>
-      </p:sp>
-      <p:sp>
-        <p:nvSpPr>
-          <p:cNvPr id="10" name="PlaceHolder 2"/>
-          <p:cNvSpPr>
-            <a:spLocks noGrp="1"/>
-          </p:cNvSpPr>
-          <p:nvPr>
-            <p:ph type="subTitle"/>
+              <a:lnSpc>
+                <a:spcPct val="100000"/>
+              </a:lnSpc>
+              <a:buNone/>
+              <a:tabLst>
+                <a:tab algn="l" pos="0"/>
+              </a:tabLst>
+            </a:pPr>
+            <a:r>
+              <a:rPr b="0" lang="en-US" sz="1400" strike="noStrike" u="none">
+                <a:solidFill>
+                  <a:srgbClr val="000000"/>
+                </a:solidFill>
+                <a:effectLst/>
+                <a:uFillTx/>
+                <a:latin typeface="Times New Roman"/>
+              </a:rPr>
+              <a:t>&lt;footer&gt;</a:t>
+            </a:r>
+            <a:endParaRPr b="0" lang="en-US" sz="1400" strike="noStrike" u="none">
+              <a:solidFill>
+                <a:srgbClr val="000000"/>
+              </a:solidFill>
+              <a:effectLst/>
+              <a:uFillTx/>
+              <a:latin typeface="Times New Roman"/>
+            </a:endParaRPr>
+          </a:p>
+        </p:txBody>
+      </p:sp>
+      <p:sp>
+        <p:nvSpPr>
+          <p:cNvPr id="9" name="PlaceHolder 3"/>
+          <p:cNvSpPr>
+            <a:spLocks noGrp="1"/>
+          </p:cNvSpPr>
+          <p:nvPr>
+            <p:ph type="sldNum" idx="5"/>
+          </p:nvPr>
+        </p:nvSpPr>
+        <p:spPr>
+          <a:xfrm>
+            <a:off x="7227360" y="5165280"/>
+            <a:ext cx="2347920" cy="390240"/>
+          </a:xfrm>
+          <a:prstGeom prst="rect">
+            <a:avLst/>
+          </a:prstGeom>
+          <a:noFill/>
+          <a:ln w="0">
+            <a:noFill/>
+          </a:ln>
+        </p:spPr>
+        <p:txBody>
+          <a:bodyPr lIns="0" rIns="0" tIns="0" bIns="0" anchor="t">
+            <a:noAutofit/>
+          </a:bodyPr>
+          <a:lstStyle>
+            <a:lvl1pPr indent="0" algn="r">
+              <a:lnSpc>
+                <a:spcPct val="100000"/>
+              </a:lnSpc>
+              <a:buNone/>
+              <a:tabLst>
+                <a:tab algn="l" pos="0"/>
+              </a:tabLst>
+              <a:defRPr b="0" lang="en-US" sz="1400" strike="noStrike" u="none">
+                <a:solidFill>
+                  <a:srgbClr val="000000"/>
+                </a:solidFill>
+                <a:effectLst/>
+                <a:uFillTx/>
+                <a:latin typeface="Times New Roman"/>
+              </a:defRPr>
+            </a:lvl1pPr>
+          </a:lstStyle>
+          <a:p>
+            <a:pPr indent="0" algn="r">
+              <a:lnSpc>
+                <a:spcPct val="100000"/>
+              </a:lnSpc>
+              <a:buNone/>
+              <a:tabLst>
+                <a:tab algn="l" pos="0"/>
+              </a:tabLst>
+            </a:pPr>
+            <a:fld id="{76F5B0C8-3208-43FB-A505-95D6A36C79BC}" type="slidenum">
+              <a:rPr b="0" lang="en-US" sz="1400" strike="noStrike" u="none">
+                <a:solidFill>
+                  <a:srgbClr val="000000"/>
+                </a:solidFill>
+                <a:effectLst/>
+                <a:uFillTx/>
+                <a:latin typeface="Times New Roman"/>
+              </a:rPr>
+              <a:t>&lt;number&gt;</a:t>
+            </a:fld>
+            <a:endParaRPr b="0" lang="en-US" sz="1400" strike="noStrike" u="none">
+              <a:solidFill>
+                <a:srgbClr val="000000"/>
+              </a:solidFill>
+              <a:effectLst/>
+              <a:uFillTx/>
+              <a:latin typeface="Times New Roman"/>
+            </a:endParaRPr>
+          </a:p>
+        </p:txBody>
+      </p:sp>
+      <p:sp>
+        <p:nvSpPr>
+          <p:cNvPr id="10" name="PlaceHolder 4"/>
+          <p:cNvSpPr>
+            <a:spLocks noGrp="1"/>
+          </p:cNvSpPr>
+          <p:nvPr>
+            <p:ph type="dt" idx="6"/>
+          </p:nvPr>
+        </p:nvSpPr>
+        <p:spPr>
+          <a:xfrm>
+            <a:off x="504000" y="5165280"/>
+            <a:ext cx="2347920" cy="390240"/>
+          </a:xfrm>
+          <a:prstGeom prst="rect">
+            <a:avLst/>
+          </a:prstGeom>
+          <a:noFill/>
+          <a:ln w="0">
+            <a:noFill/>
+          </a:ln>
+        </p:spPr>
+        <p:txBody>
+          <a:bodyPr lIns="0" rIns="0" tIns="0" bIns="0" anchor="t">
+            <a:noAutofit/>
+          </a:bodyPr>
+          <a:lstStyle>
+            <a:lvl1pPr indent="0">
+              <a:buNone/>
+              <a:defRPr b="0" lang="en-US" sz="1400" strike="noStrike" u="none">
+                <a:solidFill>
+                  <a:srgbClr val="000000"/>
+                </a:solidFill>
+                <a:effectLst/>
+                <a:uFillTx/>
+                <a:latin typeface="Times New Roman"/>
+              </a:defRPr>
+            </a:lvl1pPr>
+          </a:lstStyle>
+          <a:p>
+            <a:pPr indent="0">
+              <a:buNone/>
+            </a:pPr>
+            <a:r>
+              <a:rPr b="0" lang="en-US" sz="1400" strike="noStrike" u="none">
+                <a:solidFill>
+                  <a:srgbClr val="000000"/>
+                </a:solidFill>
+                <a:effectLst/>
+                <a:uFillTx/>
+                <a:latin typeface="Times New Roman"/>
+              </a:rPr>
+              <a:t>&lt;date/time&gt;</a:t>
+            </a:r>
+            <a:endParaRPr b="0" lang="en-US" sz="1400" strike="noStrike" u="none">
+              <a:solidFill>
+                <a:srgbClr val="000000"/>
+              </a:solidFill>
+              <a:effectLst/>
+              <a:uFillTx/>
+              <a:latin typeface="Times New Roman"/>
+            </a:endParaRPr>
+          </a:p>
+        </p:txBody>
+      </p:sp>
+      <p:sp>
+        <p:nvSpPr>
+          <p:cNvPr id="11" name="PlaceHolder 5"/>
+          <p:cNvSpPr>
+            <a:spLocks noGrp="1"/>
+          </p:cNvSpPr>
+          <p:nvPr>
+            <p:ph type="body"/>
           </p:nvPr>
         </p:nvSpPr>
         <p:spPr>
           <a:xfrm>
             <a:off x="504000" y="1326600"/>
-            <a:ext cx="9071640" cy="3288240"/>
-          </a:xfrm>
-          <a:prstGeom prst="rect">
-            <a:avLst/>
-          </a:prstGeom>
-          <a:noFill/>
-          <a:ln w="0">
-            <a:noFill/>
-          </a:ln>
-        </p:spPr>
-        <p:txBody>
-          <a:bodyPr lIns="0" rIns="0" tIns="0" bIns="0" anchor="ctr">
-            <a:spAutoFit/>
-          </a:bodyPr>
-          <a:p>
-            <a:pPr indent="0" algn="ctr">
-              <a:buNone/>
-            </a:pPr>
+            <a:ext cx="9072000" cy="3288600"/>
+          </a:xfrm>
+          <a:prstGeom prst="rect">
+            <a:avLst/>
+          </a:prstGeom>
+          <a:noFill/>
+          <a:ln w="0">
+            <a:noFill/>
+          </a:ln>
+        </p:spPr>
+        <p:txBody>
+          <a:bodyPr lIns="0" rIns="0" tIns="0" bIns="0" anchor="t">
+            <a:normAutofit/>
+          </a:bodyPr>
+          <a:p>
+            <a:pPr marL="432000" indent="-324000">
+              <a:spcBef>
+                <a:spcPts val="1417"/>
+              </a:spcBef>
+              <a:buClr>
+                <a:srgbClr val="000000"/>
+              </a:buClr>
+              <a:buSzPct val="45000"/>
+              <a:buFont typeface="Wingdings" charset="2"/>
+              <a:buChar char=""/>
+            </a:pPr>
+            <a:r>
+              <a:rPr b="0" lang="en-US" sz="3200" strike="noStrike" u="none">
+                <a:solidFill>
+                  <a:srgbClr val="000000"/>
+                </a:solidFill>
+                <a:effectLst/>
+                <a:uFillTx/>
+                <a:latin typeface="Arial"/>
+              </a:rPr>
+              <a:t>Click to edit the outline text format</a:t>
+            </a:r>
             <a:endParaRPr b="0" lang="en-US" sz="3200" strike="noStrike" u="none">
               <a:solidFill>
                 <a:srgbClr val="000000"/>
@@ -292,66 +925,197 @@
               <a:latin typeface="Arial"/>
             </a:endParaRPr>
           </a:p>
-        </p:txBody>
-      </p:sp>
-      <p:sp>
-        <p:nvSpPr>
-          <p:cNvPr id="4" name="PlaceHolder 3"/>
-          <p:cNvSpPr>
-            <a:spLocks noGrp="1"/>
-          </p:cNvSpPr>
-          <p:nvPr>
-            <p:ph type="ftr" idx="2"/>
-          </p:nvPr>
-        </p:nvSpPr>
-        <p:spPr/>
-        <p:txBody>
-          <a:bodyPr/>
-          <a:p>
-            <a:r>
-              <a:t>Footer</a:t>
-            </a:r>
-          </a:p>
-        </p:txBody>
-      </p:sp>
-      <p:sp>
-        <p:nvSpPr>
-          <p:cNvPr id="5" name="PlaceHolder 4"/>
-          <p:cNvSpPr>
-            <a:spLocks noGrp="1"/>
-          </p:cNvSpPr>
-          <p:nvPr>
-            <p:ph type="sldNum" idx="3"/>
-          </p:nvPr>
-        </p:nvSpPr>
-        <p:spPr/>
-        <p:txBody>
-          <a:bodyPr/>
-          <a:p>
-            <a:fld id="{858B82AD-AEE1-48F3-BB52-D2745C51012C}" type="slidenum">
-              <a:t>&lt;#&gt;</a:t>
-            </a:fld>
-          </a:p>
-        </p:txBody>
-      </p:sp>
-      <p:sp>
-        <p:nvSpPr>
-          <p:cNvPr id="6" name="PlaceHolder 5"/>
-          <p:cNvSpPr>
-            <a:spLocks noGrp="1"/>
-          </p:cNvSpPr>
-          <p:nvPr>
-            <p:ph type="dt" idx="1"/>
-          </p:nvPr>
-        </p:nvSpPr>
-        <p:spPr/>
-        <p:txBody>
-          <a:bodyPr/>
-          <a:p>
-            <a:r>
-              <a:rPr lang="en-US"/>
-              <a:t/>
-            </a:r>
+          <a:p>
+            <a:pPr lvl="1" marL="864000" indent="-324000">
+              <a:spcBef>
+                <a:spcPts val="1134"/>
+              </a:spcBef>
+              <a:buClr>
+                <a:srgbClr val="000000"/>
+              </a:buClr>
+              <a:buSzPct val="75000"/>
+              <a:buFont typeface="Symbol" charset="2"/>
+              <a:buChar char=""/>
+            </a:pPr>
+            <a:r>
+              <a:rPr b="0" lang="en-US" sz="2800" strike="noStrike" u="none">
+                <a:solidFill>
+                  <a:srgbClr val="000000"/>
+                </a:solidFill>
+                <a:effectLst/>
+                <a:uFillTx/>
+                <a:latin typeface="Arial"/>
+              </a:rPr>
+              <a:t>Second Outline Level</a:t>
+            </a:r>
+            <a:endParaRPr b="0" lang="en-US" sz="2800" strike="noStrike" u="none">
+              <a:solidFill>
+                <a:srgbClr val="000000"/>
+              </a:solidFill>
+              <a:effectLst/>
+              <a:uFillTx/>
+              <a:latin typeface="Arial"/>
+            </a:endParaRPr>
+          </a:p>
+          <a:p>
+            <a:pPr lvl="2" marL="1296000" indent="-288000">
+              <a:spcBef>
+                <a:spcPts val="850"/>
+              </a:spcBef>
+              <a:buClr>
+                <a:srgbClr val="000000"/>
+              </a:buClr>
+              <a:buSzPct val="45000"/>
+              <a:buFont typeface="Wingdings" charset="2"/>
+              <a:buChar char=""/>
+            </a:pPr>
+            <a:r>
+              <a:rPr b="0" lang="en-US" sz="2400" strike="noStrike" u="none">
+                <a:solidFill>
+                  <a:srgbClr val="000000"/>
+                </a:solidFill>
+                <a:effectLst/>
+                <a:uFillTx/>
+                <a:latin typeface="Arial"/>
+              </a:rPr>
+              <a:t>Third Outline Level</a:t>
+            </a:r>
+            <a:endParaRPr b="0" lang="en-US" sz="2400" strike="noStrike" u="none">
+              <a:solidFill>
+                <a:srgbClr val="000000"/>
+              </a:solidFill>
+              <a:effectLst/>
+              <a:uFillTx/>
+              <a:latin typeface="Arial"/>
+            </a:endParaRPr>
+          </a:p>
+          <a:p>
+            <a:pPr lvl="3" marL="1728000" indent="-216000">
+              <a:spcBef>
+                <a:spcPts val="567"/>
+              </a:spcBef>
+              <a:buClr>
+                <a:srgbClr val="000000"/>
+              </a:buClr>
+              <a:buSzPct val="75000"/>
+              <a:buFont typeface="Symbol" charset="2"/>
+              <a:buChar char=""/>
+            </a:pPr>
+            <a:r>
+              <a:rPr b="0" lang="en-US" sz="2000" strike="noStrike" u="none">
+                <a:solidFill>
+                  <a:srgbClr val="000000"/>
+                </a:solidFill>
+                <a:effectLst/>
+                <a:uFillTx/>
+                <a:latin typeface="Arial"/>
+              </a:rPr>
+              <a:t>Fourth Outline Level</a:t>
+            </a:r>
+            <a:endParaRPr b="0" lang="en-US" sz="2000" strike="noStrike" u="none">
+              <a:solidFill>
+                <a:srgbClr val="000000"/>
+              </a:solidFill>
+              <a:effectLst/>
+              <a:uFillTx/>
+              <a:latin typeface="Arial"/>
+            </a:endParaRPr>
+          </a:p>
+          <a:p>
+            <a:pPr lvl="4" marL="2160000" indent="-216000">
+              <a:spcBef>
+                <a:spcPts val="283"/>
+              </a:spcBef>
+              <a:buClr>
+                <a:srgbClr val="000000"/>
+              </a:buClr>
+              <a:buSzPct val="45000"/>
+              <a:buFont typeface="Wingdings" charset="2"/>
+              <a:buChar char=""/>
+            </a:pPr>
+            <a:r>
+              <a:rPr b="0" lang="en-US" sz="2000" strike="noStrike" u="none">
+                <a:solidFill>
+                  <a:srgbClr val="000000"/>
+                </a:solidFill>
+                <a:effectLst/>
+                <a:uFillTx/>
+                <a:latin typeface="Arial"/>
+              </a:rPr>
+              <a:t>Fifth Outline Level</a:t>
+            </a:r>
+            <a:endParaRPr b="0" lang="en-US" sz="2000" strike="noStrike" u="none">
+              <a:solidFill>
+                <a:srgbClr val="000000"/>
+              </a:solidFill>
+              <a:effectLst/>
+              <a:uFillTx/>
+              <a:latin typeface="Arial"/>
+            </a:endParaRPr>
+          </a:p>
+          <a:p>
+            <a:pPr lvl="5" marL="2592000" indent="-216000">
+              <a:spcBef>
+                <a:spcPts val="283"/>
+              </a:spcBef>
+              <a:buClr>
+                <a:srgbClr val="000000"/>
+              </a:buClr>
+              <a:buSzPct val="45000"/>
+              <a:buFont typeface="Wingdings" charset="2"/>
+              <a:buChar char=""/>
+            </a:pPr>
+            <a:r>
+              <a:rPr b="0" lang="en-US" sz="2000" strike="noStrike" u="none">
+                <a:solidFill>
+                  <a:srgbClr val="000000"/>
+                </a:solidFill>
+                <a:effectLst/>
+                <a:uFillTx/>
+                <a:latin typeface="Arial"/>
+              </a:rPr>
+              <a:t>Sixth Outline Level</a:t>
+            </a:r>
+            <a:endParaRPr b="0" lang="en-US" sz="2000" strike="noStrike" u="none">
+              <a:solidFill>
+                <a:srgbClr val="000000"/>
+              </a:solidFill>
+              <a:effectLst/>
+              <a:uFillTx/>
+              <a:latin typeface="Arial"/>
+            </a:endParaRPr>
+          </a:p>
+          <a:p>
+            <a:pPr lvl="6" marL="3024000" indent="-216000">
+              <a:spcBef>
+                <a:spcPts val="283"/>
+              </a:spcBef>
+              <a:buClr>
+                <a:srgbClr val="000000"/>
+              </a:buClr>
+              <a:buSzPct val="45000"/>
+              <a:buFont typeface="Wingdings" charset="2"/>
+              <a:buChar char=""/>
+            </a:pPr>
+            <a:r>
+              <a:rPr b="0" lang="en-US" sz="2000" strike="noStrike" u="none">
+                <a:solidFill>
+                  <a:srgbClr val="000000"/>
+                </a:solidFill>
+                <a:effectLst/>
+                <a:uFillTx/>
+                <a:latin typeface="Arial"/>
+              </a:rPr>
+              <a:t>Seventh Outline Level</a:t>
+            </a:r>
+            <a:endParaRPr b="0" lang="en-US" sz="2000" strike="noStrike" u="none">
+              <a:solidFill>
+                <a:srgbClr val="000000"/>
+              </a:solidFill>
+              <a:effectLst/>
+              <a:uFillTx/>
+              <a:latin typeface="Arial"/>
+            </a:endParaRPr>
           </a:p>
         </p:txBody>
       </p:sp>
@@ -377,510 +1141,6 @@
           <a:chExt cx="0" cy="0"/>
         </a:xfrm>
       </p:grpSpPr>
-      <p:sp>
-        <p:nvSpPr>
-          <p:cNvPr id="2" name="PlaceHolder 1"/>
-          <p:cNvSpPr>
-            <a:spLocks noGrp="1"/>
-          </p:cNvSpPr>
-          <p:nvPr>
-            <p:ph type="title"/>
-          </p:nvPr>
-        </p:nvSpPr>
-        <p:spPr>
-          <a:xfrm>
-            <a:off x="504000" y="226080"/>
-            <a:ext cx="9071640" cy="946440"/>
-          </a:xfrm>
-          <a:prstGeom prst="rect">
-            <a:avLst/>
-          </a:prstGeom>
-          <a:noFill/>
-          <a:ln w="0">
-            <a:noFill/>
-          </a:ln>
-        </p:spPr>
-        <p:txBody>
-          <a:bodyPr lIns="0" rIns="0" tIns="0" bIns="0" anchor="ctr">
-            <a:noAutofit/>
-          </a:bodyPr>
-          <a:p>
-            <a:pPr indent="0" algn="ctr">
-              <a:buNone/>
-            </a:pPr>
-            <a:r>
-              <a:rPr b="0" lang="en-US" sz="4400" strike="noStrike" u="none">
-                <a:solidFill>
-                  <a:srgbClr val="000000"/>
-                </a:solidFill>
-                <a:effectLst/>
-                <a:uFillTx/>
-                <a:latin typeface="Arial"/>
-              </a:rPr>
-              <a:t>Click to edit the title text format</a:t>
-            </a:r>
-            <a:endParaRPr b="0" lang="en-US" sz="4400" strike="noStrike" u="none">
-              <a:solidFill>
-                <a:srgbClr val="000000"/>
-              </a:solidFill>
-              <a:effectLst/>
-              <a:uFillTx/>
-              <a:latin typeface="Arial"/>
-            </a:endParaRPr>
-          </a:p>
-        </p:txBody>
-      </p:sp>
-      <p:sp>
-        <p:nvSpPr>
-          <p:cNvPr id="3" name="PlaceHolder 2"/>
-          <p:cNvSpPr>
-            <a:spLocks noGrp="1"/>
-          </p:cNvSpPr>
-          <p:nvPr>
-            <p:ph type="body"/>
-          </p:nvPr>
-        </p:nvSpPr>
-        <p:spPr>
-          <a:xfrm>
-            <a:off x="504000" y="1326600"/>
-            <a:ext cx="9071640" cy="3288240"/>
-          </a:xfrm>
-          <a:prstGeom prst="rect">
-            <a:avLst/>
-          </a:prstGeom>
-          <a:noFill/>
-          <a:ln w="0">
-            <a:noFill/>
-          </a:ln>
-        </p:spPr>
-        <p:txBody>
-          <a:bodyPr lIns="0" rIns="0" tIns="0" bIns="0" anchor="t">
-            <a:normAutofit/>
-          </a:bodyPr>
-          <a:p>
-            <a:pPr marL="432000" indent="-324000">
-              <a:spcBef>
-                <a:spcPts val="1417"/>
-              </a:spcBef>
-              <a:buClr>
-                <a:srgbClr val="000000"/>
-              </a:buClr>
-              <a:buSzPct val="45000"/>
-              <a:buFont typeface="Wingdings" charset="2"/>
-              <a:buChar char=""/>
-            </a:pPr>
-            <a:r>
-              <a:rPr b="0" lang="en-US" sz="3200" strike="noStrike" u="none">
-                <a:solidFill>
-                  <a:srgbClr val="000000"/>
-                </a:solidFill>
-                <a:effectLst/>
-                <a:uFillTx/>
-                <a:latin typeface="Arial"/>
-              </a:rPr>
-              <a:t>Click to edit the outline text format</a:t>
-            </a:r>
-            <a:endParaRPr b="0" lang="en-US" sz="3200" strike="noStrike" u="none">
-              <a:solidFill>
-                <a:srgbClr val="000000"/>
-              </a:solidFill>
-              <a:effectLst/>
-              <a:uFillTx/>
-              <a:latin typeface="Arial"/>
-            </a:endParaRPr>
-          </a:p>
-          <a:p>
-            <a:pPr lvl="1" marL="864000" indent="-324000">
-              <a:spcBef>
-                <a:spcPts val="1134"/>
-              </a:spcBef>
-              <a:buClr>
-                <a:srgbClr val="000000"/>
-              </a:buClr>
-              <a:buSzPct val="75000"/>
-              <a:buFont typeface="Symbol" charset="2"/>
-              <a:buChar char=""/>
-            </a:pPr>
-            <a:r>
-              <a:rPr b="0" lang="en-US" sz="2800" strike="noStrike" u="none">
-                <a:solidFill>
-                  <a:srgbClr val="000000"/>
-                </a:solidFill>
-                <a:effectLst/>
-                <a:uFillTx/>
-                <a:latin typeface="Arial"/>
-              </a:rPr>
-              <a:t>Second Outline Level</a:t>
-            </a:r>
-            <a:endParaRPr b="0" lang="en-US" sz="2800" strike="noStrike" u="none">
-              <a:solidFill>
-                <a:srgbClr val="000000"/>
-              </a:solidFill>
-              <a:effectLst/>
-              <a:uFillTx/>
-              <a:latin typeface="Arial"/>
-            </a:endParaRPr>
-          </a:p>
-          <a:p>
-            <a:pPr lvl="2" marL="1296000" indent="-288000">
-              <a:spcBef>
-                <a:spcPts val="850"/>
-              </a:spcBef>
-              <a:buClr>
-                <a:srgbClr val="000000"/>
-              </a:buClr>
-              <a:buSzPct val="45000"/>
-              <a:buFont typeface="Wingdings" charset="2"/>
-              <a:buChar char=""/>
-            </a:pPr>
-            <a:r>
-              <a:rPr b="0" lang="en-US" sz="2400" strike="noStrike" u="none">
-                <a:solidFill>
-                  <a:srgbClr val="000000"/>
-                </a:solidFill>
-                <a:effectLst/>
-                <a:uFillTx/>
-                <a:latin typeface="Arial"/>
-              </a:rPr>
-              <a:t>Third Outline Level</a:t>
-            </a:r>
-            <a:endParaRPr b="0" lang="en-US" sz="2400" strike="noStrike" u="none">
-              <a:solidFill>
-                <a:srgbClr val="000000"/>
-              </a:solidFill>
-              <a:effectLst/>
-              <a:uFillTx/>
-              <a:latin typeface="Arial"/>
-            </a:endParaRPr>
-          </a:p>
-          <a:p>
-            <a:pPr lvl="3" marL="1728000" indent="-216000">
-              <a:spcBef>
-                <a:spcPts val="567"/>
-              </a:spcBef>
-              <a:buClr>
-                <a:srgbClr val="000000"/>
-              </a:buClr>
-              <a:buSzPct val="75000"/>
-              <a:buFont typeface="Symbol" charset="2"/>
-              <a:buChar char=""/>
-            </a:pPr>
-            <a:r>
-              <a:rPr b="0" lang="en-US" sz="2000" strike="noStrike" u="none">
-                <a:solidFill>
-                  <a:srgbClr val="000000"/>
-                </a:solidFill>
-                <a:effectLst/>
-                <a:uFillTx/>
-                <a:latin typeface="Arial"/>
-              </a:rPr>
-              <a:t>Fourth Outline Level</a:t>
-            </a:r>
-            <a:endParaRPr b="0" lang="en-US" sz="2000" strike="noStrike" u="none">
-              <a:solidFill>
-                <a:srgbClr val="000000"/>
-              </a:solidFill>
-              <a:effectLst/>
-              <a:uFillTx/>
-              <a:latin typeface="Arial"/>
-            </a:endParaRPr>
-          </a:p>
-          <a:p>
-            <a:pPr lvl="4" marL="2160000" indent="-216000">
-              <a:spcBef>
-                <a:spcPts val="283"/>
-              </a:spcBef>
-              <a:buClr>
-                <a:srgbClr val="000000"/>
-              </a:buClr>
-              <a:buSzPct val="45000"/>
-              <a:buFont typeface="Wingdings" charset="2"/>
-              <a:buChar char=""/>
-            </a:pPr>
-            <a:r>
-              <a:rPr b="0" lang="en-US" sz="2000" strike="noStrike" u="none">
-                <a:solidFill>
-                  <a:srgbClr val="000000"/>
-                </a:solidFill>
-                <a:effectLst/>
-                <a:uFillTx/>
-                <a:latin typeface="Arial"/>
-              </a:rPr>
-              <a:t>Fifth Outline Level</a:t>
-            </a:r>
-            <a:endParaRPr b="0" lang="en-US" sz="2000" strike="noStrike" u="none">
-              <a:solidFill>
-                <a:srgbClr val="000000"/>
-              </a:solidFill>
-              <a:effectLst/>
-              <a:uFillTx/>
-              <a:latin typeface="Arial"/>
-            </a:endParaRPr>
-          </a:p>
-          <a:p>
-            <a:pPr lvl="5" marL="2592000" indent="-216000">
-              <a:spcBef>
-                <a:spcPts val="283"/>
-              </a:spcBef>
-              <a:buClr>
-                <a:srgbClr val="000000"/>
-              </a:buClr>
-              <a:buSzPct val="45000"/>
-              <a:buFont typeface="Wingdings" charset="2"/>
-              <a:buChar char=""/>
-            </a:pPr>
-            <a:r>
-              <a:rPr b="0" lang="en-US" sz="2000" strike="noStrike" u="none">
-                <a:solidFill>
-                  <a:srgbClr val="000000"/>
-                </a:solidFill>
-                <a:effectLst/>
-                <a:uFillTx/>
-                <a:latin typeface="Arial"/>
-              </a:rPr>
-              <a:t>Sixth Outline Level</a:t>
-            </a:r>
-            <a:endParaRPr b="0" lang="en-US" sz="2000" strike="noStrike" u="none">
-              <a:solidFill>
-                <a:srgbClr val="000000"/>
-              </a:solidFill>
-              <a:effectLst/>
-              <a:uFillTx/>
-              <a:latin typeface="Arial"/>
-            </a:endParaRPr>
-          </a:p>
-          <a:p>
-            <a:pPr lvl="6" marL="3024000" indent="-216000">
-              <a:spcBef>
-                <a:spcPts val="283"/>
-              </a:spcBef>
-              <a:buClr>
-                <a:srgbClr val="000000"/>
-              </a:buClr>
-              <a:buSzPct val="45000"/>
-              <a:buFont typeface="Wingdings" charset="2"/>
-              <a:buChar char=""/>
-            </a:pPr>
-            <a:r>
-              <a:rPr b="0" lang="en-US" sz="2000" strike="noStrike" u="none">
-                <a:solidFill>
-                  <a:srgbClr val="000000"/>
-                </a:solidFill>
-                <a:effectLst/>
-                <a:uFillTx/>
-                <a:latin typeface="Arial"/>
-              </a:rPr>
-              <a:t>Seventh Outline Level</a:t>
-            </a:r>
-            <a:endParaRPr b="0" lang="en-US" sz="2000" strike="noStrike" u="none">
-              <a:solidFill>
-                <a:srgbClr val="000000"/>
-              </a:solidFill>
-              <a:effectLst/>
-              <a:uFillTx/>
-              <a:latin typeface="Arial"/>
-            </a:endParaRPr>
-          </a:p>
-        </p:txBody>
-      </p:sp>
-      <p:sp>
-        <p:nvSpPr>
-          <p:cNvPr id="4" name="PlaceHolder 3"/>
-          <p:cNvSpPr>
-            <a:spLocks noGrp="1"/>
-          </p:cNvSpPr>
-          <p:nvPr>
-            <p:ph type="dt" idx="1"/>
-          </p:nvPr>
-        </p:nvSpPr>
-        <p:spPr>
-          <a:xfrm>
-            <a:off x="504000" y="5165280"/>
-            <a:ext cx="2348280" cy="390600"/>
-          </a:xfrm>
-          <a:prstGeom prst="rect">
-            <a:avLst/>
-          </a:prstGeom>
-          <a:noFill/>
-          <a:ln w="0">
-            <a:noFill/>
-          </a:ln>
-        </p:spPr>
-        <p:txBody>
-          <a:bodyPr lIns="0" rIns="0" tIns="0" bIns="0" anchor="t">
-            <a:noAutofit/>
-          </a:bodyPr>
-          <a:lstStyle>
-            <a:lvl1pPr indent="0">
-              <a:buNone/>
-              <a:defRPr b="0" lang="en-US" sz="1400" strike="noStrike" u="none">
-                <a:solidFill>
-                  <a:srgbClr val="000000"/>
-                </a:solidFill>
-                <a:effectLst/>
-                <a:uFillTx/>
-                <a:latin typeface="Times New Roman"/>
-              </a:defRPr>
-            </a:lvl1pPr>
-          </a:lstStyle>
-          <a:p>
-            <a:pPr indent="0">
-              <a:buNone/>
-            </a:pPr>
-            <a:r>
-              <a:rPr b="0" lang="en-US" sz="1400" strike="noStrike" u="none">
-                <a:solidFill>
-                  <a:srgbClr val="000000"/>
-                </a:solidFill>
-                <a:effectLst/>
-                <a:uFillTx/>
-                <a:latin typeface="Times New Roman"/>
-              </a:rPr>
-              <a:t>&lt;date/time&gt;</a:t>
-            </a:r>
-            <a:endParaRPr b="0" lang="en-US" sz="1400" strike="noStrike" u="none">
-              <a:solidFill>
-                <a:srgbClr val="000000"/>
-              </a:solidFill>
-              <a:effectLst/>
-              <a:uFillTx/>
-              <a:latin typeface="Times New Roman"/>
-            </a:endParaRPr>
-          </a:p>
-        </p:txBody>
-      </p:sp>
-      <p:sp>
-        <p:nvSpPr>
-          <p:cNvPr id="5" name="PlaceHolder 4"/>
-          <p:cNvSpPr>
-            <a:spLocks noGrp="1"/>
-          </p:cNvSpPr>
-          <p:nvPr>
-            <p:ph type="ftr" idx="2"/>
-          </p:nvPr>
-        </p:nvSpPr>
-        <p:spPr>
-          <a:xfrm>
-            <a:off x="3447360" y="5165280"/>
-            <a:ext cx="3195000" cy="390600"/>
-          </a:xfrm>
-          <a:prstGeom prst="rect">
-            <a:avLst/>
-          </a:prstGeom>
-          <a:noFill/>
-          <a:ln w="0">
-            <a:noFill/>
-          </a:ln>
-        </p:spPr>
-        <p:txBody>
-          <a:bodyPr lIns="0" rIns="0" tIns="0" bIns="0" anchor="t">
-            <a:noAutofit/>
-          </a:bodyPr>
-          <a:lstStyle>
-            <a:lvl1pPr indent="0" algn="ctr">
-              <a:buNone/>
-              <a:defRPr b="0" lang="en-US" sz="1400" strike="noStrike" u="none">
-                <a:solidFill>
-                  <a:srgbClr val="000000"/>
-                </a:solidFill>
-                <a:effectLst/>
-                <a:uFillTx/>
-                <a:latin typeface="Times New Roman"/>
-              </a:defRPr>
-            </a:lvl1pPr>
-          </a:lstStyle>
-          <a:p>
-            <a:pPr indent="0" algn="ctr">
-              <a:buNone/>
-            </a:pPr>
-            <a:r>
-              <a:rPr b="0" lang="en-US" sz="1400" strike="noStrike" u="none">
-                <a:solidFill>
-                  <a:srgbClr val="000000"/>
-                </a:solidFill>
-                <a:effectLst/>
-                <a:uFillTx/>
-                <a:latin typeface="Times New Roman"/>
-              </a:rPr>
-              <a:t>&lt;footer&gt;</a:t>
-            </a:r>
-            <a:endParaRPr b="0" lang="en-US" sz="1400" strike="noStrike" u="none">
-              <a:solidFill>
-                <a:srgbClr val="000000"/>
-              </a:solidFill>
-              <a:effectLst/>
-              <a:uFillTx/>
-              <a:latin typeface="Times New Roman"/>
-            </a:endParaRPr>
-          </a:p>
-        </p:txBody>
-      </p:sp>
-      <p:sp>
-        <p:nvSpPr>
-          <p:cNvPr id="6" name="PlaceHolder 5"/>
-          <p:cNvSpPr>
-            <a:spLocks noGrp="1"/>
-          </p:cNvSpPr>
-          <p:nvPr>
-            <p:ph type="sldNum" idx="3"/>
-          </p:nvPr>
-        </p:nvSpPr>
-        <p:spPr>
-          <a:xfrm>
-            <a:off x="7227360" y="5165280"/>
-            <a:ext cx="2348280" cy="390600"/>
-          </a:xfrm>
-          <a:prstGeom prst="rect">
-            <a:avLst/>
-          </a:prstGeom>
-          <a:noFill/>
-          <a:ln w="0">
-            <a:noFill/>
-          </a:ln>
-        </p:spPr>
-        <p:txBody>
-          <a:bodyPr lIns="0" rIns="0" tIns="0" bIns="0" anchor="t">
-            <a:noAutofit/>
-          </a:bodyPr>
-          <a:lstStyle>
-            <a:lvl1pPr indent="0" algn="r">
-              <a:buNone/>
-              <a:defRPr b="0" lang="en-US" sz="1400" strike="noStrike" u="none">
-                <a:solidFill>
-                  <a:srgbClr val="000000"/>
-                </a:solidFill>
-                <a:effectLst/>
-                <a:uFillTx/>
-                <a:latin typeface="Times New Roman"/>
-              </a:defRPr>
-            </a:lvl1pPr>
-          </a:lstStyle>
-          <a:p>
-            <a:pPr indent="0" algn="r">
-              <a:buNone/>
-            </a:pPr>
-            <a:fld id="{25B371AE-92AF-447C-A7AD-C4AA91CD54FA}" type="slidenum">
-              <a:rPr b="0" lang="en-US" sz="1400" strike="noStrike" u="none">
-                <a:solidFill>
-                  <a:srgbClr val="000000"/>
-                </a:solidFill>
-                <a:effectLst/>
-                <a:uFillTx/>
-                <a:latin typeface="Times New Roman"/>
-              </a:rPr>
-              <a:t>&lt;number&gt;</a:t>
-            </a:fld>
-            <a:endParaRPr b="0" lang="en-US" sz="1400" strike="noStrike" u="none">
-              <a:solidFill>
-                <a:srgbClr val="000000"/>
-              </a:solidFill>
-              <a:effectLst/>
-              <a:uFillTx/>
-              <a:latin typeface="Times New Roman"/>
-            </a:endParaRPr>
-          </a:p>
-        </p:txBody>
-      </p:sp>
     </p:spTree>
   </p:cSld>
   <p:clrMap bg1="lt1" tx1="dk1" bg2="lt2" tx2="dk2" accent1="accent1" accent2="accent2" accent3="accent3" accent4="accent4" accent5="accent5" accent6="accent6" hlink="hlink" folHlink="folHlink"/>
@@ -910,7 +1170,7 @@
       </p:grpSpPr>
       <p:sp>
         <p:nvSpPr>
-          <p:cNvPr id="11" name="PlaceHolder 1"/>
+          <p:cNvPr id="12" name="PlaceHolder 1"/>
           <p:cNvSpPr>
             <a:spLocks noGrp="1"/>
           </p:cNvSpPr>
@@ -920,8 +1180,8 @@
         </p:nvSpPr>
         <p:spPr>
           <a:xfrm>
-            <a:off x="504000" y="226080"/>
-            <a:ext cx="9071640" cy="946440"/>
+            <a:off x="504000" y="225720"/>
+            <a:ext cx="9071280" cy="946800"/>
           </a:xfrm>
           <a:prstGeom prst="rect">
             <a:avLst/>
@@ -937,7 +1197,13 @@
           </a:bodyPr>
           <a:p>
             <a:pPr indent="0" algn="ctr">
-              <a:buNone/>
+              <a:lnSpc>
+                <a:spcPct val="100000"/>
+              </a:lnSpc>
+              <a:buNone/>
+              <a:tabLst>
+                <a:tab algn="l" pos="0"/>
+              </a:tabLst>
             </a:pPr>
             <a:r>
               <a:rPr b="0" lang="en-US" sz="4400" strike="noStrike" u="none">
@@ -963,7 +1229,7 @@
       </p:sp>
       <p:sp>
         <p:nvSpPr>
-          <p:cNvPr id="12" name="PlaceHolder 2"/>
+          <p:cNvPr id="13" name="PlaceHolder 2"/>
           <p:cNvSpPr>
             <a:spLocks noGrp="1"/>
           </p:cNvSpPr>
@@ -973,8 +1239,8 @@
         </p:nvSpPr>
         <p:spPr>
           <a:xfrm>
-            <a:off x="504000" y="1326600"/>
-            <a:ext cx="9071640" cy="3288240"/>
+            <a:off x="504000" y="1326240"/>
+            <a:ext cx="9071280" cy="3288600"/>
           </a:xfrm>
           <a:prstGeom prst="rect">
             <a:avLst/>
@@ -992,7 +1258,7 @@
             <a:pPr indent="0" algn="ctr">
               <a:buNone/>
             </a:pPr>
-            <a:endParaRPr b="0" lang="en-US" sz="3200" strike="noStrike" u="none">
+            <a:endParaRPr b="0" lang="en-US" sz="1800" strike="noStrike" u="none">
               <a:solidFill>
                 <a:srgbClr val="000000"/>
               </a:solidFill>
@@ -1035,7 +1301,7 @@
       </p:grpSpPr>
       <p:sp>
         <p:nvSpPr>
-          <p:cNvPr id="29" name="PlaceHolder 1"/>
+          <p:cNvPr id="30" name="PlaceHolder 1"/>
           <p:cNvSpPr>
             <a:spLocks noGrp="1"/>
           </p:cNvSpPr>
@@ -1045,8 +1311,8 @@
         </p:nvSpPr>
         <p:spPr>
           <a:xfrm>
-            <a:off x="504000" y="226080"/>
-            <a:ext cx="9071640" cy="946440"/>
+            <a:off x="504000" y="225720"/>
+            <a:ext cx="9071280" cy="946800"/>
           </a:xfrm>
           <a:prstGeom prst="rect">
             <a:avLst/>
@@ -1062,7 +1328,13 @@
           </a:bodyPr>
           <a:p>
             <a:pPr indent="0" algn="ctr">
-              <a:buNone/>
+              <a:lnSpc>
+                <a:spcPct val="100000"/>
+              </a:lnSpc>
+              <a:buNone/>
+              <a:tabLst>
+                <a:tab algn="l" pos="0"/>
+              </a:tabLst>
             </a:pPr>
             <a:r>
               <a:rPr b="0" lang="en-US" sz="4400" strike="noStrike" u="none">
@@ -1073,7 +1345,7 @@
                 <a:uFillTx/>
                 <a:latin typeface="Arial"/>
               </a:rPr>
-              <a:t>… a další</a:t>
+              <a:t>Videohry</a:t>
             </a:r>
             <a:endParaRPr b="0" lang="en-US" sz="4400" strike="noStrike" u="none">
               <a:solidFill>
@@ -1088,7 +1360,7 @@
       </p:sp>
       <p:sp>
         <p:nvSpPr>
-          <p:cNvPr id="30" name="PlaceHolder 2"/>
+          <p:cNvPr id="31" name="PlaceHolder 2"/>
           <p:cNvSpPr>
             <a:spLocks noGrp="1"/>
           </p:cNvSpPr>
@@ -1099,7 +1371,7 @@
         <p:spPr>
           <a:xfrm>
             <a:off x="504000" y="1326600"/>
-            <a:ext cx="9071640" cy="3288240"/>
+            <a:ext cx="9071280" cy="3287880"/>
           </a:xfrm>
           <a:prstGeom prst="rect">
             <a:avLst/>
@@ -1120,7 +1392,7 @@
               </a:spcBef>
               <a:buNone/>
             </a:pPr>
-            <a:endParaRPr b="0" lang="en-US" sz="3200" strike="noStrike" u="none">
+            <a:endParaRPr b="0" lang="en-US" sz="1800" strike="noStrike" u="none">
               <a:solidFill>
                 <a:srgbClr val="000000"/>
               </a:solidFill>
@@ -1163,7 +1435,7 @@
       </p:grpSpPr>
       <p:sp>
         <p:nvSpPr>
-          <p:cNvPr id="31" name="PlaceHolder 1"/>
+          <p:cNvPr id="32" name="PlaceHolder 1"/>
           <p:cNvSpPr>
             <a:spLocks noGrp="1"/>
           </p:cNvSpPr>
@@ -1173,8 +1445,8 @@
         </p:nvSpPr>
         <p:spPr>
           <a:xfrm>
-            <a:off x="504000" y="226080"/>
-            <a:ext cx="9071640" cy="946440"/>
+            <a:off x="504000" y="225720"/>
+            <a:ext cx="9071280" cy="946800"/>
           </a:xfrm>
           <a:prstGeom prst="rect">
             <a:avLst/>
@@ -1190,7 +1462,13 @@
           </a:bodyPr>
           <a:p>
             <a:pPr indent="0" algn="ctr">
-              <a:buNone/>
+              <a:lnSpc>
+                <a:spcPct val="100000"/>
+              </a:lnSpc>
+              <a:buNone/>
+              <a:tabLst>
+                <a:tab algn="l" pos="0"/>
+              </a:tabLst>
             </a:pPr>
             <a:r>
               <a:rPr b="0" lang="en-US" sz="4400" strike="noStrike" u="none">
@@ -1201,7 +1479,7 @@
                 <a:uFillTx/>
                 <a:latin typeface="Arial"/>
               </a:rPr>
-              <a:t>Videohry</a:t>
+              <a:t>… a další</a:t>
             </a:r>
             <a:endParaRPr b="0" lang="en-US" sz="4400" strike="noStrike" u="none">
               <a:solidFill>
@@ -1216,7 +1494,7 @@
       </p:sp>
       <p:sp>
         <p:nvSpPr>
-          <p:cNvPr id="32" name="PlaceHolder 2"/>
+          <p:cNvPr id="33" name="PlaceHolder 2"/>
           <p:cNvSpPr>
             <a:spLocks noGrp="1"/>
           </p:cNvSpPr>
@@ -1227,7 +1505,7 @@
         <p:spPr>
           <a:xfrm>
             <a:off x="504000" y="1326600"/>
-            <a:ext cx="9071640" cy="3288240"/>
+            <a:ext cx="9071280" cy="3287880"/>
           </a:xfrm>
           <a:prstGeom prst="rect">
             <a:avLst/>
@@ -1248,7 +1526,7 @@
               </a:spcBef>
               <a:buNone/>
             </a:pPr>
-            <a:endParaRPr b="0" lang="en-US" sz="3200" strike="noStrike" u="none">
+            <a:endParaRPr b="0" lang="en-US" sz="1800" strike="noStrike" u="none">
               <a:solidFill>
                 <a:srgbClr val="000000"/>
               </a:solidFill>
@@ -1291,7 +1569,7 @@
       </p:grpSpPr>
       <p:sp>
         <p:nvSpPr>
-          <p:cNvPr id="33" name="PlaceHolder 1"/>
+          <p:cNvPr id="34" name="PlaceHolder 1"/>
           <p:cNvSpPr>
             <a:spLocks noGrp="1"/>
           </p:cNvSpPr>
@@ -1301,8 +1579,8 @@
         </p:nvSpPr>
         <p:spPr>
           <a:xfrm>
-            <a:off x="504000" y="226080"/>
-            <a:ext cx="9071640" cy="946440"/>
+            <a:off x="504000" y="225720"/>
+            <a:ext cx="9071280" cy="946800"/>
           </a:xfrm>
           <a:prstGeom prst="rect">
             <a:avLst/>
@@ -1318,7 +1596,13 @@
           </a:bodyPr>
           <a:p>
             <a:pPr indent="0" algn="ctr">
-              <a:buNone/>
+              <a:lnSpc>
+                <a:spcPct val="100000"/>
+              </a:lnSpc>
+              <a:buNone/>
+              <a:tabLst>
+                <a:tab algn="l" pos="0"/>
+              </a:tabLst>
             </a:pPr>
             <a:r>
               <a:rPr b="0" lang="en-US" sz="4400" strike="noStrike" u="none">
@@ -1344,7 +1628,7 @@
       </p:sp>
       <p:sp>
         <p:nvSpPr>
-          <p:cNvPr id="34" name="PlaceHolder 2"/>
+          <p:cNvPr id="35" name="PlaceHolder 2"/>
           <p:cNvSpPr>
             <a:spLocks noGrp="1"/>
           </p:cNvSpPr>
@@ -1355,7 +1639,7 @@
         <p:spPr>
           <a:xfrm>
             <a:off x="504000" y="1326600"/>
-            <a:ext cx="9071640" cy="3288240"/>
+            <a:ext cx="9071280" cy="3287880"/>
           </a:xfrm>
           <a:prstGeom prst="rect">
             <a:avLst/>
@@ -1370,12 +1654,171 @@
             <a:normAutofit/>
           </a:bodyPr>
           <a:p>
-            <a:pPr indent="0">
+            <a:pPr indent="-324000">
+              <a:lnSpc>
+                <a:spcPct val="100000"/>
+              </a:lnSpc>
+              <a:buClr>
+                <a:srgbClr val="000000"/>
+              </a:buClr>
+              <a:buFont typeface="Wingdings" charset="2"/>
+              <a:buChar char=""/>
+            </a:pPr>
+            <a:r>
+              <a:rPr b="0" lang="en-US" sz="1800" strike="noStrike" u="none">
+                <a:solidFill>
+                  <a:srgbClr val="000000"/>
+                </a:solidFill>
+                <a:effectLst/>
+                <a:uFillTx/>
+                <a:latin typeface="Arial"/>
+              </a:rPr>
+              <a:t>Když udělám program využívající náhodnost, budou lidé mít skutečně pocit, že je nádhodný? (viz Spotify random shuffle)</a:t>
+            </a:r>
+            <a:endParaRPr b="0" lang="en-US" sz="1800" strike="noStrike" u="none">
+              <a:solidFill>
+                <a:srgbClr val="000000"/>
+              </a:solidFill>
+              <a:effectLst/>
+              <a:uFillTx/>
+              <a:latin typeface="Arial"/>
+            </a:endParaRPr>
+          </a:p>
+        </p:txBody>
+      </p:sp>
+    </p:spTree>
+  </p:cSld>
+  <mc:AlternateContent>
+    <mc:Choice Requires="p14">
+      <p:transition spd="slow" p14:dur="2000"/>
+    </mc:Choice>
+    <mc:Fallback>
+      <p:transition spd="slow"/>
+    </mc:Fallback>
+  </mc:AlternateContent>
+</p:sld>
+</file>
+
+<file path=ppt/slides/slide13.xml><?xml version="1.0" encoding="utf-8"?>
+<p:sld xmlns:a="http://schemas.openxmlformats.org/drawingml/2006/main" xmlns:p="http://schemas.openxmlformats.org/presentationml/2006/main" xmlns:r="http://schemas.openxmlformats.org/officeDocument/2006/relationships" xmlns:p14="http://schemas.microsoft.com/office/powerpoint/2010/main" xmlns:p15="http://schemas.microsoft.com/office/powerpoint/2012/main" xmlns:mc="http://schemas.openxmlformats.org/markup-compatibility/2006">
+  <p:cSld>
+    <p:spTree>
+      <p:nvGrpSpPr>
+        <p:cNvPr id="1" name=""/>
+        <p:cNvGrpSpPr/>
+        <p:nvPr/>
+      </p:nvGrpSpPr>
+      <p:grpSpPr>
+        <a:xfrm>
+          <a:off x="0" y="0"/>
+          <a:ext cx="0" cy="0"/>
+          <a:chOff x="0" y="0"/>
+          <a:chExt cx="0" cy="0"/>
+        </a:xfrm>
+      </p:grpSpPr>
+      <p:sp>
+        <p:nvSpPr>
+          <p:cNvPr id="36" name="PlaceHolder 1"/>
+          <p:cNvSpPr>
+            <a:spLocks noGrp="1"/>
+          </p:cNvSpPr>
+          <p:nvPr>
+            <p:ph type="title"/>
+          </p:nvPr>
+        </p:nvSpPr>
+        <p:spPr>
+          <a:xfrm>
+            <a:off x="504000" y="386280"/>
+            <a:ext cx="9071280" cy="625320"/>
+          </a:xfrm>
+          <a:prstGeom prst="rect">
+            <a:avLst/>
+          </a:prstGeom>
+          <a:noFill/>
+          <a:ln w="0">
+            <a:noFill/>
+          </a:ln>
+        </p:spPr>
+        <p:txBody>
+          <a:bodyPr lIns="0" rIns="0" tIns="0" bIns="0" anchor="ctr">
+            <a:spAutoFit/>
+          </a:bodyPr>
+          <a:p>
+            <a:pPr indent="0" algn="ctr">
+              <a:buNone/>
+            </a:pPr>
+            <a:r>
+              <a:rPr b="0" lang="en-US" sz="4400" strike="noStrike" u="none">
+                <a:solidFill>
+                  <a:srgbClr val="000000"/>
+                </a:solidFill>
+                <a:effectLst/>
+                <a:uFillTx/>
+                <a:latin typeface="Arial"/>
+              </a:rPr>
+              <a:t>Nějaký závěr</a:t>
+            </a:r>
+            <a:endParaRPr b="0" lang="en-US" sz="4400" strike="noStrike" u="none">
+              <a:solidFill>
+                <a:srgbClr val="000000"/>
+              </a:solidFill>
+              <a:effectLst/>
+              <a:uFillTx/>
+              <a:latin typeface="Arial"/>
+            </a:endParaRPr>
+          </a:p>
+        </p:txBody>
+      </p:sp>
+      <p:sp>
+        <p:nvSpPr>
+          <p:cNvPr id="37" name="PlaceHolder 2"/>
+          <p:cNvSpPr>
+            <a:spLocks noGrp="1"/>
+          </p:cNvSpPr>
+          <p:nvPr>
+            <p:ph/>
+          </p:nvPr>
+        </p:nvSpPr>
+        <p:spPr>
+          <a:xfrm>
+            <a:off x="504000" y="1326600"/>
+            <a:ext cx="9071280" cy="3287880"/>
+          </a:xfrm>
+          <a:prstGeom prst="rect">
+            <a:avLst/>
+          </a:prstGeom>
+          <a:noFill/>
+          <a:ln w="0">
+            <a:noFill/>
+          </a:ln>
+        </p:spPr>
+        <p:txBody>
+          <a:bodyPr lIns="0" rIns="0" tIns="0" bIns="0" anchor="t">
+            <a:normAutofit/>
+          </a:bodyPr>
+          <a:p>
+            <a:pPr marL="432000" indent="-324000">
               <a:spcBef>
                 <a:spcPts val="1417"/>
               </a:spcBef>
-              <a:buNone/>
-            </a:pPr>
+              <a:buClr>
+                <a:srgbClr val="000000"/>
+              </a:buClr>
+              <a:buSzPct val="45000"/>
+              <a:buFont typeface="Wingdings" charset="2"/>
+              <a:buChar char=""/>
+            </a:pPr>
+            <a:r>
+              <a:rPr b="0" lang="en-US" sz="3200" strike="noStrike" u="none">
+                <a:solidFill>
+                  <a:srgbClr val="000000"/>
+                </a:solidFill>
+                <a:effectLst/>
+                <a:uFillTx/>
+                <a:latin typeface="Arial"/>
+              </a:rPr>
+              <a:t>Thought experiment? Ale dobře vymyslet.</a:t>
+            </a:r>
             <a:endParaRPr b="0" lang="en-US" sz="3200" strike="noStrike" u="none">
               <a:solidFill>
                 <a:srgbClr val="000000"/>
@@ -1419,7 +1862,7 @@
       </p:grpSpPr>
       <p:sp>
         <p:nvSpPr>
-          <p:cNvPr id="13" name="PlaceHolder 1"/>
+          <p:cNvPr id="14" name="PlaceHolder 1"/>
           <p:cNvSpPr>
             <a:spLocks noGrp="1"/>
           </p:cNvSpPr>
@@ -1429,8 +1872,8 @@
         </p:nvSpPr>
         <p:spPr>
           <a:xfrm>
-            <a:off x="504000" y="226080"/>
-            <a:ext cx="9071640" cy="946440"/>
+            <a:off x="504000" y="225720"/>
+            <a:ext cx="9071280" cy="946800"/>
           </a:xfrm>
           <a:prstGeom prst="rect">
             <a:avLst/>
@@ -1446,7 +1889,13 @@
           </a:bodyPr>
           <a:p>
             <a:pPr indent="0" algn="ctr">
-              <a:buNone/>
+              <a:lnSpc>
+                <a:spcPct val="100000"/>
+              </a:lnSpc>
+              <a:buNone/>
+              <a:tabLst>
+                <a:tab algn="l" pos="0"/>
+              </a:tabLst>
             </a:pPr>
             <a:r>
               <a:rPr b="0" lang="en-US" sz="4400" strike="noStrike" u="none">
@@ -1472,7 +1921,7 @@
       </p:sp>
       <p:sp>
         <p:nvSpPr>
-          <p:cNvPr id="14" name="PlaceHolder 2"/>
+          <p:cNvPr id="15" name="PlaceHolder 2"/>
           <p:cNvSpPr>
             <a:spLocks noGrp="1"/>
           </p:cNvSpPr>
@@ -1483,7 +1932,7 @@
         <p:spPr>
           <a:xfrm>
             <a:off x="504000" y="1326600"/>
-            <a:ext cx="9071640" cy="3288240"/>
+            <a:ext cx="9071280" cy="3287880"/>
           </a:xfrm>
           <a:prstGeom prst="rect">
             <a:avLst/>
@@ -1499,6 +1948,9 @@
           </a:bodyPr>
           <a:p>
             <a:pPr indent="0">
+              <a:lnSpc>
+                <a:spcPct val="100000"/>
+              </a:lnSpc>
               <a:spcBef>
                 <a:spcPts val="1191"/>
               </a:spcBef>
@@ -1506,6 +1958,9 @@
                 <a:spcPts val="992"/>
               </a:spcAft>
               <a:buNone/>
+              <a:tabLst>
+                <a:tab algn="l" pos="0"/>
+              </a:tabLst>
             </a:pPr>
             <a:r>
               <a:rPr b="0" lang="en-US" sz="1000" strike="noStrike" u="none">
@@ -1561,7 +2016,7 @@
       </p:grpSpPr>
       <p:sp>
         <p:nvSpPr>
-          <p:cNvPr id="15" name="PlaceHolder 1"/>
+          <p:cNvPr id="16" name="PlaceHolder 1"/>
           <p:cNvSpPr>
             <a:spLocks noGrp="1"/>
           </p:cNvSpPr>
@@ -1571,8 +2026,8 @@
         </p:nvSpPr>
         <p:spPr>
           <a:xfrm>
-            <a:off x="504000" y="226080"/>
-            <a:ext cx="9071640" cy="946440"/>
+            <a:off x="504000" y="225720"/>
+            <a:ext cx="9071280" cy="946800"/>
           </a:xfrm>
           <a:prstGeom prst="rect">
             <a:avLst/>
@@ -1588,7 +2043,13 @@
           </a:bodyPr>
           <a:p>
             <a:pPr indent="0" algn="ctr">
-              <a:buNone/>
+              <a:lnSpc>
+                <a:spcPct val="100000"/>
+              </a:lnSpc>
+              <a:buNone/>
+              <a:tabLst>
+                <a:tab algn="l" pos="0"/>
+              </a:tabLst>
             </a:pPr>
             <a:r>
               <a:rPr b="0" lang="en-US" sz="4400" strike="noStrike" u="none">
@@ -1614,7 +2075,7 @@
       </p:sp>
       <p:sp>
         <p:nvSpPr>
-          <p:cNvPr id="16" name="PlaceHolder 2"/>
+          <p:cNvPr id="17" name="PlaceHolder 2"/>
           <p:cNvSpPr>
             <a:spLocks noGrp="1"/>
           </p:cNvSpPr>
@@ -1625,7 +2086,7 @@
         <p:spPr>
           <a:xfrm>
             <a:off x="504000" y="1326600"/>
-            <a:ext cx="9071640" cy="3288240"/>
+            <a:ext cx="9071280" cy="3287880"/>
           </a:xfrm>
           <a:prstGeom prst="rect">
             <a:avLst/>
@@ -1646,7 +2107,7 @@
               </a:spcBef>
               <a:buNone/>
             </a:pPr>
-            <a:endParaRPr b="0" lang="en-US" sz="3200" strike="noStrike" u="none">
+            <a:endParaRPr b="0" lang="en-US" sz="1800" strike="noStrike" u="none">
               <a:solidFill>
                 <a:srgbClr val="000000"/>
               </a:solidFill>
@@ -1689,7 +2150,7 @@
       </p:grpSpPr>
       <p:sp>
         <p:nvSpPr>
-          <p:cNvPr id="17" name="PlaceHolder 1"/>
+          <p:cNvPr id="18" name="PlaceHolder 1"/>
           <p:cNvSpPr>
             <a:spLocks noGrp="1"/>
           </p:cNvSpPr>
@@ -1699,8 +2160,8 @@
         </p:nvSpPr>
         <p:spPr>
           <a:xfrm>
-            <a:off x="504000" y="226080"/>
-            <a:ext cx="9071640" cy="946440"/>
+            <a:off x="504000" y="225720"/>
+            <a:ext cx="9071280" cy="946800"/>
           </a:xfrm>
           <a:prstGeom prst="rect">
             <a:avLst/>
@@ -1716,7 +2177,13 @@
           </a:bodyPr>
           <a:p>
             <a:pPr indent="0" algn="ctr">
-              <a:buNone/>
+              <a:lnSpc>
+                <a:spcPct val="100000"/>
+              </a:lnSpc>
+              <a:buNone/>
+              <a:tabLst>
+                <a:tab algn="l" pos="0"/>
+              </a:tabLst>
             </a:pPr>
             <a:r>
               <a:rPr b="0" lang="en-US" sz="4400" strike="noStrike" u="none">
@@ -1742,7 +2209,7 @@
       </p:sp>
       <p:sp>
         <p:nvSpPr>
-          <p:cNvPr id="18" name="PlaceHolder 2"/>
+          <p:cNvPr id="19" name="PlaceHolder 2"/>
           <p:cNvSpPr>
             <a:spLocks noGrp="1"/>
           </p:cNvSpPr>
@@ -1753,7 +2220,7 @@
         <p:spPr>
           <a:xfrm>
             <a:off x="504000" y="1326600"/>
-            <a:ext cx="9071640" cy="3288240"/>
+            <a:ext cx="9071280" cy="3287880"/>
           </a:xfrm>
           <a:prstGeom prst="rect">
             <a:avLst/>
@@ -1774,7 +2241,7 @@
               </a:spcBef>
               <a:buNone/>
             </a:pPr>
-            <a:endParaRPr b="0" lang="en-US" sz="3200" strike="noStrike" u="none">
+            <a:endParaRPr b="0" lang="en-US" sz="1800" strike="noStrike" u="none">
               <a:solidFill>
                 <a:srgbClr val="000000"/>
               </a:solidFill>
@@ -1817,7 +2284,7 @@
       </p:grpSpPr>
       <p:sp>
         <p:nvSpPr>
-          <p:cNvPr id="19" name="PlaceHolder 1"/>
+          <p:cNvPr id="20" name="PlaceHolder 1"/>
           <p:cNvSpPr>
             <a:spLocks noGrp="1"/>
           </p:cNvSpPr>
@@ -1827,8 +2294,8 @@
         </p:nvSpPr>
         <p:spPr>
           <a:xfrm>
-            <a:off x="504000" y="226080"/>
-            <a:ext cx="9071640" cy="946440"/>
+            <a:off x="504000" y="225720"/>
+            <a:ext cx="9071280" cy="946800"/>
           </a:xfrm>
           <a:prstGeom prst="rect">
             <a:avLst/>
@@ -1844,7 +2311,13 @@
           </a:bodyPr>
           <a:p>
             <a:pPr indent="0" algn="ctr">
-              <a:buNone/>
+              <a:lnSpc>
+                <a:spcPct val="100000"/>
+              </a:lnSpc>
+              <a:buNone/>
+              <a:tabLst>
+                <a:tab algn="l" pos="0"/>
+              </a:tabLst>
             </a:pPr>
             <a:r>
               <a:rPr b="0" lang="en-US" sz="4400" strike="noStrike" u="none">
@@ -1870,7 +2343,7 @@
       </p:sp>
       <p:sp>
         <p:nvSpPr>
-          <p:cNvPr id="20" name="PlaceHolder 2"/>
+          <p:cNvPr id="21" name="PlaceHolder 2"/>
           <p:cNvSpPr>
             <a:spLocks noGrp="1"/>
           </p:cNvSpPr>
@@ -1881,7 +2354,7 @@
         <p:spPr>
           <a:xfrm>
             <a:off x="504000" y="1326600"/>
-            <a:ext cx="9071640" cy="3288240"/>
+            <a:ext cx="9071280" cy="3287880"/>
           </a:xfrm>
           <a:prstGeom prst="rect">
             <a:avLst/>
@@ -1897,6 +2370,9 @@
           </a:bodyPr>
           <a:p>
             <a:pPr marL="432000" indent="-324000">
+              <a:lnSpc>
+                <a:spcPct val="100000"/>
+              </a:lnSpc>
               <a:spcBef>
                 <a:spcPts val="1417"/>
               </a:spcBef>
@@ -1961,7 +2437,7 @@
       </p:grpSpPr>
       <p:sp>
         <p:nvSpPr>
-          <p:cNvPr id="21" name="PlaceHolder 1"/>
+          <p:cNvPr id="22" name="PlaceHolder 1"/>
           <p:cNvSpPr>
             <a:spLocks noGrp="1"/>
           </p:cNvSpPr>
@@ -1971,8 +2447,8 @@
         </p:nvSpPr>
         <p:spPr>
           <a:xfrm>
-            <a:off x="504000" y="226080"/>
-            <a:ext cx="9071640" cy="946440"/>
+            <a:off x="504000" y="225720"/>
+            <a:ext cx="9071280" cy="946800"/>
           </a:xfrm>
           <a:prstGeom prst="rect">
             <a:avLst/>
@@ -1988,7 +2464,13 @@
           </a:bodyPr>
           <a:p>
             <a:pPr indent="0" algn="ctr">
-              <a:buNone/>
+              <a:lnSpc>
+                <a:spcPct val="100000"/>
+              </a:lnSpc>
+              <a:buNone/>
+              <a:tabLst>
+                <a:tab algn="l" pos="0"/>
+              </a:tabLst>
             </a:pPr>
             <a:r>
               <a:rPr b="0" lang="en-US" sz="4400" strike="noStrike" u="none">
@@ -2014,7 +2496,7 @@
       </p:sp>
       <p:sp>
         <p:nvSpPr>
-          <p:cNvPr id="22" name="PlaceHolder 2"/>
+          <p:cNvPr id="23" name="PlaceHolder 2"/>
           <p:cNvSpPr>
             <a:spLocks noGrp="1"/>
           </p:cNvSpPr>
@@ -2025,7 +2507,7 @@
         <p:spPr>
           <a:xfrm>
             <a:off x="504000" y="1326600"/>
-            <a:ext cx="9071640" cy="3288240"/>
+            <a:ext cx="9071280" cy="3287880"/>
           </a:xfrm>
           <a:prstGeom prst="rect">
             <a:avLst/>
@@ -2041,10 +2523,16 @@
           </a:bodyPr>
           <a:p>
             <a:pPr marL="432000" indent="0">
+              <a:lnSpc>
+                <a:spcPct val="100000"/>
+              </a:lnSpc>
               <a:spcBef>
                 <a:spcPts val="1417"/>
               </a:spcBef>
               <a:buNone/>
+              <a:tabLst>
+                <a:tab algn="l" pos="0"/>
+              </a:tabLst>
             </a:pPr>
             <a:r>
               <a:rPr b="0" lang="en-US" sz="3200" strike="noStrike" u="none">
@@ -2068,6 +2556,9 @@
           </a:p>
           <a:p>
             <a:pPr marL="432000" indent="-324000">
+              <a:lnSpc>
+                <a:spcPct val="100000"/>
+              </a:lnSpc>
               <a:spcBef>
                 <a:spcPts val="1417"/>
               </a:spcBef>
@@ -2077,6 +2568,9 @@
               <a:buSzPct val="45000"/>
               <a:buFont typeface="Wingdings" charset="2"/>
               <a:buChar char=""/>
+              <a:tabLst>
+                <a:tab algn="l" pos="0"/>
+              </a:tabLst>
             </a:pPr>
             <a:r>
               <a:rPr b="0" lang="en-US" sz="3200" strike="noStrike" u="none">
@@ -2132,7 +2626,7 @@
       </p:grpSpPr>
       <p:sp>
         <p:nvSpPr>
-          <p:cNvPr id="23" name="PlaceHolder 1"/>
+          <p:cNvPr id="24" name="PlaceHolder 1"/>
           <p:cNvSpPr>
             <a:spLocks noGrp="1"/>
           </p:cNvSpPr>
@@ -2142,8 +2636,8 @@
         </p:nvSpPr>
         <p:spPr>
           <a:xfrm>
-            <a:off x="504000" y="226080"/>
-            <a:ext cx="9071640" cy="946440"/>
+            <a:off x="504000" y="225720"/>
+            <a:ext cx="9071280" cy="946800"/>
           </a:xfrm>
           <a:prstGeom prst="rect">
             <a:avLst/>
@@ -2159,7 +2653,13 @@
           </a:bodyPr>
           <a:p>
             <a:pPr indent="0" algn="ctr">
-              <a:buNone/>
+              <a:lnSpc>
+                <a:spcPct val="100000"/>
+              </a:lnSpc>
+              <a:buNone/>
+              <a:tabLst>
+                <a:tab algn="l" pos="0"/>
+              </a:tabLst>
             </a:pPr>
             <a:r>
               <a:rPr b="0" lang="en-US" sz="4400" strike="noStrike" u="none">
@@ -2185,7 +2685,7 @@
       </p:sp>
       <p:sp>
         <p:nvSpPr>
-          <p:cNvPr id="24" name="PlaceHolder 2"/>
+          <p:cNvPr id="25" name="PlaceHolder 2"/>
           <p:cNvSpPr>
             <a:spLocks noGrp="1"/>
           </p:cNvSpPr>
@@ -2196,7 +2696,7 @@
         <p:spPr>
           <a:xfrm>
             <a:off x="504000" y="1326600"/>
-            <a:ext cx="9071640" cy="3288240"/>
+            <a:ext cx="9071280" cy="3287880"/>
           </a:xfrm>
           <a:prstGeom prst="rect">
             <a:avLst/>
@@ -2217,7 +2717,7 @@
               </a:spcBef>
               <a:buNone/>
             </a:pPr>
-            <a:endParaRPr b="0" lang="en-US" sz="3200" strike="noStrike" u="none">
+            <a:endParaRPr b="0" lang="en-US" sz="1800" strike="noStrike" u="none">
               <a:solidFill>
                 <a:srgbClr val="000000"/>
               </a:solidFill>
@@ -2260,7 +2760,7 @@
       </p:grpSpPr>
       <p:sp>
         <p:nvSpPr>
-          <p:cNvPr id="25" name="PlaceHolder 1"/>
+          <p:cNvPr id="26" name="PlaceHolder 1"/>
           <p:cNvSpPr>
             <a:spLocks noGrp="1"/>
           </p:cNvSpPr>
@@ -2270,8 +2770,8 @@
         </p:nvSpPr>
         <p:spPr>
           <a:xfrm>
-            <a:off x="504000" y="226080"/>
-            <a:ext cx="9071640" cy="946440"/>
+            <a:off x="504000" y="225720"/>
+            <a:ext cx="9071280" cy="946800"/>
           </a:xfrm>
           <a:prstGeom prst="rect">
             <a:avLst/>
@@ -2287,7 +2787,13 @@
           </a:bodyPr>
           <a:p>
             <a:pPr indent="0" algn="ctr">
-              <a:buNone/>
+              <a:lnSpc>
+                <a:spcPct val="100000"/>
+              </a:lnSpc>
+              <a:buNone/>
+              <a:tabLst>
+                <a:tab algn="l" pos="0"/>
+              </a:tabLst>
             </a:pPr>
             <a:r>
               <a:rPr b="0" lang="en-US" sz="4400" strike="noStrike" u="none">
@@ -2313,7 +2819,7 @@
       </p:sp>
       <p:sp>
         <p:nvSpPr>
-          <p:cNvPr id="26" name="PlaceHolder 2"/>
+          <p:cNvPr id="27" name="PlaceHolder 2"/>
           <p:cNvSpPr>
             <a:spLocks noGrp="1"/>
           </p:cNvSpPr>
@@ -2324,7 +2830,7 @@
         <p:spPr>
           <a:xfrm>
             <a:off x="504000" y="1326600"/>
-            <a:ext cx="9071640" cy="3288240"/>
+            <a:ext cx="9071280" cy="3287880"/>
           </a:xfrm>
           <a:prstGeom prst="rect">
             <a:avLst/>
@@ -2345,7 +2851,7 @@
               </a:spcBef>
               <a:buNone/>
             </a:pPr>
-            <a:endParaRPr b="0" lang="en-US" sz="3200" strike="noStrike" u="none">
+            <a:endParaRPr b="0" lang="en-US" sz="1800" strike="noStrike" u="none">
               <a:solidFill>
                 <a:srgbClr val="000000"/>
               </a:solidFill>
@@ -2388,7 +2894,7 @@
       </p:grpSpPr>
       <p:sp>
         <p:nvSpPr>
-          <p:cNvPr id="27" name="PlaceHolder 1"/>
+          <p:cNvPr id="28" name="PlaceHolder 1"/>
           <p:cNvSpPr>
             <a:spLocks noGrp="1"/>
           </p:cNvSpPr>
@@ -2398,8 +2904,8 @@
         </p:nvSpPr>
         <p:spPr>
           <a:xfrm>
-            <a:off x="504000" y="226080"/>
-            <a:ext cx="9071640" cy="946440"/>
+            <a:off x="504000" y="225720"/>
+            <a:ext cx="9071280" cy="946800"/>
           </a:xfrm>
           <a:prstGeom prst="rect">
             <a:avLst/>
@@ -2415,7 +2921,13 @@
           </a:bodyPr>
           <a:p>
             <a:pPr indent="0" algn="ctr">
-              <a:buNone/>
+              <a:lnSpc>
+                <a:spcPct val="100000"/>
+              </a:lnSpc>
+              <a:buNone/>
+              <a:tabLst>
+                <a:tab algn="l" pos="0"/>
+              </a:tabLst>
             </a:pPr>
             <a:r>
               <a:rPr b="0" lang="en-US" sz="4400" strike="noStrike" u="none">
@@ -2441,7 +2953,7 @@
       </p:sp>
       <p:sp>
         <p:nvSpPr>
-          <p:cNvPr id="28" name="PlaceHolder 2"/>
+          <p:cNvPr id="29" name="PlaceHolder 2"/>
           <p:cNvSpPr>
             <a:spLocks noGrp="1"/>
           </p:cNvSpPr>
@@ -2452,7 +2964,7 @@
         <p:spPr>
           <a:xfrm>
             <a:off x="504000" y="1326600"/>
-            <a:ext cx="9071640" cy="3288240"/>
+            <a:ext cx="9071280" cy="3287880"/>
           </a:xfrm>
           <a:prstGeom prst="rect">
             <a:avLst/>
@@ -2468,6 +2980,9 @@
           </a:bodyPr>
           <a:p>
             <a:pPr marL="432000" indent="-324000">
+              <a:lnSpc>
+                <a:spcPct val="100000"/>
+              </a:lnSpc>
               <a:spcBef>
                 <a:spcPts val="1417"/>
               </a:spcBef>

--- a/presentation.pptx
+++ b/presentation.pptx
@@ -4,28 +4,716 @@
   <p:sldMasterIdLst>
     <p:sldMasterId id="2147483648" r:id="rId2"/>
   </p:sldMasterIdLst>
+  <p:notesMasterIdLst>
+    <p:notesMasterId r:id="rId3"/>
+  </p:notesMasterIdLst>
   <p:sldIdLst>
-    <p:sldId id="256" r:id="rId3"/>
-    <p:sldId id="257" r:id="rId4"/>
-    <p:sldId id="258" r:id="rId5"/>
-    <p:sldId id="259" r:id="rId6"/>
-    <p:sldId id="260" r:id="rId7"/>
-    <p:sldId id="261" r:id="rId8"/>
-    <p:sldId id="262" r:id="rId9"/>
-    <p:sldId id="263" r:id="rId10"/>
-    <p:sldId id="264" r:id="rId11"/>
-    <p:sldId id="265" r:id="rId12"/>
-    <p:sldId id="266" r:id="rId13"/>
-    <p:sldId id="267" r:id="rId14"/>
-    <p:sldId id="268" r:id="rId15"/>
+    <p:sldId id="256" r:id="rId4"/>
+    <p:sldId id="257" r:id="rId5"/>
+    <p:sldId id="258" r:id="rId6"/>
+    <p:sldId id="259" r:id="rId7"/>
+    <p:sldId id="260" r:id="rId8"/>
+    <p:sldId id="261" r:id="rId9"/>
+    <p:sldId id="262" r:id="rId10"/>
+    <p:sldId id="263" r:id="rId11"/>
+    <p:sldId id="264" r:id="rId12"/>
+    <p:sldId id="265" r:id="rId13"/>
+    <p:sldId id="266" r:id="rId14"/>
+    <p:sldId id="267" r:id="rId15"/>
+    <p:sldId id="268" r:id="rId16"/>
+    <p:sldId id="269" r:id="rId17"/>
   </p:sldIdLst>
   <p:sldSz cx="10080625" cy="5670550"/>
   <p:notesSz cx="7559675" cy="10691813"/>
 </p:presentation>
 </file>
 
+<file path=ppt/notesMasters/notesMaster1.xml><?xml version="1.0" encoding="utf-8"?>
+<p:notesMaster xmlns:a="http://schemas.openxmlformats.org/drawingml/2006/main" xmlns:p="http://schemas.openxmlformats.org/presentationml/2006/main" xmlns:r="http://schemas.openxmlformats.org/officeDocument/2006/relationships" xmlns:p14="http://schemas.microsoft.com/office/powerpoint/2010/main" xmlns:p15="http://schemas.microsoft.com/office/powerpoint/2012/main" xmlns:mc="http://schemas.openxmlformats.org/markup-compatibility/2006">
+  <p:cSld>
+    <p:spTree>
+      <p:nvGrpSpPr>
+        <p:cNvPr id="1" name=""/>
+        <p:cNvGrpSpPr/>
+        <p:nvPr/>
+      </p:nvGrpSpPr>
+      <p:grpSpPr>
+        <a:xfrm>
+          <a:off x="0" y="0"/>
+          <a:ext cx="0" cy="0"/>
+          <a:chOff x="0" y="0"/>
+          <a:chExt cx="0" cy="0"/>
+        </a:xfrm>
+      </p:grpSpPr>
+      <p:sp>
+        <p:nvSpPr>
+          <p:cNvPr id="17" name="PlaceHolder 1"/>
+          <p:cNvSpPr>
+            <a:spLocks noGrp="1"/>
+          </p:cNvSpPr>
+          <p:nvPr>
+            <p:ph type="sldImg"/>
+          </p:nvPr>
+        </p:nvSpPr>
+        <p:spPr>
+          <a:xfrm>
+            <a:off x="0" y="812520"/>
+            <a:ext cx="0" cy="0"/>
+          </a:xfrm>
+          <a:prstGeom prst="rect">
+            <a:avLst/>
+          </a:prstGeom>
+          <a:noFill/>
+          <a:ln w="0">
+            <a:noFill/>
+          </a:ln>
+        </p:spPr>
+        <p:txBody>
+          <a:bodyPr lIns="0" rIns="0" tIns="0" bIns="0" anchor="ctr">
+            <a:noAutofit/>
+          </a:bodyPr>
+          <a:p>
+            <a:pPr algn="ctr"/>
+            <a:r>
+              <a:rPr b="0" lang="en-US" sz="4400" strike="noStrike" u="none">
+                <a:solidFill>
+                  <a:srgbClr val="000000"/>
+                </a:solidFill>
+                <a:effectLst/>
+                <a:uFillTx/>
+                <a:latin typeface="Arial"/>
+              </a:rPr>
+              <a:t>Click to move the slide</a:t>
+            </a:r>
+            <a:endParaRPr b="0" lang="en-US" sz="4400" strike="noStrike" u="none">
+              <a:solidFill>
+                <a:srgbClr val="000000"/>
+              </a:solidFill>
+              <a:effectLst/>
+              <a:uFillTx/>
+              <a:latin typeface="Arial"/>
+            </a:endParaRPr>
+          </a:p>
+        </p:txBody>
+      </p:sp>
+      <p:sp>
+        <p:nvSpPr>
+          <p:cNvPr id="18" name="PlaceHolder 2"/>
+          <p:cNvSpPr>
+            <a:spLocks noGrp="1"/>
+          </p:cNvSpPr>
+          <p:nvPr>
+            <p:ph type="body"/>
+          </p:nvPr>
+        </p:nvSpPr>
+        <p:spPr>
+          <a:xfrm>
+            <a:off x="756000" y="5078520"/>
+            <a:ext cx="6047640" cy="4811040"/>
+          </a:xfrm>
+          <a:prstGeom prst="rect">
+            <a:avLst/>
+          </a:prstGeom>
+          <a:noFill/>
+          <a:ln w="0">
+            <a:noFill/>
+          </a:ln>
+        </p:spPr>
+        <p:txBody>
+          <a:bodyPr lIns="0" rIns="0" tIns="0" bIns="0" anchor="t">
+            <a:noAutofit/>
+          </a:bodyPr>
+          <a:p>
+            <a:pPr indent="0">
+              <a:buNone/>
+            </a:pPr>
+            <a:r>
+              <a:rPr b="0" lang="en-US" sz="2000" strike="noStrike" u="none">
+                <a:solidFill>
+                  <a:srgbClr val="000000"/>
+                </a:solidFill>
+                <a:effectLst/>
+                <a:uFillTx/>
+                <a:latin typeface="Arial"/>
+              </a:rPr>
+              <a:t>Click to edit the notes format</a:t>
+            </a:r>
+            <a:endParaRPr b="0" lang="en-US" sz="2000" strike="noStrike" u="none">
+              <a:solidFill>
+                <a:srgbClr val="000000"/>
+              </a:solidFill>
+              <a:effectLst/>
+              <a:uFillTx/>
+              <a:latin typeface="Arial"/>
+            </a:endParaRPr>
+          </a:p>
+        </p:txBody>
+      </p:sp>
+      <p:sp>
+        <p:nvSpPr>
+          <p:cNvPr id="19" name="PlaceHolder 3"/>
+          <p:cNvSpPr>
+            <a:spLocks noGrp="1"/>
+          </p:cNvSpPr>
+          <p:nvPr>
+            <p:ph type="hdr"/>
+          </p:nvPr>
+        </p:nvSpPr>
+        <p:spPr>
+          <a:xfrm>
+            <a:off x="0" y="0"/>
+            <a:ext cx="3280680" cy="534240"/>
+          </a:xfrm>
+          <a:prstGeom prst="rect">
+            <a:avLst/>
+          </a:prstGeom>
+          <a:noFill/>
+          <a:ln w="0">
+            <a:noFill/>
+          </a:ln>
+        </p:spPr>
+        <p:txBody>
+          <a:bodyPr lIns="0" rIns="0" tIns="0" bIns="0" anchor="t">
+            <a:noAutofit/>
+          </a:bodyPr>
+          <a:p>
+            <a:pPr indent="0">
+              <a:buNone/>
+            </a:pPr>
+            <a:r>
+              <a:rPr b="0" lang="en-US" sz="1400" strike="noStrike" u="none">
+                <a:solidFill>
+                  <a:srgbClr val="000000"/>
+                </a:solidFill>
+                <a:effectLst/>
+                <a:uFillTx/>
+                <a:latin typeface="Times New Roman"/>
+              </a:rPr>
+              <a:t>&lt;header&gt;</a:t>
+            </a:r>
+            <a:endParaRPr b="0" lang="en-US" sz="1400" strike="noStrike" u="none">
+              <a:solidFill>
+                <a:srgbClr val="000000"/>
+              </a:solidFill>
+              <a:effectLst/>
+              <a:uFillTx/>
+              <a:latin typeface="Times New Roman"/>
+            </a:endParaRPr>
+          </a:p>
+        </p:txBody>
+      </p:sp>
+      <p:sp>
+        <p:nvSpPr>
+          <p:cNvPr id="20" name="PlaceHolder 4"/>
+          <p:cNvSpPr>
+            <a:spLocks noGrp="1"/>
+          </p:cNvSpPr>
+          <p:nvPr>
+            <p:ph type="dt" idx="10"/>
+          </p:nvPr>
+        </p:nvSpPr>
+        <p:spPr>
+          <a:xfrm>
+            <a:off x="4278960" y="0"/>
+            <a:ext cx="3280680" cy="534240"/>
+          </a:xfrm>
+          <a:prstGeom prst="rect">
+            <a:avLst/>
+          </a:prstGeom>
+          <a:noFill/>
+          <a:ln w="0">
+            <a:noFill/>
+          </a:ln>
+        </p:spPr>
+        <p:txBody>
+          <a:bodyPr lIns="0" rIns="0" tIns="0" bIns="0" anchor="t">
+            <a:noAutofit/>
+          </a:bodyPr>
+          <a:lstStyle>
+            <a:lvl1pPr indent="0" algn="r">
+              <a:buNone/>
+              <a:defRPr b="0" lang="en-US" sz="1400" strike="noStrike" u="none">
+                <a:solidFill>
+                  <a:srgbClr val="000000"/>
+                </a:solidFill>
+                <a:effectLst/>
+                <a:uFillTx/>
+                <a:latin typeface="Times New Roman"/>
+              </a:defRPr>
+            </a:lvl1pPr>
+          </a:lstStyle>
+          <a:p>
+            <a:pPr indent="0" algn="r">
+              <a:buNone/>
+            </a:pPr>
+            <a:r>
+              <a:rPr b="0" lang="en-US" sz="1400" strike="noStrike" u="none">
+                <a:solidFill>
+                  <a:srgbClr val="000000"/>
+                </a:solidFill>
+                <a:effectLst/>
+                <a:uFillTx/>
+                <a:latin typeface="Times New Roman"/>
+              </a:rPr>
+              <a:t>&lt;date/time&gt;</a:t>
+            </a:r>
+            <a:endParaRPr b="0" lang="en-US" sz="1400" strike="noStrike" u="none">
+              <a:solidFill>
+                <a:srgbClr val="000000"/>
+              </a:solidFill>
+              <a:effectLst/>
+              <a:uFillTx/>
+              <a:latin typeface="Times New Roman"/>
+            </a:endParaRPr>
+          </a:p>
+        </p:txBody>
+      </p:sp>
+      <p:sp>
+        <p:nvSpPr>
+          <p:cNvPr id="21" name="PlaceHolder 5"/>
+          <p:cNvSpPr>
+            <a:spLocks noGrp="1"/>
+          </p:cNvSpPr>
+          <p:nvPr>
+            <p:ph type="ftr" idx="11"/>
+          </p:nvPr>
+        </p:nvSpPr>
+        <p:spPr>
+          <a:xfrm>
+            <a:off x="0" y="10157400"/>
+            <a:ext cx="3280680" cy="534240"/>
+          </a:xfrm>
+          <a:prstGeom prst="rect">
+            <a:avLst/>
+          </a:prstGeom>
+          <a:noFill/>
+          <a:ln w="0">
+            <a:noFill/>
+          </a:ln>
+        </p:spPr>
+        <p:txBody>
+          <a:bodyPr lIns="0" rIns="0" tIns="0" bIns="0" anchor="b">
+            <a:noAutofit/>
+          </a:bodyPr>
+          <a:lstStyle>
+            <a:lvl1pPr indent="0">
+              <a:buNone/>
+              <a:defRPr b="0" lang="en-US" sz="1400" strike="noStrike" u="none">
+                <a:solidFill>
+                  <a:srgbClr val="000000"/>
+                </a:solidFill>
+                <a:effectLst/>
+                <a:uFillTx/>
+                <a:latin typeface="Times New Roman"/>
+              </a:defRPr>
+            </a:lvl1pPr>
+          </a:lstStyle>
+          <a:p>
+            <a:pPr indent="0">
+              <a:buNone/>
+            </a:pPr>
+            <a:r>
+              <a:rPr b="0" lang="en-US" sz="1400" strike="noStrike" u="none">
+                <a:solidFill>
+                  <a:srgbClr val="000000"/>
+                </a:solidFill>
+                <a:effectLst/>
+                <a:uFillTx/>
+                <a:latin typeface="Times New Roman"/>
+              </a:rPr>
+              <a:t>&lt;footer&gt;</a:t>
+            </a:r>
+            <a:endParaRPr b="0" lang="en-US" sz="1400" strike="noStrike" u="none">
+              <a:solidFill>
+                <a:srgbClr val="000000"/>
+              </a:solidFill>
+              <a:effectLst/>
+              <a:uFillTx/>
+              <a:latin typeface="Times New Roman"/>
+            </a:endParaRPr>
+          </a:p>
+        </p:txBody>
+      </p:sp>
+      <p:sp>
+        <p:nvSpPr>
+          <p:cNvPr id="22" name="PlaceHolder 6"/>
+          <p:cNvSpPr>
+            <a:spLocks noGrp="1"/>
+          </p:cNvSpPr>
+          <p:nvPr>
+            <p:ph type="sldNum" idx="12"/>
+          </p:nvPr>
+        </p:nvSpPr>
+        <p:spPr>
+          <a:xfrm>
+            <a:off x="4278960" y="10157400"/>
+            <a:ext cx="3280680" cy="534240"/>
+          </a:xfrm>
+          <a:prstGeom prst="rect">
+            <a:avLst/>
+          </a:prstGeom>
+          <a:noFill/>
+          <a:ln w="0">
+            <a:noFill/>
+          </a:ln>
+        </p:spPr>
+        <p:txBody>
+          <a:bodyPr lIns="0" rIns="0" tIns="0" bIns="0" anchor="b">
+            <a:noAutofit/>
+          </a:bodyPr>
+          <a:lstStyle>
+            <a:lvl1pPr indent="0" algn="r">
+              <a:buNone/>
+              <a:defRPr b="0" lang="en-US" sz="1400" strike="noStrike" u="none">
+                <a:solidFill>
+                  <a:srgbClr val="000000"/>
+                </a:solidFill>
+                <a:effectLst/>
+                <a:uFillTx/>
+                <a:latin typeface="Times New Roman"/>
+              </a:defRPr>
+            </a:lvl1pPr>
+          </a:lstStyle>
+          <a:p>
+            <a:pPr indent="0" algn="r">
+              <a:buNone/>
+            </a:pPr>
+            <a:fld id="{BD092B48-A3D8-4235-B1F7-53DBC21DCEBE}" type="slidenum">
+              <a:rPr b="0" lang="en-US" sz="1400" strike="noStrike" u="none">
+                <a:solidFill>
+                  <a:srgbClr val="000000"/>
+                </a:solidFill>
+                <a:effectLst/>
+                <a:uFillTx/>
+                <a:latin typeface="Times New Roman"/>
+              </a:rPr>
+              <a:t>&lt;number&gt;</a:t>
+            </a:fld>
+            <a:endParaRPr b="0" lang="en-US" sz="1400" strike="noStrike" u="none">
+              <a:solidFill>
+                <a:srgbClr val="000000"/>
+              </a:solidFill>
+              <a:effectLst/>
+              <a:uFillTx/>
+              <a:latin typeface="Times New Roman"/>
+            </a:endParaRPr>
+          </a:p>
+        </p:txBody>
+      </p:sp>
+    </p:spTree>
+  </p:cSld>
+  <p:clrMap bg1="lt1" bg2="lt2" tx1="dk1" tx2="dk2" accent1="accent1" accent2="accent2" accent3="accent3" accent4="accent4" accent5="accent5" accent6="accent6" hlink="hlink" folHlink="folHlink"/>
+</p:notesMaster>
+</file>
+
+<file path=ppt/notesSlides/notesSlide10.xml><?xml version="1.0" encoding="utf-8"?>
+<p:notes xmlns:a="http://schemas.openxmlformats.org/drawingml/2006/main" xmlns:p="http://schemas.openxmlformats.org/presentationml/2006/main" xmlns:r="http://schemas.openxmlformats.org/officeDocument/2006/relationships" xmlns:p14="http://schemas.microsoft.com/office/powerpoint/2010/main" xmlns:p15="http://schemas.microsoft.com/office/powerpoint/2012/main" xmlns:mc="http://schemas.openxmlformats.org/markup-compatibility/2006">
+  <p:cSld>
+    <p:spTree>
+      <p:nvGrpSpPr>
+        <p:cNvPr id="1" name=""/>
+        <p:cNvGrpSpPr/>
+        <p:nvPr/>
+      </p:nvGrpSpPr>
+      <p:grpSpPr>
+        <a:xfrm>
+          <a:off x="0" y="0"/>
+          <a:ext cx="0" cy="0"/>
+          <a:chOff x="0" y="0"/>
+          <a:chExt cx="0" cy="0"/>
+        </a:xfrm>
+      </p:grpSpPr>
+      <p:sp>
+        <p:nvSpPr>
+          <p:cNvPr id="55" name="PlaceHolder 1"/>
+          <p:cNvSpPr>
+            <a:spLocks noGrp="1"/>
+          </p:cNvSpPr>
+          <p:nvPr>
+            <p:ph type="sldImg"/>
+          </p:nvPr>
+        </p:nvSpPr>
+        <p:spPr>
+          <a:xfrm>
+            <a:off x="216000" y="812520"/>
+            <a:ext cx="7127280" cy="4008960"/>
+          </a:xfrm>
+          <a:prstGeom prst="rect">
+            <a:avLst/>
+          </a:prstGeom>
+          <a:ln w="0">
+            <a:noFill/>
+          </a:ln>
+        </p:spPr>
+      </p:sp>
+      <p:sp>
+        <p:nvSpPr>
+          <p:cNvPr id="56" name="PlaceHolder 2"/>
+          <p:cNvSpPr>
+            <a:spLocks noGrp="1"/>
+          </p:cNvSpPr>
+          <p:nvPr>
+            <p:ph type="body"/>
+          </p:nvPr>
+        </p:nvSpPr>
+        <p:spPr>
+          <a:xfrm>
+            <a:off x="914400" y="5475960"/>
+            <a:ext cx="6047640" cy="4811040"/>
+          </a:xfrm>
+          <a:prstGeom prst="rect">
+            <a:avLst/>
+          </a:prstGeom>
+          <a:noFill/>
+          <a:ln w="0">
+            <a:noFill/>
+          </a:ln>
+        </p:spPr>
+        <p:txBody>
+          <a:bodyPr lIns="0" rIns="0" tIns="0" bIns="0" anchor="t">
+            <a:noAutofit/>
+          </a:bodyPr>
+          <a:p>
+            <a:pPr indent="0">
+              <a:buNone/>
+            </a:pPr>
+            <a:r>
+              <a:rPr b="0" lang="en-US" sz="2000" strike="noStrike" u="none">
+                <a:solidFill>
+                  <a:srgbClr val="000000"/>
+                </a:solidFill>
+                <a:effectLst/>
+                <a:uFillTx/>
+                <a:latin typeface="Arial"/>
+              </a:rPr>
+              <a:t>Src: https://smerity.com/montelight-cpp/</a:t>
+            </a:r>
+            <a:endParaRPr b="0" lang="en-US" sz="2000" strike="noStrike" u="none">
+              <a:solidFill>
+                <a:srgbClr val="000000"/>
+              </a:solidFill>
+              <a:effectLst/>
+              <a:uFillTx/>
+              <a:latin typeface="Arial"/>
+            </a:endParaRPr>
+          </a:p>
+        </p:txBody>
+      </p:sp>
+    </p:spTree>
+  </p:cSld>
+</p:notes>
+</file>
+
+<file path=ppt/notesSlides/notesSlide12.xml><?xml version="1.0" encoding="utf-8"?>
+<p:notes xmlns:a="http://schemas.openxmlformats.org/drawingml/2006/main" xmlns:p="http://schemas.openxmlformats.org/presentationml/2006/main" xmlns:r="http://schemas.openxmlformats.org/officeDocument/2006/relationships" xmlns:p14="http://schemas.microsoft.com/office/powerpoint/2010/main" xmlns:p15="http://schemas.microsoft.com/office/powerpoint/2012/main" xmlns:mc="http://schemas.openxmlformats.org/markup-compatibility/2006">
+  <p:cSld>
+    <p:spTree>
+      <p:nvGrpSpPr>
+        <p:cNvPr id="1" name=""/>
+        <p:cNvGrpSpPr/>
+        <p:nvPr/>
+      </p:nvGrpSpPr>
+      <p:grpSpPr>
+        <a:xfrm>
+          <a:off x="0" y="0"/>
+          <a:ext cx="0" cy="0"/>
+          <a:chOff x="0" y="0"/>
+          <a:chExt cx="0" cy="0"/>
+        </a:xfrm>
+      </p:grpSpPr>
+      <p:sp>
+        <p:nvSpPr>
+          <p:cNvPr id="57" name="PlaceHolder 1"/>
+          <p:cNvSpPr>
+            <a:spLocks noGrp="1"/>
+          </p:cNvSpPr>
+          <p:nvPr>
+            <p:ph type="sldImg"/>
+          </p:nvPr>
+        </p:nvSpPr>
+        <p:spPr>
+          <a:xfrm>
+            <a:off x="216000" y="812520"/>
+            <a:ext cx="7127280" cy="4008960"/>
+          </a:xfrm>
+          <a:prstGeom prst="rect">
+            <a:avLst/>
+          </a:prstGeom>
+          <a:ln w="0">
+            <a:noFill/>
+          </a:ln>
+        </p:spPr>
+      </p:sp>
+      <p:sp>
+        <p:nvSpPr>
+          <p:cNvPr id="58" name="PlaceHolder 2"/>
+          <p:cNvSpPr>
+            <a:spLocks noGrp="1"/>
+          </p:cNvSpPr>
+          <p:nvPr>
+            <p:ph type="body"/>
+          </p:nvPr>
+        </p:nvSpPr>
+        <p:spPr>
+          <a:xfrm>
+            <a:off x="756000" y="5078520"/>
+            <a:ext cx="6047640" cy="4811040"/>
+          </a:xfrm>
+          <a:prstGeom prst="rect">
+            <a:avLst/>
+          </a:prstGeom>
+          <a:noFill/>
+          <a:ln w="0">
+            <a:noFill/>
+          </a:ln>
+        </p:spPr>
+        <p:txBody>
+          <a:bodyPr lIns="0" rIns="0" tIns="0" bIns="0" anchor="t">
+            <a:noAutofit/>
+          </a:bodyPr>
+          <a:p>
+            <a:pPr indent="0">
+              <a:spcBef>
+                <a:spcPts val="1191"/>
+              </a:spcBef>
+              <a:spcAft>
+                <a:spcPts val="992"/>
+              </a:spcAft>
+              <a:buNone/>
+            </a:pPr>
+            <a:r>
+              <a:rPr b="0" lang="en-US" sz="1000" strike="noStrike" u="none">
+                <a:solidFill>
+                  <a:srgbClr val="000000"/>
+                </a:solidFill>
+                <a:effectLst/>
+                <a:uFillTx/>
+                <a:latin typeface="Arial"/>
+              </a:rPr>
+              <a:t>Náhoda pomáhá algoritmům dostat se ze slepých uliček. Při hledání nejlepší cesty občas musíme udělat náhodný krok 'špatným' směrem, abychom později našli ten nejlepší.</a:t>
+            </a:r>
+            <a:endParaRPr b="0" lang="en-US" sz="1000" strike="noStrike" u="none">
+              <a:solidFill>
+                <a:srgbClr val="000000"/>
+              </a:solidFill>
+              <a:effectLst/>
+              <a:uFillTx/>
+              <a:latin typeface="Arial"/>
+            </a:endParaRPr>
+          </a:p>
+        </p:txBody>
+      </p:sp>
+    </p:spTree>
+  </p:cSld>
+</p:notes>
+</file>
+
+<file path=ppt/notesSlides/notesSlide2.xml><?xml version="1.0" encoding="utf-8"?>
+<p:notes xmlns:a="http://schemas.openxmlformats.org/drawingml/2006/main" xmlns:p="http://schemas.openxmlformats.org/presentationml/2006/main" xmlns:r="http://schemas.openxmlformats.org/officeDocument/2006/relationships" xmlns:p14="http://schemas.microsoft.com/office/powerpoint/2010/main" xmlns:p15="http://schemas.microsoft.com/office/powerpoint/2012/main" xmlns:mc="http://schemas.openxmlformats.org/markup-compatibility/2006">
+  <p:cSld>
+    <p:spTree>
+      <p:nvGrpSpPr>
+        <p:cNvPr id="1" name=""/>
+        <p:cNvGrpSpPr/>
+        <p:nvPr/>
+      </p:nvGrpSpPr>
+      <p:grpSpPr>
+        <a:xfrm>
+          <a:off x="0" y="0"/>
+          <a:ext cx="0" cy="0"/>
+          <a:chOff x="0" y="0"/>
+          <a:chExt cx="0" cy="0"/>
+        </a:xfrm>
+      </p:grpSpPr>
+      <p:sp>
+        <p:nvSpPr>
+          <p:cNvPr id="53" name="PlaceHolder 1"/>
+          <p:cNvSpPr>
+            <a:spLocks noGrp="1"/>
+          </p:cNvSpPr>
+          <p:nvPr>
+            <p:ph type="sldImg"/>
+          </p:nvPr>
+        </p:nvSpPr>
+        <p:spPr>
+          <a:xfrm>
+            <a:off x="216360" y="812520"/>
+            <a:ext cx="7126920" cy="4008960"/>
+          </a:xfrm>
+          <a:prstGeom prst="rect">
+            <a:avLst/>
+          </a:prstGeom>
+          <a:ln w="0">
+            <a:noFill/>
+          </a:ln>
+        </p:spPr>
+      </p:sp>
+      <p:sp>
+        <p:nvSpPr>
+          <p:cNvPr id="54" name="PlaceHolder 2"/>
+          <p:cNvSpPr>
+            <a:spLocks noGrp="1"/>
+          </p:cNvSpPr>
+          <p:nvPr>
+            <p:ph type="body"/>
+          </p:nvPr>
+        </p:nvSpPr>
+        <p:spPr>
+          <a:xfrm>
+            <a:off x="756000" y="5078520"/>
+            <a:ext cx="6047640" cy="4811040"/>
+          </a:xfrm>
+          <a:prstGeom prst="rect">
+            <a:avLst/>
+          </a:prstGeom>
+          <a:noFill/>
+          <a:ln w="0">
+            <a:noFill/>
+          </a:ln>
+        </p:spPr>
+        <p:txBody>
+          <a:bodyPr lIns="0" rIns="0" tIns="0" bIns="0" anchor="t">
+            <a:noAutofit/>
+          </a:bodyPr>
+          <a:p>
+            <a:pPr indent="0">
+              <a:spcBef>
+                <a:spcPts val="1191"/>
+              </a:spcBef>
+              <a:spcAft>
+                <a:spcPts val="992"/>
+              </a:spcAft>
+              <a:buNone/>
+            </a:pPr>
+            <a:r>
+              <a:rPr b="0" lang="en-US" sz="1000" strike="noStrike" u="none">
+                <a:solidFill>
+                  <a:srgbClr val="000000"/>
+                </a:solidFill>
+                <a:effectLst/>
+                <a:uFillTx/>
+                <a:latin typeface="Arial"/>
+              </a:rPr>
+              <a:t>Vítejte u dnešní prezentace. Na úvod si musíme ujasnit, co to náhoda vlastně je. Ve filozofii a fyzice se dohadujeme, zda je vesmír skutečně náhodný, nebo zda jen věcem nerozumíme. V informatice je to ale praktické: počítač je stroj, který jen vykonává instrukce. Aby vytvořil náhodu, musí ji buď 'opsat' z vnějšího světa pomocí hardwarového šumu, čemuž říkáme TRNG, nebo ji musí nasimulovat pomocí vzorců – to je tzv. pseudonáhodnost.</a:t>
+            </a:r>
+            <a:endParaRPr b="0" lang="en-US" sz="1000" strike="noStrike" u="none">
+              <a:solidFill>
+                <a:srgbClr val="000000"/>
+              </a:solidFill>
+              <a:effectLst/>
+              <a:uFillTx/>
+              <a:latin typeface="Arial"/>
+            </a:endParaRPr>
+          </a:p>
+        </p:txBody>
+      </p:sp>
+    </p:spTree>
+  </p:cSld>
+</p:notes>
+</file>
+
 <file path=ppt/slideLayouts/slideLayout1.xml><?xml version="1.0" encoding="utf-8"?>
-<p:sldLayout xmlns:a="http://schemas.openxmlformats.org/drawingml/2006/main" xmlns:p="http://schemas.openxmlformats.org/presentationml/2006/main" xmlns:r="http://schemas.openxmlformats.org/officeDocument/2006/relationships" xmlns:p14="http://schemas.microsoft.com/office/powerpoint/2010/main" xmlns:p15="http://schemas.microsoft.com/office/powerpoint/2012/main" xmlns:mc="http://schemas.openxmlformats.org/markup-compatibility/2006" type="tx" preserve="1">
+<p:sldLayout xmlns:a="http://schemas.openxmlformats.org/drawingml/2006/main" xmlns:p="http://schemas.openxmlformats.org/presentationml/2006/main" xmlns:r="http://schemas.openxmlformats.org/officeDocument/2006/relationships" xmlns:p14="http://schemas.microsoft.com/office/powerpoint/2010/main" xmlns:p15="http://schemas.microsoft.com/office/powerpoint/2012/main" xmlns:mc="http://schemas.openxmlformats.org/markup-compatibility/2006" type="mediaAndTx" preserve="1">
   <p:cSld name="Default">
     <p:spTree>
       <p:nvGrpSpPr>
@@ -54,7 +742,7 @@
         <p:spPr>
           <a:xfrm>
             <a:off x="504000" y="561600"/>
-            <a:ext cx="9071280" cy="274680"/>
+            <a:ext cx="9070920" cy="274680"/>
           </a:xfrm>
           <a:prstGeom prst="rect">
             <a:avLst/>
@@ -70,7 +758,13 @@
           </a:bodyPr>
           <a:p>
             <a:pPr indent="0">
+              <a:lnSpc>
+                <a:spcPct val="100000"/>
+              </a:lnSpc>
               <a:buNone/>
+              <a:tabLst>
+                <a:tab algn="l" pos="0"/>
+              </a:tabLst>
             </a:pPr>
             <a:r>
               <a:rPr b="0" lang="en-US" sz="1800" strike="noStrike" u="none">
@@ -107,7 +801,7 @@
         <p:spPr>
           <a:xfrm>
             <a:off x="504000" y="1326600"/>
-            <a:ext cx="9071280" cy="3287880"/>
+            <a:ext cx="9070920" cy="3287520"/>
           </a:xfrm>
           <a:prstGeom prst="rect">
             <a:avLst/>
@@ -123,6 +817,9 @@
           </a:bodyPr>
           <a:p>
             <a:pPr marL="432000" indent="-324000">
+              <a:lnSpc>
+                <a:spcPct val="100000"/>
+              </a:lnSpc>
               <a:spcBef>
                 <a:spcPts val="1417"/>
               </a:spcBef>
@@ -155,6 +852,9 @@
           </a:p>
           <a:p>
             <a:pPr lvl="1" marL="864000" indent="-324000">
+              <a:lnSpc>
+                <a:spcPct val="100000"/>
+              </a:lnSpc>
               <a:spcBef>
                 <a:spcPts val="1134"/>
               </a:spcBef>
@@ -187,6 +887,9 @@
           </a:p>
           <a:p>
             <a:pPr lvl="2" marL="1296000" indent="-288000">
+              <a:lnSpc>
+                <a:spcPct val="100000"/>
+              </a:lnSpc>
               <a:spcBef>
                 <a:spcPts val="850"/>
               </a:spcBef>
@@ -219,6 +922,9 @@
           </a:p>
           <a:p>
             <a:pPr lvl="3" marL="1728000" indent="-216000">
+              <a:lnSpc>
+                <a:spcPct val="100000"/>
+              </a:lnSpc>
               <a:spcBef>
                 <a:spcPts val="567"/>
               </a:spcBef>
@@ -251,6 +957,9 @@
           </a:p>
           <a:p>
             <a:pPr lvl="4" marL="2160000" indent="-216000">
+              <a:lnSpc>
+                <a:spcPct val="100000"/>
+              </a:lnSpc>
               <a:spcBef>
                 <a:spcPts val="283"/>
               </a:spcBef>
@@ -283,6 +992,9 @@
           </a:p>
           <a:p>
             <a:pPr lvl="5" marL="2592000" indent="-216000">
+              <a:lnSpc>
+                <a:spcPct val="100000"/>
+              </a:lnSpc>
               <a:spcBef>
                 <a:spcPts val="283"/>
               </a:spcBef>
@@ -315,6 +1027,9 @@
           </a:p>
           <a:p>
             <a:pPr lvl="6" marL="3024000" indent="-216000">
+              <a:lnSpc>
+                <a:spcPct val="100000"/>
+              </a:lnSpc>
               <a:spcBef>
                 <a:spcPts val="283"/>
               </a:spcBef>
@@ -360,7 +1075,7 @@
         <p:spPr>
           <a:xfrm>
             <a:off x="3447360" y="5165280"/>
-            <a:ext cx="3194640" cy="390240"/>
+            <a:ext cx="3194280" cy="389880"/>
           </a:xfrm>
           <a:prstGeom prst="rect">
             <a:avLst/>
@@ -438,7 +1153,7 @@
         <p:spPr>
           <a:xfrm>
             <a:off x="7227360" y="5165280"/>
-            <a:ext cx="2347920" cy="390240"/>
+            <a:ext cx="2347560" cy="389880"/>
           </a:xfrm>
           <a:prstGeom prst="rect">
             <a:avLst/>
@@ -481,7 +1196,7 @@
                 <a:tab algn="l" pos="0"/>
               </a:tabLst>
             </a:pPr>
-            <a:fld id="{2B2F7843-2FAF-4C46-812D-83A1B312F48F}" type="slidenum">
+            <a:fld id="{581F2817-16D1-4261-B0D8-AD87D995F36B}" type="slidenum">
               <a:rPr b="0" lang="en-US" sz="1400" strike="noStrike" u="none">
                 <a:solidFill>
                   <a:srgbClr val="000000"/>
@@ -516,7 +1231,7 @@
         <p:spPr>
           <a:xfrm>
             <a:off x="504000" y="5165280"/>
-            <a:ext cx="2347920" cy="390240"/>
+            <a:ext cx="2347560" cy="389880"/>
           </a:xfrm>
           <a:prstGeom prst="rect">
             <a:avLst/>
@@ -532,7 +1247,13 @@
           </a:bodyPr>
           <a:lstStyle>
             <a:lvl1pPr indent="0">
+              <a:lnSpc>
+                <a:spcPct val="100000"/>
+              </a:lnSpc>
               <a:buNone/>
+              <a:tabLst>
+                <a:tab algn="l" pos="0"/>
+              </a:tabLst>
               <a:defRPr b="0" lang="en-US" sz="1400" strike="noStrike" u="none">
                 <a:solidFill>
                   <a:srgbClr val="000000"/>
@@ -545,7 +1266,13 @@
           </a:lstStyle>
           <a:p>
             <a:pPr indent="0">
+              <a:lnSpc>
+                <a:spcPct val="100000"/>
+              </a:lnSpc>
               <a:buNone/>
+              <a:tabLst>
+                <a:tab algn="l" pos="0"/>
+              </a:tabLst>
             </a:pPr>
             <a:r>
               <a:rPr b="0" lang="en-US" sz="1400" strike="noStrike" u="none">
@@ -575,8 +1302,8 @@
 </file>
 
 <file path=ppt/slideLayouts/slideLayout2.xml><?xml version="1.0" encoding="utf-8"?>
-<p:sldLayout xmlns:a="http://schemas.openxmlformats.org/drawingml/2006/main" xmlns:p="http://schemas.openxmlformats.org/presentationml/2006/main" xmlns:r="http://schemas.openxmlformats.org/officeDocument/2006/relationships" xmlns:p14="http://schemas.microsoft.com/office/powerpoint/2010/main" xmlns:p15="http://schemas.microsoft.com/office/powerpoint/2012/main" xmlns:mc="http://schemas.openxmlformats.org/markup-compatibility/2006" type="title" preserve="1">
-  <p:cSld name="Default 1">
+<p:sldLayout xmlns:a="http://schemas.openxmlformats.org/drawingml/2006/main" xmlns:p="http://schemas.openxmlformats.org/presentationml/2006/main" xmlns:r="http://schemas.openxmlformats.org/officeDocument/2006/relationships" xmlns:p14="http://schemas.microsoft.com/office/powerpoint/2010/main" xmlns:p15="http://schemas.microsoft.com/office/powerpoint/2012/main" xmlns:mc="http://schemas.openxmlformats.org/markup-compatibility/2006" type="tx" preserve="1">
+  <p:cSld name="Default">
     <p:spTree>
       <p:nvGrpSpPr>
         <p:cNvPr id="1" name=""/>
@@ -604,7 +1331,7 @@
         <p:spPr>
           <a:xfrm>
             <a:off x="504000" y="561600"/>
-            <a:ext cx="9071280" cy="274680"/>
+            <a:ext cx="9070920" cy="274680"/>
           </a:xfrm>
           <a:prstGeom prst="rect">
             <a:avLst/>
@@ -620,7 +1347,13 @@
           </a:bodyPr>
           <a:p>
             <a:pPr indent="0">
+              <a:lnSpc>
+                <a:spcPct val="100000"/>
+              </a:lnSpc>
               <a:buNone/>
+              <a:tabLst>
+                <a:tab algn="l" pos="0"/>
+              </a:tabLst>
             </a:pPr>
             <a:r>
               <a:rPr b="0" lang="en-US" sz="1800" strike="noStrike" u="none">
@@ -647,6 +1380,280 @@
       <p:sp>
         <p:nvSpPr>
           <p:cNvPr id="8" name="PlaceHolder 2"/>
+          <p:cNvSpPr>
+            <a:spLocks noGrp="1"/>
+          </p:cNvSpPr>
+          <p:nvPr>
+            <p:ph type="body"/>
+          </p:nvPr>
+        </p:nvSpPr>
+        <p:spPr>
+          <a:xfrm>
+            <a:off x="504000" y="1326600"/>
+            <a:ext cx="9070920" cy="3287520"/>
+          </a:xfrm>
+          <a:prstGeom prst="rect">
+            <a:avLst/>
+          </a:prstGeom>
+          <a:noFill/>
+          <a:ln w="0">
+            <a:noFill/>
+          </a:ln>
+        </p:spPr>
+        <p:txBody>
+          <a:bodyPr lIns="0" rIns="0" tIns="0" bIns="0" anchor="t">
+            <a:normAutofit/>
+          </a:bodyPr>
+          <a:p>
+            <a:pPr marL="432000" indent="-324000">
+              <a:lnSpc>
+                <a:spcPct val="100000"/>
+              </a:lnSpc>
+              <a:spcBef>
+                <a:spcPts val="1417"/>
+              </a:spcBef>
+              <a:buClr>
+                <a:srgbClr val="000000"/>
+              </a:buClr>
+              <a:buSzPct val="45000"/>
+              <a:buFont typeface="Wingdings" charset="2"/>
+              <a:buChar char=""/>
+            </a:pPr>
+            <a:r>
+              <a:rPr b="0" lang="en-US" sz="1800" strike="noStrike" u="none">
+                <a:solidFill>
+                  <a:srgbClr val="000000"/>
+                </a:solidFill>
+                <a:effectLst/>
+                <a:uFillTx/>
+                <a:latin typeface="Arial"/>
+              </a:rPr>
+              <a:t>Click to edit the outline text format</a:t>
+            </a:r>
+            <a:endParaRPr b="0" lang="en-US" sz="1800" strike="noStrike" u="none">
+              <a:solidFill>
+                <a:srgbClr val="000000"/>
+              </a:solidFill>
+              <a:effectLst/>
+              <a:uFillTx/>
+              <a:latin typeface="Arial"/>
+            </a:endParaRPr>
+          </a:p>
+          <a:p>
+            <a:pPr lvl="1" marL="864000" indent="-324000">
+              <a:lnSpc>
+                <a:spcPct val="100000"/>
+              </a:lnSpc>
+              <a:spcBef>
+                <a:spcPts val="1134"/>
+              </a:spcBef>
+              <a:buClr>
+                <a:srgbClr val="000000"/>
+              </a:buClr>
+              <a:buSzPct val="75000"/>
+              <a:buFont typeface="Symbol" charset="2"/>
+              <a:buChar char=""/>
+            </a:pPr>
+            <a:r>
+              <a:rPr b="0" lang="en-US" sz="1800" strike="noStrike" u="none">
+                <a:solidFill>
+                  <a:srgbClr val="000000"/>
+                </a:solidFill>
+                <a:effectLst/>
+                <a:uFillTx/>
+                <a:latin typeface="Arial"/>
+              </a:rPr>
+              <a:t>Second Outline Level</a:t>
+            </a:r>
+            <a:endParaRPr b="0" lang="en-US" sz="1800" strike="noStrike" u="none">
+              <a:solidFill>
+                <a:srgbClr val="000000"/>
+              </a:solidFill>
+              <a:effectLst/>
+              <a:uFillTx/>
+              <a:latin typeface="Arial"/>
+            </a:endParaRPr>
+          </a:p>
+          <a:p>
+            <a:pPr lvl="2" marL="1296000" indent="-288000">
+              <a:lnSpc>
+                <a:spcPct val="100000"/>
+              </a:lnSpc>
+              <a:spcBef>
+                <a:spcPts val="850"/>
+              </a:spcBef>
+              <a:buClr>
+                <a:srgbClr val="000000"/>
+              </a:buClr>
+              <a:buSzPct val="45000"/>
+              <a:buFont typeface="Wingdings" charset="2"/>
+              <a:buChar char=""/>
+            </a:pPr>
+            <a:r>
+              <a:rPr b="0" lang="en-US" sz="1800" strike="noStrike" u="none">
+                <a:solidFill>
+                  <a:srgbClr val="000000"/>
+                </a:solidFill>
+                <a:effectLst/>
+                <a:uFillTx/>
+                <a:latin typeface="Arial"/>
+              </a:rPr>
+              <a:t>Third Outline Level</a:t>
+            </a:r>
+            <a:endParaRPr b="0" lang="en-US" sz="1800" strike="noStrike" u="none">
+              <a:solidFill>
+                <a:srgbClr val="000000"/>
+              </a:solidFill>
+              <a:effectLst/>
+              <a:uFillTx/>
+              <a:latin typeface="Arial"/>
+            </a:endParaRPr>
+          </a:p>
+          <a:p>
+            <a:pPr lvl="3" marL="1728000" indent="-216000">
+              <a:lnSpc>
+                <a:spcPct val="100000"/>
+              </a:lnSpc>
+              <a:spcBef>
+                <a:spcPts val="567"/>
+              </a:spcBef>
+              <a:buClr>
+                <a:srgbClr val="000000"/>
+              </a:buClr>
+              <a:buSzPct val="75000"/>
+              <a:buFont typeface="Symbol" charset="2"/>
+              <a:buChar char=""/>
+            </a:pPr>
+            <a:r>
+              <a:rPr b="0" lang="en-US" sz="1800" strike="noStrike" u="none">
+                <a:solidFill>
+                  <a:srgbClr val="000000"/>
+                </a:solidFill>
+                <a:effectLst/>
+                <a:uFillTx/>
+                <a:latin typeface="Arial"/>
+              </a:rPr>
+              <a:t>Fourth Outline Level</a:t>
+            </a:r>
+            <a:endParaRPr b="0" lang="en-US" sz="1800" strike="noStrike" u="none">
+              <a:solidFill>
+                <a:srgbClr val="000000"/>
+              </a:solidFill>
+              <a:effectLst/>
+              <a:uFillTx/>
+              <a:latin typeface="Arial"/>
+            </a:endParaRPr>
+          </a:p>
+          <a:p>
+            <a:pPr lvl="4" marL="2160000" indent="-216000">
+              <a:lnSpc>
+                <a:spcPct val="100000"/>
+              </a:lnSpc>
+              <a:spcBef>
+                <a:spcPts val="283"/>
+              </a:spcBef>
+              <a:buClr>
+                <a:srgbClr val="000000"/>
+              </a:buClr>
+              <a:buSzPct val="45000"/>
+              <a:buFont typeface="Wingdings" charset="2"/>
+              <a:buChar char=""/>
+            </a:pPr>
+            <a:r>
+              <a:rPr b="0" lang="en-US" sz="1800" strike="noStrike" u="none">
+                <a:solidFill>
+                  <a:srgbClr val="000000"/>
+                </a:solidFill>
+                <a:effectLst/>
+                <a:uFillTx/>
+                <a:latin typeface="Arial"/>
+              </a:rPr>
+              <a:t>Fifth Outline Level</a:t>
+            </a:r>
+            <a:endParaRPr b="0" lang="en-US" sz="1800" strike="noStrike" u="none">
+              <a:solidFill>
+                <a:srgbClr val="000000"/>
+              </a:solidFill>
+              <a:effectLst/>
+              <a:uFillTx/>
+              <a:latin typeface="Arial"/>
+            </a:endParaRPr>
+          </a:p>
+          <a:p>
+            <a:pPr lvl="5" marL="2592000" indent="-216000">
+              <a:lnSpc>
+                <a:spcPct val="100000"/>
+              </a:lnSpc>
+              <a:spcBef>
+                <a:spcPts val="283"/>
+              </a:spcBef>
+              <a:buClr>
+                <a:srgbClr val="000000"/>
+              </a:buClr>
+              <a:buSzPct val="45000"/>
+              <a:buFont typeface="Wingdings" charset="2"/>
+              <a:buChar char=""/>
+            </a:pPr>
+            <a:r>
+              <a:rPr b="0" lang="en-US" sz="1800" strike="noStrike" u="none">
+                <a:solidFill>
+                  <a:srgbClr val="000000"/>
+                </a:solidFill>
+                <a:effectLst/>
+                <a:uFillTx/>
+                <a:latin typeface="Arial"/>
+              </a:rPr>
+              <a:t>Sixth Outline Level</a:t>
+            </a:r>
+            <a:endParaRPr b="0" lang="en-US" sz="1800" strike="noStrike" u="none">
+              <a:solidFill>
+                <a:srgbClr val="000000"/>
+              </a:solidFill>
+              <a:effectLst/>
+              <a:uFillTx/>
+              <a:latin typeface="Arial"/>
+            </a:endParaRPr>
+          </a:p>
+          <a:p>
+            <a:pPr lvl="6" marL="3024000" indent="-216000">
+              <a:lnSpc>
+                <a:spcPct val="100000"/>
+              </a:lnSpc>
+              <a:spcBef>
+                <a:spcPts val="283"/>
+              </a:spcBef>
+              <a:buClr>
+                <a:srgbClr val="000000"/>
+              </a:buClr>
+              <a:buSzPct val="45000"/>
+              <a:buFont typeface="Wingdings" charset="2"/>
+              <a:buChar char=""/>
+            </a:pPr>
+            <a:r>
+              <a:rPr b="0" lang="en-US" sz="1800" strike="noStrike" u="none">
+                <a:solidFill>
+                  <a:srgbClr val="000000"/>
+                </a:solidFill>
+                <a:effectLst/>
+                <a:uFillTx/>
+                <a:latin typeface="Arial"/>
+              </a:rPr>
+              <a:t>Seventh Outline Level</a:t>
+            </a:r>
+            <a:endParaRPr b="0" lang="en-US" sz="1800" strike="noStrike" u="none">
+              <a:solidFill>
+                <a:srgbClr val="000000"/>
+              </a:solidFill>
+              <a:effectLst/>
+              <a:uFillTx/>
+              <a:latin typeface="Arial"/>
+            </a:endParaRPr>
+          </a:p>
+        </p:txBody>
+      </p:sp>
+      <p:sp>
+        <p:nvSpPr>
+          <p:cNvPr id="9" name="PlaceHolder 3"/>
           <p:cNvSpPr>
             <a:spLocks noGrp="1"/>
           </p:cNvSpPr>
@@ -657,7 +1664,7 @@
         <p:spPr>
           <a:xfrm>
             <a:off x="3447360" y="5165280"/>
-            <a:ext cx="3194640" cy="390240"/>
+            <a:ext cx="3194280" cy="389880"/>
           </a:xfrm>
           <a:prstGeom prst="rect">
             <a:avLst/>
@@ -724,7 +1731,7 @@
       </p:sp>
       <p:sp>
         <p:nvSpPr>
-          <p:cNvPr id="9" name="PlaceHolder 3"/>
+          <p:cNvPr id="10" name="PlaceHolder 4"/>
           <p:cNvSpPr>
             <a:spLocks noGrp="1"/>
           </p:cNvSpPr>
@@ -735,7 +1742,7 @@
         <p:spPr>
           <a:xfrm>
             <a:off x="7227360" y="5165280"/>
-            <a:ext cx="2347920" cy="390240"/>
+            <a:ext cx="2347560" cy="389880"/>
           </a:xfrm>
           <a:prstGeom prst="rect">
             <a:avLst/>
@@ -778,7 +1785,7 @@
                 <a:tab algn="l" pos="0"/>
               </a:tabLst>
             </a:pPr>
-            <a:fld id="{76F5B0C8-3208-43FB-A505-95D6A36C79BC}" type="slidenum">
+            <a:fld id="{26836A75-ABD3-4BBA-805B-BE0788C4D860}" type="slidenum">
               <a:rPr b="0" lang="en-US" sz="1400" strike="noStrike" u="none">
                 <a:solidFill>
                   <a:srgbClr val="000000"/>
@@ -802,7 +1809,7 @@
       </p:sp>
       <p:sp>
         <p:nvSpPr>
-          <p:cNvPr id="10" name="PlaceHolder 4"/>
+          <p:cNvPr id="11" name="PlaceHolder 5"/>
           <p:cNvSpPr>
             <a:spLocks noGrp="1"/>
           </p:cNvSpPr>
@@ -813,7 +1820,7 @@
         <p:spPr>
           <a:xfrm>
             <a:off x="504000" y="5165280"/>
-            <a:ext cx="2347920" cy="390240"/>
+            <a:ext cx="2347560" cy="389880"/>
           </a:xfrm>
           <a:prstGeom prst="rect">
             <a:avLst/>
@@ -829,7 +1836,13 @@
           </a:bodyPr>
           <a:lstStyle>
             <a:lvl1pPr indent="0">
+              <a:lnSpc>
+                <a:spcPct val="100000"/>
+              </a:lnSpc>
               <a:buNone/>
+              <a:tabLst>
+                <a:tab algn="l" pos="0"/>
+              </a:tabLst>
               <a:defRPr b="0" lang="en-US" sz="1400" strike="noStrike" u="none">
                 <a:solidFill>
                   <a:srgbClr val="000000"/>
@@ -842,7 +1855,13 @@
           </a:lstStyle>
           <a:p>
             <a:pPr indent="0">
+              <a:lnSpc>
+                <a:spcPct val="100000"/>
+              </a:lnSpc>
               <a:buNone/>
+              <a:tabLst>
+                <a:tab algn="l" pos="0"/>
+              </a:tabLst>
             </a:pPr>
             <a:r>
               <a:rPr b="0" lang="en-US" sz="1400" strike="noStrike" u="none">
@@ -862,13 +1881,328 @@
               <a:effectLst/>
               <a:uFillTx/>
               <a:latin typeface="Times New Roman"/>
+            </a:endParaRPr>
+          </a:p>
+        </p:txBody>
+      </p:sp>
+    </p:spTree>
+  </p:cSld>
+</p:sldLayout>
+</file>
+
+<file path=ppt/slideLayouts/slideLayout3.xml><?xml version="1.0" encoding="utf-8"?>
+<p:sldLayout xmlns:a="http://schemas.openxmlformats.org/drawingml/2006/main" xmlns:p="http://schemas.openxmlformats.org/presentationml/2006/main" xmlns:r="http://schemas.openxmlformats.org/officeDocument/2006/relationships" xmlns:p14="http://schemas.microsoft.com/office/powerpoint/2010/main" xmlns:p15="http://schemas.microsoft.com/office/powerpoint/2012/main" xmlns:mc="http://schemas.openxmlformats.org/markup-compatibility/2006" type="title" preserve="1">
+  <p:cSld name="Default 1">
+    <p:spTree>
+      <p:nvGrpSpPr>
+        <p:cNvPr id="1" name=""/>
+        <p:cNvGrpSpPr/>
+        <p:nvPr/>
+      </p:nvGrpSpPr>
+      <p:grpSpPr>
+        <a:xfrm>
+          <a:off x="0" y="0"/>
+          <a:ext cx="0" cy="0"/>
+          <a:chOff x="0" y="0"/>
+          <a:chExt cx="0" cy="0"/>
+        </a:xfrm>
+      </p:grpSpPr>
+      <p:sp>
+        <p:nvSpPr>
+          <p:cNvPr id="12" name="PlaceHolder 1"/>
+          <p:cNvSpPr>
+            <a:spLocks noGrp="1"/>
+          </p:cNvSpPr>
+          <p:nvPr>
+            <p:ph type="title"/>
+          </p:nvPr>
+        </p:nvSpPr>
+        <p:spPr>
+          <a:xfrm>
+            <a:off x="504000" y="561600"/>
+            <a:ext cx="9070920" cy="274680"/>
+          </a:xfrm>
+          <a:prstGeom prst="rect">
+            <a:avLst/>
+          </a:prstGeom>
+          <a:noFill/>
+          <a:ln w="0">
+            <a:noFill/>
+          </a:ln>
+        </p:spPr>
+        <p:txBody>
+          <a:bodyPr lIns="0" rIns="0" tIns="0" bIns="0" anchor="ctr">
+            <a:spAutoFit/>
+          </a:bodyPr>
+          <a:p>
+            <a:pPr indent="0">
+              <a:lnSpc>
+                <a:spcPct val="100000"/>
+              </a:lnSpc>
+              <a:buNone/>
+              <a:tabLst>
+                <a:tab algn="l" pos="0"/>
+              </a:tabLst>
+            </a:pPr>
+            <a:r>
+              <a:rPr b="0" lang="en-US" sz="1800" strike="noStrike" u="none">
+                <a:solidFill>
+                  <a:srgbClr val="000000"/>
+                </a:solidFill>
+                <a:effectLst/>
+                <a:uFillTx/>
+                <a:latin typeface="Arial"/>
+              </a:rPr>
+              <a:t>Click to edit the title text format</a:t>
+            </a:r>
+            <a:endParaRPr b="0" lang="en-US" sz="1800" strike="noStrike" u="none">
+              <a:solidFill>
+                <a:srgbClr val="000000"/>
+              </a:solidFill>
+              <a:effectLst/>
+              <a:uFillTx/>
+              <a:latin typeface="Arial"/>
             </a:endParaRPr>
           </a:p>
         </p:txBody>
       </p:sp>
       <p:sp>
         <p:nvSpPr>
-          <p:cNvPr id="11" name="PlaceHolder 5"/>
+          <p:cNvPr id="13" name="PlaceHolder 2"/>
+          <p:cNvSpPr>
+            <a:spLocks noGrp="1"/>
+          </p:cNvSpPr>
+          <p:nvPr>
+            <p:ph type="ftr" idx="7"/>
+          </p:nvPr>
+        </p:nvSpPr>
+        <p:spPr>
+          <a:xfrm>
+            <a:off x="3447360" y="5165280"/>
+            <a:ext cx="3194280" cy="389880"/>
+          </a:xfrm>
+          <a:prstGeom prst="rect">
+            <a:avLst/>
+          </a:prstGeom>
+          <a:noFill/>
+          <a:ln w="0">
+            <a:noFill/>
+          </a:ln>
+        </p:spPr>
+        <p:txBody>
+          <a:bodyPr lIns="0" rIns="0" tIns="0" bIns="0" anchor="t">
+            <a:noAutofit/>
+          </a:bodyPr>
+          <a:lstStyle>
+            <a:lvl1pPr indent="0" algn="ctr">
+              <a:lnSpc>
+                <a:spcPct val="100000"/>
+              </a:lnSpc>
+              <a:buNone/>
+              <a:tabLst>
+                <a:tab algn="l" pos="0"/>
+              </a:tabLst>
+              <a:defRPr b="0" lang="en-US" sz="1400" strike="noStrike" u="none">
+                <a:solidFill>
+                  <a:srgbClr val="000000"/>
+                </a:solidFill>
+                <a:effectLst/>
+                <a:uFillTx/>
+                <a:latin typeface="Times New Roman"/>
+              </a:defRPr>
+            </a:lvl1pPr>
+          </a:lstStyle>
+          <a:p>
+            <a:pPr indent="0" algn="ctr">
+              <a:lnSpc>
+                <a:spcPct val="100000"/>
+              </a:lnSpc>
+              <a:buNone/>
+              <a:tabLst>
+                <a:tab algn="l" pos="0"/>
+              </a:tabLst>
+            </a:pPr>
+            <a:r>
+              <a:rPr b="0" lang="en-US" sz="1400" strike="noStrike" u="none">
+                <a:solidFill>
+                  <a:srgbClr val="000000"/>
+                </a:solidFill>
+                <a:effectLst/>
+                <a:uFillTx/>
+                <a:latin typeface="Times New Roman"/>
+              </a:rPr>
+              <a:t>&lt;footer&gt;</a:t>
+            </a:r>
+            <a:endParaRPr b="0" lang="en-US" sz="1400" strike="noStrike" u="none">
+              <a:solidFill>
+                <a:srgbClr val="000000"/>
+              </a:solidFill>
+              <a:effectLst/>
+              <a:uFillTx/>
+              <a:latin typeface="Times New Roman"/>
+            </a:endParaRPr>
+          </a:p>
+        </p:txBody>
+      </p:sp>
+      <p:sp>
+        <p:nvSpPr>
+          <p:cNvPr id="14" name="PlaceHolder 3"/>
+          <p:cNvSpPr>
+            <a:spLocks noGrp="1"/>
+          </p:cNvSpPr>
+          <p:nvPr>
+            <p:ph type="sldNum" idx="8"/>
+          </p:nvPr>
+        </p:nvSpPr>
+        <p:spPr>
+          <a:xfrm>
+            <a:off x="7227360" y="5165280"/>
+            <a:ext cx="2347560" cy="389880"/>
+          </a:xfrm>
+          <a:prstGeom prst="rect">
+            <a:avLst/>
+          </a:prstGeom>
+          <a:noFill/>
+          <a:ln w="0">
+            <a:noFill/>
+          </a:ln>
+        </p:spPr>
+        <p:txBody>
+          <a:bodyPr lIns="0" rIns="0" tIns="0" bIns="0" anchor="t">
+            <a:noAutofit/>
+          </a:bodyPr>
+          <a:lstStyle>
+            <a:lvl1pPr indent="0" algn="r">
+              <a:lnSpc>
+                <a:spcPct val="100000"/>
+              </a:lnSpc>
+              <a:buNone/>
+              <a:tabLst>
+                <a:tab algn="l" pos="0"/>
+              </a:tabLst>
+              <a:defRPr b="0" lang="en-US" sz="1400" strike="noStrike" u="none">
+                <a:solidFill>
+                  <a:srgbClr val="000000"/>
+                </a:solidFill>
+                <a:effectLst/>
+                <a:uFillTx/>
+                <a:latin typeface="Times New Roman"/>
+              </a:defRPr>
+            </a:lvl1pPr>
+          </a:lstStyle>
+          <a:p>
+            <a:pPr indent="0" algn="r">
+              <a:lnSpc>
+                <a:spcPct val="100000"/>
+              </a:lnSpc>
+              <a:buNone/>
+              <a:tabLst>
+                <a:tab algn="l" pos="0"/>
+              </a:tabLst>
+            </a:pPr>
+            <a:fld id="{DD3744DF-DDD6-4597-9C76-B52DE693C678}" type="slidenum">
+              <a:rPr b="0" lang="en-US" sz="1400" strike="noStrike" u="none">
+                <a:solidFill>
+                  <a:srgbClr val="000000"/>
+                </a:solidFill>
+                <a:effectLst/>
+                <a:uFillTx/>
+                <a:latin typeface="Times New Roman"/>
+              </a:rPr>
+              <a:t>&lt;number&gt;</a:t>
+            </a:fld>
+            <a:endParaRPr b="0" lang="en-US" sz="1400" strike="noStrike" u="none">
+              <a:solidFill>
+                <a:srgbClr val="000000"/>
+              </a:solidFill>
+              <a:effectLst/>
+              <a:uFillTx/>
+              <a:latin typeface="Times New Roman"/>
+            </a:endParaRPr>
+          </a:p>
+        </p:txBody>
+      </p:sp>
+      <p:sp>
+        <p:nvSpPr>
+          <p:cNvPr id="15" name="PlaceHolder 4"/>
+          <p:cNvSpPr>
+            <a:spLocks noGrp="1"/>
+          </p:cNvSpPr>
+          <p:nvPr>
+            <p:ph type="dt" idx="9"/>
+          </p:nvPr>
+        </p:nvSpPr>
+        <p:spPr>
+          <a:xfrm>
+            <a:off x="504000" y="5165280"/>
+            <a:ext cx="2347560" cy="389880"/>
+          </a:xfrm>
+          <a:prstGeom prst="rect">
+            <a:avLst/>
+          </a:prstGeom>
+          <a:noFill/>
+          <a:ln w="0">
+            <a:noFill/>
+          </a:ln>
+        </p:spPr>
+        <p:txBody>
+          <a:bodyPr lIns="0" rIns="0" tIns="0" bIns="0" anchor="t">
+            <a:noAutofit/>
+          </a:bodyPr>
+          <a:lstStyle>
+            <a:lvl1pPr indent="0">
+              <a:lnSpc>
+                <a:spcPct val="100000"/>
+              </a:lnSpc>
+              <a:buNone/>
+              <a:tabLst>
+                <a:tab algn="l" pos="0"/>
+              </a:tabLst>
+              <a:defRPr b="0" lang="en-US" sz="1400" strike="noStrike" u="none">
+                <a:solidFill>
+                  <a:srgbClr val="000000"/>
+                </a:solidFill>
+                <a:effectLst/>
+                <a:uFillTx/>
+                <a:latin typeface="Times New Roman"/>
+              </a:defRPr>
+            </a:lvl1pPr>
+          </a:lstStyle>
+          <a:p>
+            <a:pPr indent="0">
+              <a:lnSpc>
+                <a:spcPct val="100000"/>
+              </a:lnSpc>
+              <a:buNone/>
+              <a:tabLst>
+                <a:tab algn="l" pos="0"/>
+              </a:tabLst>
+            </a:pPr>
+            <a:r>
+              <a:rPr b="0" lang="en-US" sz="1400" strike="noStrike" u="none">
+                <a:solidFill>
+                  <a:srgbClr val="000000"/>
+                </a:solidFill>
+                <a:effectLst/>
+                <a:uFillTx/>
+                <a:latin typeface="Times New Roman"/>
+              </a:rPr>
+              <a:t>&lt;date/time&gt;</a:t>
+            </a:r>
+            <a:endParaRPr b="0" lang="en-US" sz="1400" strike="noStrike" u="none">
+              <a:solidFill>
+                <a:srgbClr val="000000"/>
+              </a:solidFill>
+              <a:effectLst/>
+              <a:uFillTx/>
+              <a:latin typeface="Times New Roman"/>
+            </a:endParaRPr>
+          </a:p>
+        </p:txBody>
+      </p:sp>
+      <p:sp>
+        <p:nvSpPr>
+          <p:cNvPr id="16" name="PlaceHolder 5"/>
           <p:cNvSpPr>
             <a:spLocks noGrp="1"/>
           </p:cNvSpPr>
@@ -879,7 +2213,7 @@
         <p:spPr>
           <a:xfrm>
             <a:off x="504000" y="1326600"/>
-            <a:ext cx="9072000" cy="3288600"/>
+            <a:ext cx="9071640" cy="3288240"/>
           </a:xfrm>
           <a:prstGeom prst="rect">
             <a:avLst/>
@@ -895,6 +2229,9 @@
           </a:bodyPr>
           <a:p>
             <a:pPr marL="432000" indent="-324000">
+              <a:lnSpc>
+                <a:spcPct val="100000"/>
+              </a:lnSpc>
               <a:spcBef>
                 <a:spcPts val="1417"/>
               </a:spcBef>
@@ -927,6 +2264,9 @@
           </a:p>
           <a:p>
             <a:pPr lvl="1" marL="864000" indent="-324000">
+              <a:lnSpc>
+                <a:spcPct val="100000"/>
+              </a:lnSpc>
               <a:spcBef>
                 <a:spcPts val="1134"/>
               </a:spcBef>
@@ -959,6 +2299,9 @@
           </a:p>
           <a:p>
             <a:pPr lvl="2" marL="1296000" indent="-288000">
+              <a:lnSpc>
+                <a:spcPct val="100000"/>
+              </a:lnSpc>
               <a:spcBef>
                 <a:spcPts val="850"/>
               </a:spcBef>
@@ -991,6 +2334,9 @@
           </a:p>
           <a:p>
             <a:pPr lvl="3" marL="1728000" indent="-216000">
+              <a:lnSpc>
+                <a:spcPct val="100000"/>
+              </a:lnSpc>
               <a:spcBef>
                 <a:spcPts val="567"/>
               </a:spcBef>
@@ -1023,6 +2369,9 @@
           </a:p>
           <a:p>
             <a:pPr lvl="4" marL="2160000" indent="-216000">
+              <a:lnSpc>
+                <a:spcPct val="100000"/>
+              </a:lnSpc>
               <a:spcBef>
                 <a:spcPts val="283"/>
               </a:spcBef>
@@ -1055,6 +2404,9 @@
           </a:p>
           <a:p>
             <a:pPr lvl="5" marL="2592000" indent="-216000">
+              <a:lnSpc>
+                <a:spcPct val="100000"/>
+              </a:lnSpc>
               <a:spcBef>
                 <a:spcPts val="283"/>
               </a:spcBef>
@@ -1087,6 +2439,9 @@
           </a:p>
           <a:p>
             <a:pPr lvl="6" marL="3024000" indent="-216000">
+              <a:lnSpc>
+                <a:spcPct val="100000"/>
+              </a:lnSpc>
               <a:spcBef>
                 <a:spcPts val="283"/>
               </a:spcBef>
@@ -1147,6 +2502,7 @@
   <p:sldLayoutIdLst>
     <p:sldLayoutId id="2147483649" r:id="rId2"/>
     <p:sldLayoutId id="2147483650" r:id="rId3"/>
+    <p:sldLayoutId id="2147483651" r:id="rId4"/>
   </p:sldLayoutIdLst>
 </p:sldMaster>
 </file>
@@ -1170,7 +2526,7 @@
       </p:grpSpPr>
       <p:sp>
         <p:nvSpPr>
-          <p:cNvPr id="12" name="PlaceHolder 1"/>
+          <p:cNvPr id="23" name="PlaceHolder 1"/>
           <p:cNvSpPr>
             <a:spLocks noGrp="1"/>
           </p:cNvSpPr>
@@ -1180,8 +2536,8 @@
         </p:nvSpPr>
         <p:spPr>
           <a:xfrm>
-            <a:off x="504000" y="225720"/>
-            <a:ext cx="9071280" cy="946800"/>
+            <a:off x="504000" y="502560"/>
+            <a:ext cx="9070920" cy="1097640"/>
           </a:xfrm>
           <a:prstGeom prst="rect">
             <a:avLst/>
@@ -1200,36 +2556,42 @@
               <a:lnSpc>
                 <a:spcPct val="100000"/>
               </a:lnSpc>
+              <a:spcBef>
+                <a:spcPts val="1191"/>
+              </a:spcBef>
+              <a:spcAft>
+                <a:spcPts val="992"/>
+              </a:spcAft>
               <a:buNone/>
               <a:tabLst>
                 <a:tab algn="l" pos="0"/>
               </a:tabLst>
             </a:pPr>
             <a:r>
-              <a:rPr b="0" lang="en-US" sz="4400" strike="noStrike" u="none">
-                <a:solidFill>
-                  <a:srgbClr val="000000"/>
-                </a:solidFill>
-                <a:effectLst/>
-                <a:uFillTx/>
-                <a:latin typeface="Arial"/>
-              </a:rPr>
-              <a:t>Randomness</a:t>
-            </a:r>
-            <a:endParaRPr b="0" lang="en-US" sz="4400" strike="noStrike" u="none">
-              <a:solidFill>
-                <a:srgbClr val="000000"/>
-              </a:solidFill>
-              <a:effectLst/>
-              <a:uFillTx/>
-              <a:latin typeface="Arial"/>
+              <a:rPr b="0" lang="en-US" sz="3600" strike="noStrike" u="none">
+                <a:solidFill>
+                  <a:srgbClr val="000000"/>
+                </a:solidFill>
+                <a:effectLst/>
+                <a:uFillTx/>
+                <a:latin typeface="JetBrainsMono NF"/>
+              </a:rPr>
+              <a:t>Náhoda v informačních technologiích</a:t>
+            </a:r>
+            <a:endParaRPr b="0" lang="en-US" sz="3600" strike="noStrike" u="none">
+              <a:solidFill>
+                <a:srgbClr val="000000"/>
+              </a:solidFill>
+              <a:effectLst/>
+              <a:uFillTx/>
+              <a:latin typeface="JetBrainsMono NF"/>
             </a:endParaRPr>
           </a:p>
         </p:txBody>
       </p:sp>
       <p:sp>
         <p:nvSpPr>
-          <p:cNvPr id="13" name="PlaceHolder 2"/>
+          <p:cNvPr id="24" name="PlaceHolder 2"/>
           <p:cNvSpPr>
             <a:spLocks noGrp="1"/>
           </p:cNvSpPr>
@@ -1239,8 +2601,8 @@
         </p:nvSpPr>
         <p:spPr>
           <a:xfrm>
-            <a:off x="504000" y="1326240"/>
-            <a:ext cx="9071280" cy="3288600"/>
+            <a:off x="2143080" y="2243160"/>
+            <a:ext cx="5792400" cy="2100240"/>
           </a:xfrm>
           <a:prstGeom prst="rect">
             <a:avLst/>
@@ -1251,20 +2613,31 @@
           </a:ln>
         </p:spPr>
         <p:txBody>
-          <a:bodyPr lIns="0" rIns="0" tIns="0" bIns="0" anchor="ctr">
+          <a:bodyPr lIns="0" rIns="0" tIns="0" bIns="0" anchor="ctr" anchorCtr="1">
             <a:spAutoFit/>
           </a:bodyPr>
           <a:p>
             <a:pPr indent="0" algn="ctr">
               <a:buNone/>
             </a:pPr>
-            <a:endParaRPr b="0" lang="en-US" sz="1800" strike="noStrike" u="none">
-              <a:solidFill>
-                <a:srgbClr val="000000"/>
-              </a:solidFill>
-              <a:effectLst/>
-              <a:uFillTx/>
-              <a:latin typeface="Arial"/>
+            <a:r>
+              <a:rPr b="0" lang="en-US" sz="2400" strike="noStrike" u="none">
+                <a:solidFill>
+                  <a:srgbClr val="000000"/>
+                </a:solidFill>
+                <a:effectLst/>
+                <a:uFillTx/>
+                <a:latin typeface="Consolas"/>
+              </a:rPr>
+              <a:t>Jak může čistě deterministický stroj vytvořit něco “náhodného”</a:t>
+            </a:r>
+            <a:endParaRPr b="0" lang="en-US" sz="2400" strike="noStrike" u="none">
+              <a:solidFill>
+                <a:srgbClr val="000000"/>
+              </a:solidFill>
+              <a:effectLst/>
+              <a:uFillTx/>
+              <a:latin typeface="Consolas"/>
             </a:endParaRPr>
           </a:p>
         </p:txBody>
@@ -1301,7 +2674,7 @@
       </p:grpSpPr>
       <p:sp>
         <p:nvSpPr>
-          <p:cNvPr id="30" name="PlaceHolder 1"/>
+          <p:cNvPr id="41" name="PlaceHolder 1"/>
           <p:cNvSpPr>
             <a:spLocks noGrp="1"/>
           </p:cNvSpPr>
@@ -1311,8 +2684,8 @@
         </p:nvSpPr>
         <p:spPr>
           <a:xfrm>
-            <a:off x="504000" y="225720"/>
-            <a:ext cx="9071280" cy="946800"/>
+            <a:off x="504000" y="225360"/>
+            <a:ext cx="9070920" cy="947160"/>
           </a:xfrm>
           <a:prstGeom prst="rect">
             <a:avLst/>
@@ -1345,7 +2718,7 @@
                 <a:uFillTx/>
                 <a:latin typeface="Arial"/>
               </a:rPr>
-              <a:t>Videohry</a:t>
+              <a:t>Grafika</a:t>
             </a:r>
             <a:endParaRPr b="0" lang="en-US" sz="4400" strike="noStrike" u="none">
               <a:solidFill>
@@ -1360,7 +2733,7 @@
       </p:sp>
       <p:sp>
         <p:nvSpPr>
-          <p:cNvPr id="31" name="PlaceHolder 2"/>
+          <p:cNvPr id="42" name="PlaceHolder 2"/>
           <p:cNvSpPr>
             <a:spLocks noGrp="1"/>
           </p:cNvSpPr>
@@ -1371,7 +2744,7 @@
         <p:spPr>
           <a:xfrm>
             <a:off x="504000" y="1326600"/>
-            <a:ext cx="9071280" cy="3287880"/>
+            <a:ext cx="9070920" cy="3287520"/>
           </a:xfrm>
           <a:prstGeom prst="rect">
             <a:avLst/>
@@ -1386,13 +2759,73 @@
             <a:normAutofit/>
           </a:bodyPr>
           <a:p>
-            <a:pPr indent="0">
+            <a:pPr marL="432000" indent="-324000">
+              <a:lnSpc>
+                <a:spcPct val="100000"/>
+              </a:lnSpc>
               <a:spcBef>
-                <a:spcPts val="1417"/>
+                <a:spcPts val="1191"/>
               </a:spcBef>
-              <a:buNone/>
-            </a:pPr>
-            <a:endParaRPr b="0" lang="en-US" sz="1800" strike="noStrike" u="none">
+              <a:spcAft>
+                <a:spcPts val="992"/>
+              </a:spcAft>
+              <a:buClr>
+                <a:srgbClr val="000000"/>
+              </a:buClr>
+              <a:buSzPct val="45000"/>
+              <a:buFont typeface="Wingdings" charset="2"/>
+              <a:buChar char=""/>
+            </a:pPr>
+            <a:r>
+              <a:rPr b="0" lang="en-US" sz="3200" strike="noStrike" u="none">
+                <a:solidFill>
+                  <a:srgbClr val="000000"/>
+                </a:solidFill>
+                <a:effectLst/>
+                <a:uFillTx/>
+                <a:latin typeface="Arial"/>
+              </a:rPr>
+              <a:t>Výpočet složitých jevů náhodným vzorkováním</a:t>
+            </a:r>
+            <a:endParaRPr b="0" lang="en-US" sz="3200" strike="noStrike" u="none">
+              <a:solidFill>
+                <a:srgbClr val="000000"/>
+              </a:solidFill>
+              <a:effectLst/>
+              <a:uFillTx/>
+              <a:latin typeface="Arial"/>
+            </a:endParaRPr>
+          </a:p>
+          <a:p>
+            <a:pPr marL="432000" indent="-324000">
+              <a:lnSpc>
+                <a:spcPct val="100000"/>
+              </a:lnSpc>
+              <a:spcBef>
+                <a:spcPts val="1191"/>
+              </a:spcBef>
+              <a:spcAft>
+                <a:spcPts val="992"/>
+              </a:spcAft>
+              <a:buClr>
+                <a:srgbClr val="000000"/>
+              </a:buClr>
+              <a:buSzPct val="45000"/>
+              <a:buFont typeface="Wingdings" charset="2"/>
+              <a:buChar char=""/>
+            </a:pPr>
+            <a:r>
+              <a:rPr b="0" lang="en-US" sz="3200" strike="noStrike" u="none">
+                <a:solidFill>
+                  <a:srgbClr val="000000"/>
+                </a:solidFill>
+                <a:effectLst/>
+                <a:uFillTx/>
+                <a:latin typeface="Arial"/>
+              </a:rPr>
+              <a:t>Metoda Monte Carlo (optimalizace výpočtů)</a:t>
+            </a:r>
+            <a:endParaRPr b="0" lang="en-US" sz="3200" strike="noStrike" u="none">
               <a:solidFill>
                 <a:srgbClr val="000000"/>
               </a:solidFill>
@@ -1403,6 +2836,54 @@
           </a:p>
         </p:txBody>
       </p:sp>
+      <p:pic>
+        <p:nvPicPr>
+          <p:cNvPr id="43" name="" descr=""/>
+          <p:cNvPicPr/>
+          <p:nvPr/>
+        </p:nvPicPr>
+        <p:blipFill>
+          <a:blip r:embed="rId1"/>
+          <a:stretch/>
+        </p:blipFill>
+        <p:spPr>
+          <a:xfrm>
+            <a:off x="6629400" y="2819880"/>
+            <a:ext cx="2437920" cy="2437920"/>
+          </a:xfrm>
+          <a:prstGeom prst="rect">
+            <a:avLst/>
+          </a:prstGeom>
+          <a:noFill/>
+          <a:ln w="0">
+            <a:noFill/>
+          </a:ln>
+        </p:spPr>
+      </p:pic>
+      <p:pic>
+        <p:nvPicPr>
+          <p:cNvPr id="44" name="" descr=""/>
+          <p:cNvPicPr/>
+          <p:nvPr/>
+        </p:nvPicPr>
+        <p:blipFill>
+          <a:blip r:embed="rId2"/>
+          <a:stretch/>
+        </p:blipFill>
+        <p:spPr>
+          <a:xfrm>
+            <a:off x="1448280" y="2819880"/>
+            <a:ext cx="2437920" cy="2437920"/>
+          </a:xfrm>
+          <a:prstGeom prst="rect">
+            <a:avLst/>
+          </a:prstGeom>
+          <a:noFill/>
+          <a:ln w="0">
+            <a:noFill/>
+          </a:ln>
+        </p:spPr>
+      </p:pic>
     </p:spTree>
   </p:cSld>
   <mc:AlternateContent>
@@ -1435,7 +2916,7 @@
       </p:grpSpPr>
       <p:sp>
         <p:nvSpPr>
-          <p:cNvPr id="32" name="PlaceHolder 1"/>
+          <p:cNvPr id="45" name="PlaceHolder 1"/>
           <p:cNvSpPr>
             <a:spLocks noGrp="1"/>
           </p:cNvSpPr>
@@ -1445,8 +2926,8 @@
         </p:nvSpPr>
         <p:spPr>
           <a:xfrm>
-            <a:off x="504000" y="225720"/>
-            <a:ext cx="9071280" cy="946800"/>
+            <a:off x="504000" y="225360"/>
+            <a:ext cx="9070920" cy="947160"/>
           </a:xfrm>
           <a:prstGeom prst="rect">
             <a:avLst/>
@@ -1479,7 +2960,7 @@
                 <a:uFillTx/>
                 <a:latin typeface="Arial"/>
               </a:rPr>
-              <a:t>… a další</a:t>
+              <a:t>Videohry</a:t>
             </a:r>
             <a:endParaRPr b="0" lang="en-US" sz="4400" strike="noStrike" u="none">
               <a:solidFill>
@@ -1494,7 +2975,7 @@
       </p:sp>
       <p:sp>
         <p:nvSpPr>
-          <p:cNvPr id="33" name="PlaceHolder 2"/>
+          <p:cNvPr id="46" name="PlaceHolder 2"/>
           <p:cNvSpPr>
             <a:spLocks noGrp="1"/>
           </p:cNvSpPr>
@@ -1505,7 +2986,7 @@
         <p:spPr>
           <a:xfrm>
             <a:off x="504000" y="1326600"/>
-            <a:ext cx="9071280" cy="3287880"/>
+            <a:ext cx="9070920" cy="3287520"/>
           </a:xfrm>
           <a:prstGeom prst="rect">
             <a:avLst/>
@@ -1520,12 +3001,120 @@
             <a:normAutofit/>
           </a:bodyPr>
           <a:p>
-            <a:pPr indent="0">
-              <a:spcBef>
-                <a:spcPts val="1417"/>
-              </a:spcBef>
-              <a:buNone/>
-            </a:pPr>
+            <a:pPr indent="-324000">
+              <a:lnSpc>
+                <a:spcPct val="100000"/>
+              </a:lnSpc>
+              <a:buClr>
+                <a:srgbClr val="000000"/>
+              </a:buClr>
+              <a:buFont typeface="Symbol" charset="2"/>
+              <a:buChar char=""/>
+            </a:pPr>
+            <a:r>
+              <a:rPr b="0" lang="en-US" sz="1800" strike="noStrike" u="none">
+                <a:solidFill>
+                  <a:srgbClr val="000000"/>
+                </a:solidFill>
+                <a:effectLst/>
+                <a:uFillTx/>
+                <a:latin typeface="Arial"/>
+              </a:rPr>
+              <a:t>Procedurální generování</a:t>
+            </a:r>
+            <a:endParaRPr b="0" lang="en-US" sz="1800" strike="noStrike" u="none">
+              <a:solidFill>
+                <a:srgbClr val="000000"/>
+              </a:solidFill>
+              <a:effectLst/>
+              <a:uFillTx/>
+              <a:latin typeface="Arial"/>
+            </a:endParaRPr>
+          </a:p>
+          <a:p>
+            <a:pPr indent="-324000">
+              <a:lnSpc>
+                <a:spcPct val="100000"/>
+              </a:lnSpc>
+              <a:buClr>
+                <a:srgbClr val="000000"/>
+              </a:buClr>
+              <a:buFont typeface="Symbol" charset="2"/>
+              <a:buChar char=""/>
+            </a:pPr>
+            <a:r>
+              <a:rPr b="0" lang="en-US" sz="1800" strike="noStrike" u="none">
+                <a:solidFill>
+                  <a:srgbClr val="000000"/>
+                </a:solidFill>
+                <a:effectLst/>
+                <a:uFillTx/>
+                <a:latin typeface="Arial"/>
+              </a:rPr>
+              <a:t>Chování nepřátel</a:t>
+            </a:r>
+            <a:endParaRPr b="0" lang="en-US" sz="1800" strike="noStrike" u="none">
+              <a:solidFill>
+                <a:srgbClr val="000000"/>
+              </a:solidFill>
+              <a:effectLst/>
+              <a:uFillTx/>
+              <a:latin typeface="Arial"/>
+            </a:endParaRPr>
+          </a:p>
+          <a:p>
+            <a:pPr indent="-324000">
+              <a:lnSpc>
+                <a:spcPct val="100000"/>
+              </a:lnSpc>
+              <a:buClr>
+                <a:srgbClr val="000000"/>
+              </a:buClr>
+              <a:buFont typeface="Symbol" charset="2"/>
+              <a:buChar char=""/>
+            </a:pPr>
+            <a:r>
+              <a:rPr b="0" lang="en-US" sz="1800" strike="noStrike" u="none">
+                <a:solidFill>
+                  <a:srgbClr val="000000"/>
+                </a:solidFill>
+                <a:effectLst/>
+                <a:uFillTx/>
+                <a:latin typeface="Arial"/>
+              </a:rPr>
+              <a:t>RNG</a:t>
+            </a:r>
+            <a:endParaRPr b="0" lang="en-US" sz="1800" strike="noStrike" u="none">
+              <a:solidFill>
+                <a:srgbClr val="000000"/>
+              </a:solidFill>
+              <a:effectLst/>
+              <a:uFillTx/>
+              <a:latin typeface="Arial"/>
+            </a:endParaRPr>
+          </a:p>
+          <a:p>
+            <a:pPr indent="-324000">
+              <a:lnSpc>
+                <a:spcPct val="100000"/>
+              </a:lnSpc>
+              <a:buClr>
+                <a:srgbClr val="000000"/>
+              </a:buClr>
+              <a:buFont typeface="Symbol" charset="2"/>
+              <a:buChar char=""/>
+            </a:pPr>
+            <a:r>
+              <a:rPr b="0" lang="en-US" sz="1800" strike="noStrike" u="none">
+                <a:solidFill>
+                  <a:srgbClr val="000000"/>
+                </a:solidFill>
+                <a:effectLst/>
+                <a:uFillTx/>
+                <a:latin typeface="Arial"/>
+              </a:rPr>
+              <a:t>čistá náhoda není férová – přimíchání dynamiky pro vyrovnání férovosti</a:t>
+            </a:r>
             <a:endParaRPr b="0" lang="en-US" sz="1800" strike="noStrike" u="none">
               <a:solidFill>
                 <a:srgbClr val="000000"/>
@@ -1569,7 +3158,7 @@
       </p:grpSpPr>
       <p:sp>
         <p:nvSpPr>
-          <p:cNvPr id="34" name="PlaceHolder 1"/>
+          <p:cNvPr id="47" name="PlaceHolder 1"/>
           <p:cNvSpPr>
             <a:spLocks noGrp="1"/>
           </p:cNvSpPr>
@@ -1579,8 +3168,8 @@
         </p:nvSpPr>
         <p:spPr>
           <a:xfrm>
-            <a:off x="504000" y="225720"/>
-            <a:ext cx="9071280" cy="946800"/>
+            <a:off x="504000" y="225360"/>
+            <a:ext cx="9070920" cy="947160"/>
           </a:xfrm>
           <a:prstGeom prst="rect">
             <a:avLst/>
@@ -1613,7 +3202,7 @@
                 <a:uFillTx/>
                 <a:latin typeface="Arial"/>
               </a:rPr>
-              <a:t>Lidské vnímání náhodnosti</a:t>
+              <a:t>… a další</a:t>
             </a:r>
             <a:endParaRPr b="0" lang="en-US" sz="4400" strike="noStrike" u="none">
               <a:solidFill>
@@ -1628,7 +3217,7 @@
       </p:sp>
       <p:sp>
         <p:nvSpPr>
-          <p:cNvPr id="35" name="PlaceHolder 2"/>
+          <p:cNvPr id="48" name="PlaceHolder 2"/>
           <p:cNvSpPr>
             <a:spLocks noGrp="1"/>
           </p:cNvSpPr>
@@ -1639,7 +3228,7 @@
         <p:spPr>
           <a:xfrm>
             <a:off x="504000" y="1326600"/>
-            <a:ext cx="9071280" cy="3287880"/>
+            <a:ext cx="9070920" cy="3287520"/>
           </a:xfrm>
           <a:prstGeom prst="rect">
             <a:avLst/>
@@ -1658,6 +3247,12 @@
               <a:lnSpc>
                 <a:spcPct val="100000"/>
               </a:lnSpc>
+              <a:spcBef>
+                <a:spcPts val="1191"/>
+              </a:spcBef>
+              <a:spcAft>
+                <a:spcPts val="992"/>
+              </a:spcAft>
               <a:buClr>
                 <a:srgbClr val="000000"/>
               </a:buClr>
@@ -1673,7 +3268,118 @@
                 <a:uFillTx/>
                 <a:latin typeface="Arial"/>
               </a:rPr>
-              <a:t>Když udělám program využívající náhodnost, budou lidé mít skutečně pocit, že je nádhodný? (viz Spotify random shuffle)</a:t>
+              <a:t>A/B testování</a:t>
+            </a:r>
+            <a:endParaRPr b="0" lang="en-US" sz="1800" strike="noStrike" u="none">
+              <a:solidFill>
+                <a:srgbClr val="000000"/>
+              </a:solidFill>
+              <a:effectLst/>
+              <a:uFillTx/>
+              <a:latin typeface="Arial"/>
+            </a:endParaRPr>
+          </a:p>
+          <a:p>
+            <a:pPr indent="-324000">
+              <a:lnSpc>
+                <a:spcPct val="100000"/>
+              </a:lnSpc>
+              <a:spcBef>
+                <a:spcPts val="1191"/>
+              </a:spcBef>
+              <a:spcAft>
+                <a:spcPts val="992"/>
+              </a:spcAft>
+              <a:buClr>
+                <a:srgbClr val="000000"/>
+              </a:buClr>
+              <a:buFont typeface="Wingdings" charset="2"/>
+              <a:buChar char=""/>
+            </a:pPr>
+            <a:r>
+              <a:rPr b="0" lang="en-US" sz="1800" strike="noStrike" u="none">
+                <a:solidFill>
+                  <a:srgbClr val="000000"/>
+                </a:solidFill>
+                <a:effectLst/>
+                <a:uFillTx/>
+                <a:latin typeface="Arial"/>
+              </a:rPr>
+              <a:t>genetické algoritmy</a:t>
+            </a:r>
+            <a:endParaRPr b="0" lang="en-US" sz="1800" strike="noStrike" u="none">
+              <a:solidFill>
+                <a:srgbClr val="000000"/>
+              </a:solidFill>
+              <a:effectLst/>
+              <a:uFillTx/>
+              <a:latin typeface="Arial"/>
+            </a:endParaRPr>
+          </a:p>
+          <a:p>
+            <a:pPr indent="-324000">
+              <a:lnSpc>
+                <a:spcPct val="100000"/>
+              </a:lnSpc>
+              <a:spcBef>
+                <a:spcPts val="1191"/>
+              </a:spcBef>
+              <a:spcAft>
+                <a:spcPts val="992"/>
+              </a:spcAft>
+              <a:buClr>
+                <a:srgbClr val="000000"/>
+              </a:buClr>
+              <a:buFont typeface="Wingdings" charset="2"/>
+              <a:buChar char=""/>
+            </a:pPr>
+            <a:r>
+              <a:rPr b="0" lang="en-US" sz="1800" strike="noStrike" u="none">
+                <a:solidFill>
+                  <a:srgbClr val="000000"/>
+                </a:solidFill>
+                <a:effectLst/>
+                <a:uFillTx/>
+                <a:latin typeface="Arial"/>
+              </a:rPr>
+              <a:t>simulované žíhání</a:t>
+            </a:r>
+            <a:endParaRPr b="0" lang="en-US" sz="1800" strike="noStrike" u="none">
+              <a:solidFill>
+                <a:srgbClr val="000000"/>
+              </a:solidFill>
+              <a:effectLst/>
+              <a:uFillTx/>
+              <a:latin typeface="Arial"/>
+            </a:endParaRPr>
+          </a:p>
+          <a:p>
+            <a:pPr indent="-324000">
+              <a:lnSpc>
+                <a:spcPct val="100000"/>
+              </a:lnSpc>
+              <a:spcBef>
+                <a:spcPts val="1191"/>
+              </a:spcBef>
+              <a:spcAft>
+                <a:spcPts val="992"/>
+              </a:spcAft>
+              <a:buClr>
+                <a:srgbClr val="000000"/>
+              </a:buClr>
+              <a:buFont typeface="Wingdings" charset="2"/>
+              <a:buChar char=""/>
+            </a:pPr>
+            <a:r>
+              <a:rPr b="0" lang="en-US" sz="1800" strike="noStrike" u="none">
+                <a:solidFill>
+                  <a:srgbClr val="000000"/>
+                </a:solidFill>
+                <a:effectLst/>
+                <a:uFillTx/>
+                <a:latin typeface="Arial"/>
+              </a:rPr>
+              <a:t>Optimalizace algoritmů</a:t>
             </a:r>
             <a:endParaRPr b="0" lang="en-US" sz="1800" strike="noStrike" u="none">
               <a:solidFill>
@@ -1718,7 +3424,7 @@
       </p:grpSpPr>
       <p:sp>
         <p:nvSpPr>
-          <p:cNvPr id="36" name="PlaceHolder 1"/>
+          <p:cNvPr id="49" name="PlaceHolder 1"/>
           <p:cNvSpPr>
             <a:spLocks noGrp="1"/>
           </p:cNvSpPr>
@@ -1728,8 +3434,8 @@
         </p:nvSpPr>
         <p:spPr>
           <a:xfrm>
-            <a:off x="504000" y="386280"/>
-            <a:ext cx="9071280" cy="625320"/>
+            <a:off x="504000" y="225360"/>
+            <a:ext cx="9070920" cy="947160"/>
           </a:xfrm>
           <a:prstGeom prst="rect">
             <a:avLst/>
@@ -1745,7 +3451,13 @@
           </a:bodyPr>
           <a:p>
             <a:pPr indent="0" algn="ctr">
+              <a:lnSpc>
+                <a:spcPct val="100000"/>
+              </a:lnSpc>
               <a:buNone/>
+              <a:tabLst>
+                <a:tab algn="l" pos="0"/>
+              </a:tabLst>
             </a:pPr>
             <a:r>
               <a:rPr b="0" lang="en-US" sz="4400" strike="noStrike" u="none">
@@ -1756,7 +3468,7 @@
                 <a:uFillTx/>
                 <a:latin typeface="Arial"/>
               </a:rPr>
-              <a:t>Nějaký závěr</a:t>
+              <a:t>Lidské vnímání náhodnosti</a:t>
             </a:r>
             <a:endParaRPr b="0" lang="en-US" sz="4400" strike="noStrike" u="none">
               <a:solidFill>
@@ -1771,7 +3483,7 @@
       </p:sp>
       <p:sp>
         <p:nvSpPr>
-          <p:cNvPr id="37" name="PlaceHolder 2"/>
+          <p:cNvPr id="50" name="PlaceHolder 2"/>
           <p:cNvSpPr>
             <a:spLocks noGrp="1"/>
           </p:cNvSpPr>
@@ -1782,7 +3494,7 @@
         <p:spPr>
           <a:xfrm>
             <a:off x="504000" y="1326600"/>
-            <a:ext cx="9071280" cy="3287880"/>
+            <a:ext cx="9070920" cy="3287520"/>
           </a:xfrm>
           <a:prstGeom prst="rect">
             <a:avLst/>
@@ -1798,9 +3510,247 @@
           </a:bodyPr>
           <a:p>
             <a:pPr marL="432000" indent="-324000">
+              <a:lnSpc>
+                <a:spcPct val="100000"/>
+              </a:lnSpc>
               <a:spcBef>
-                <a:spcPts val="1417"/>
+                <a:spcPts val="1191"/>
               </a:spcBef>
+              <a:spcAft>
+                <a:spcPts val="992"/>
+              </a:spcAft>
+              <a:buClr>
+                <a:srgbClr val="000000"/>
+              </a:buClr>
+              <a:buFont typeface="Symbol" charset="2"/>
+              <a:buChar char=""/>
+            </a:pPr>
+            <a:r>
+              <a:rPr b="0" lang="en-US" sz="1800" strike="noStrike" u="none">
+                <a:solidFill>
+                  <a:srgbClr val="000000"/>
+                </a:solidFill>
+                <a:effectLst/>
+                <a:uFillTx/>
+                <a:latin typeface="Arial"/>
+              </a:rPr>
+              <a:t>Lidé přirozeně vidí vzorce v chaosu (Gambler's Fallacy)</a:t>
+            </a:r>
+            <a:endParaRPr b="0" lang="en-US" sz="1800" strike="noStrike" u="none">
+              <a:solidFill>
+                <a:srgbClr val="000000"/>
+              </a:solidFill>
+              <a:effectLst/>
+              <a:uFillTx/>
+              <a:latin typeface="Arial"/>
+            </a:endParaRPr>
+          </a:p>
+          <a:p>
+            <a:pPr marL="432000" indent="-324000">
+              <a:lnSpc>
+                <a:spcPct val="100000"/>
+              </a:lnSpc>
+              <a:spcBef>
+                <a:spcPts val="1191"/>
+              </a:spcBef>
+              <a:spcAft>
+                <a:spcPts val="992"/>
+              </a:spcAft>
+              <a:buClr>
+                <a:srgbClr val="000000"/>
+              </a:buClr>
+              <a:buFont typeface="Symbol" charset="2"/>
+              <a:buChar char=""/>
+            </a:pPr>
+            <a:r>
+              <a:rPr b="0" lang="en-US" sz="1800" strike="noStrike" u="none">
+                <a:solidFill>
+                  <a:srgbClr val="000000"/>
+                </a:solidFill>
+                <a:effectLst/>
+                <a:uFillTx/>
+                <a:latin typeface="Arial"/>
+              </a:rPr>
+              <a:t>Spotify Shuffle: Proč 'skutečná' náhoda zní lidem chybně?</a:t>
+            </a:r>
+            <a:endParaRPr b="0" lang="en-US" sz="1800" strike="noStrike" u="none">
+              <a:solidFill>
+                <a:srgbClr val="000000"/>
+              </a:solidFill>
+              <a:effectLst/>
+              <a:uFillTx/>
+              <a:latin typeface="Arial"/>
+            </a:endParaRPr>
+          </a:p>
+          <a:p>
+            <a:pPr marL="432000" indent="-324000">
+              <a:lnSpc>
+                <a:spcPct val="100000"/>
+              </a:lnSpc>
+              <a:spcBef>
+                <a:spcPts val="1191"/>
+              </a:spcBef>
+              <a:spcAft>
+                <a:spcPts val="992"/>
+              </a:spcAft>
+              <a:buClr>
+                <a:srgbClr val="000000"/>
+              </a:buClr>
+              <a:buFont typeface="Symbol" charset="2"/>
+              <a:buChar char=""/>
+            </a:pPr>
+            <a:r>
+              <a:rPr b="0" lang="en-US" sz="1800" strike="noStrike" u="none">
+                <a:solidFill>
+                  <a:srgbClr val="000000"/>
+                </a:solidFill>
+                <a:effectLst/>
+                <a:uFillTx/>
+                <a:latin typeface="Arial"/>
+              </a:rPr>
+              <a:t>Algoritmy se upravují, aby vypadaly 'víc náhodně' tím, že náhodu omezí.</a:t>
+            </a:r>
+            <a:endParaRPr b="0" lang="en-US" sz="1800" strike="noStrike" u="none">
+              <a:solidFill>
+                <a:srgbClr val="000000"/>
+              </a:solidFill>
+              <a:effectLst/>
+              <a:uFillTx/>
+              <a:latin typeface="Arial"/>
+            </a:endParaRPr>
+          </a:p>
+        </p:txBody>
+      </p:sp>
+    </p:spTree>
+  </p:cSld>
+  <mc:AlternateContent>
+    <mc:Choice Requires="p14">
+      <p:transition spd="slow" p14:dur="2000"/>
+    </mc:Choice>
+    <mc:Fallback>
+      <p:transition spd="slow"/>
+    </mc:Fallback>
+  </mc:AlternateContent>
+</p:sld>
+</file>
+
+<file path=ppt/slides/slide14.xml><?xml version="1.0" encoding="utf-8"?>
+<p:sld xmlns:a="http://schemas.openxmlformats.org/drawingml/2006/main" xmlns:p="http://schemas.openxmlformats.org/presentationml/2006/main" xmlns:r="http://schemas.openxmlformats.org/officeDocument/2006/relationships" xmlns:p14="http://schemas.microsoft.com/office/powerpoint/2010/main" xmlns:p15="http://schemas.microsoft.com/office/powerpoint/2012/main" xmlns:mc="http://schemas.openxmlformats.org/markup-compatibility/2006">
+  <p:cSld>
+    <p:spTree>
+      <p:nvGrpSpPr>
+        <p:cNvPr id="1" name=""/>
+        <p:cNvGrpSpPr/>
+        <p:nvPr/>
+      </p:nvGrpSpPr>
+      <p:grpSpPr>
+        <a:xfrm>
+          <a:off x="0" y="0"/>
+          <a:ext cx="0" cy="0"/>
+          <a:chOff x="0" y="0"/>
+          <a:chExt cx="0" cy="0"/>
+        </a:xfrm>
+      </p:grpSpPr>
+      <p:sp>
+        <p:nvSpPr>
+          <p:cNvPr id="51" name="PlaceHolder 1"/>
+          <p:cNvSpPr>
+            <a:spLocks noGrp="1"/>
+          </p:cNvSpPr>
+          <p:nvPr>
+            <p:ph type="title"/>
+          </p:nvPr>
+        </p:nvSpPr>
+        <p:spPr>
+          <a:xfrm>
+            <a:off x="504000" y="363600"/>
+            <a:ext cx="9070920" cy="670680"/>
+          </a:xfrm>
+          <a:prstGeom prst="rect">
+            <a:avLst/>
+          </a:prstGeom>
+          <a:noFill/>
+          <a:ln w="0">
+            <a:noFill/>
+          </a:ln>
+        </p:spPr>
+        <p:txBody>
+          <a:bodyPr lIns="0" rIns="0" tIns="0" bIns="0" anchor="ctr">
+            <a:spAutoFit/>
+          </a:bodyPr>
+          <a:p>
+            <a:pPr indent="0" algn="ctr">
+              <a:lnSpc>
+                <a:spcPct val="100000"/>
+              </a:lnSpc>
+              <a:spcBef>
+                <a:spcPts val="1191"/>
+              </a:spcBef>
+              <a:spcAft>
+                <a:spcPts val="992"/>
+              </a:spcAft>
+              <a:buNone/>
+              <a:tabLst>
+                <a:tab algn="l" pos="0"/>
+              </a:tabLst>
+            </a:pPr>
+            <a:r>
+              <a:rPr b="0" lang="en-US" sz="4400" strike="noStrike" u="none">
+                <a:solidFill>
+                  <a:srgbClr val="000000"/>
+                </a:solidFill>
+                <a:effectLst/>
+                <a:uFillTx/>
+                <a:latin typeface="Arial"/>
+              </a:rPr>
+              <a:t>Paradox stroje</a:t>
+            </a:r>
+            <a:endParaRPr b="0" lang="en-US" sz="4400" strike="noStrike" u="none">
+              <a:solidFill>
+                <a:srgbClr val="000000"/>
+              </a:solidFill>
+              <a:effectLst/>
+              <a:uFillTx/>
+              <a:latin typeface="Arial"/>
+            </a:endParaRPr>
+          </a:p>
+        </p:txBody>
+      </p:sp>
+      <p:sp>
+        <p:nvSpPr>
+          <p:cNvPr id="52" name="PlaceHolder 2"/>
+          <p:cNvSpPr>
+            <a:spLocks noGrp="1"/>
+          </p:cNvSpPr>
+          <p:nvPr>
+            <p:ph/>
+          </p:nvPr>
+        </p:nvSpPr>
+        <p:spPr>
+          <a:xfrm>
+            <a:off x="504000" y="1326600"/>
+            <a:ext cx="9070920" cy="3287520"/>
+          </a:xfrm>
+          <a:prstGeom prst="rect">
+            <a:avLst/>
+          </a:prstGeom>
+          <a:noFill/>
+          <a:ln w="0">
+            <a:noFill/>
+          </a:ln>
+        </p:spPr>
+        <p:txBody>
+          <a:bodyPr lIns="0" rIns="0" tIns="0" bIns="0" anchor="t">
+            <a:normAutofit/>
+          </a:bodyPr>
+          <a:p>
+            <a:pPr marL="432000" indent="-324000">
+              <a:spcBef>
+                <a:spcPts val="1191"/>
+              </a:spcBef>
+              <a:spcAft>
+                <a:spcPts val="992"/>
+              </a:spcAft>
               <a:buClr>
                 <a:srgbClr val="000000"/>
               </a:buClr>
@@ -1809,17 +3759,87 @@
               <a:buChar char=""/>
             </a:pPr>
             <a:r>
-              <a:rPr b="0" lang="en-US" sz="3200" strike="noStrike" u="none">
-                <a:solidFill>
-                  <a:srgbClr val="000000"/>
-                </a:solidFill>
-                <a:effectLst/>
-                <a:uFillTx/>
-                <a:latin typeface="Arial"/>
-              </a:rPr>
-              <a:t>Thought experiment? Ale dobře vymyslet.</a:t>
-            </a:r>
-            <a:endParaRPr b="0" lang="en-US" sz="3200" strike="noStrike" u="none">
+              <a:rPr b="0" lang="en-US" sz="1800" strike="noStrike" u="none">
+                <a:solidFill>
+                  <a:srgbClr val="000000"/>
+                </a:solidFill>
+                <a:effectLst/>
+                <a:uFillTx/>
+                <a:latin typeface="Arial"/>
+              </a:rPr>
+              <a:t>Počítače náhodu nevlastní, ale skvěle ji imitují.</a:t>
+            </a:r>
+            <a:endParaRPr b="0" lang="en-US" sz="1800" strike="noStrike" u="none">
+              <a:solidFill>
+                <a:srgbClr val="000000"/>
+              </a:solidFill>
+              <a:effectLst/>
+              <a:uFillTx/>
+              <a:latin typeface="Arial"/>
+            </a:endParaRPr>
+          </a:p>
+          <a:p>
+            <a:pPr marL="432000" indent="-324000">
+              <a:spcBef>
+                <a:spcPts val="1191"/>
+              </a:spcBef>
+              <a:spcAft>
+                <a:spcPts val="992"/>
+              </a:spcAft>
+              <a:buClr>
+                <a:srgbClr val="000000"/>
+              </a:buClr>
+              <a:buSzPct val="45000"/>
+              <a:buFont typeface="Wingdings" charset="2"/>
+              <a:buChar char=""/>
+            </a:pPr>
+            <a:r>
+              <a:rPr b="0" lang="en-US" sz="1800" strike="noStrike" u="none">
+                <a:solidFill>
+                  <a:srgbClr val="000000"/>
+                </a:solidFill>
+                <a:effectLst/>
+                <a:uFillTx/>
+                <a:latin typeface="Arial"/>
+              </a:rPr>
+              <a:t>Budoucnost: Kvantové čipy jako zdroj absolutní náhody.</a:t>
+            </a:r>
+            <a:endParaRPr b="0" lang="en-US" sz="1800" strike="noStrike" u="none">
+              <a:solidFill>
+                <a:srgbClr val="000000"/>
+              </a:solidFill>
+              <a:effectLst/>
+              <a:uFillTx/>
+              <a:latin typeface="Arial"/>
+            </a:endParaRPr>
+          </a:p>
+          <a:p>
+            <a:pPr marL="432000" indent="-324000">
+              <a:spcBef>
+                <a:spcPts val="1191"/>
+              </a:spcBef>
+              <a:spcAft>
+                <a:spcPts val="992"/>
+              </a:spcAft>
+              <a:buClr>
+                <a:srgbClr val="000000"/>
+              </a:buClr>
+              <a:buSzPct val="45000"/>
+              <a:buFont typeface="Wingdings" charset="2"/>
+              <a:buChar char=""/>
+            </a:pPr>
+            <a:r>
+              <a:rPr b="0" lang="en-US" sz="1800" strike="noStrike" u="none">
+                <a:solidFill>
+                  <a:srgbClr val="000000"/>
+                </a:solidFill>
+                <a:effectLst/>
+                <a:uFillTx/>
+                <a:latin typeface="Arial"/>
+              </a:rPr>
+              <a:t>Náhoda není chybou ale spojením s realitou</a:t>
+            </a:r>
+            <a:endParaRPr b="0" lang="en-US" sz="1800" strike="noStrike" u="none">
               <a:solidFill>
                 <a:srgbClr val="000000"/>
               </a:solidFill>
@@ -1862,7 +3882,7 @@
       </p:grpSpPr>
       <p:sp>
         <p:nvSpPr>
-          <p:cNvPr id="14" name="PlaceHolder 1"/>
+          <p:cNvPr id="25" name="PlaceHolder 1"/>
           <p:cNvSpPr>
             <a:spLocks noGrp="1"/>
           </p:cNvSpPr>
@@ -1872,8 +3892,8 @@
         </p:nvSpPr>
         <p:spPr>
           <a:xfrm>
-            <a:off x="504000" y="225720"/>
-            <a:ext cx="9071280" cy="946800"/>
+            <a:off x="504000" y="225360"/>
+            <a:ext cx="9070920" cy="947160"/>
           </a:xfrm>
           <a:prstGeom prst="rect">
             <a:avLst/>
@@ -1921,7 +3941,7 @@
       </p:sp>
       <p:sp>
         <p:nvSpPr>
-          <p:cNvPr id="15" name="PlaceHolder 2"/>
+          <p:cNvPr id="26" name="PlaceHolder 2"/>
           <p:cNvSpPr>
             <a:spLocks noGrp="1"/>
           </p:cNvSpPr>
@@ -1932,7 +3952,7 @@
         <p:spPr>
           <a:xfrm>
             <a:off x="504000" y="1326600"/>
-            <a:ext cx="9071280" cy="3287880"/>
+            <a:ext cx="9070920" cy="3287520"/>
           </a:xfrm>
           <a:prstGeom prst="rect">
             <a:avLst/>
@@ -1947,7 +3967,7 @@
             <a:normAutofit/>
           </a:bodyPr>
           <a:p>
-            <a:pPr indent="0">
+            <a:pPr marL="216000" indent="-216000">
               <a:lnSpc>
                 <a:spcPct val="100000"/>
               </a:lnSpc>
@@ -1957,7 +3977,12 @@
               <a:spcAft>
                 <a:spcPts val="992"/>
               </a:spcAft>
-              <a:buNone/>
+              <a:buClr>
+                <a:srgbClr val="000000"/>
+              </a:buClr>
+              <a:buSzPct val="45000"/>
+              <a:buFont typeface="Wingdings" charset="2"/>
+              <a:buChar char=""/>
               <a:tabLst>
                 <a:tab algn="l" pos="0"/>
               </a:tabLst>
@@ -1971,7 +3996,165 @@
                 <a:uFillTx/>
                 <a:latin typeface="Arial"/>
               </a:rPr>
-              <a:t>Definice náhodnost - vlastnost jevů či dat, jejichž výsledek nebo příčinu nelze předem přesně určit, přestože mohou být teoreticky opakovatelné </a:t>
+              <a:t>Ontologická náhoda: skutečná nepředvídatelnost (kvantové jevy)</a:t>
+            </a:r>
+            <a:endParaRPr b="0" lang="en-US" sz="1000" strike="noStrike" u="none">
+              <a:solidFill>
+                <a:srgbClr val="000000"/>
+              </a:solidFill>
+              <a:effectLst/>
+              <a:uFillTx/>
+              <a:latin typeface="Arial"/>
+            </a:endParaRPr>
+          </a:p>
+          <a:p>
+            <a:pPr marL="216000" indent="-216000">
+              <a:lnSpc>
+                <a:spcPct val="100000"/>
+              </a:lnSpc>
+              <a:spcBef>
+                <a:spcPts val="1191"/>
+              </a:spcBef>
+              <a:spcAft>
+                <a:spcPts val="992"/>
+              </a:spcAft>
+              <a:buClr>
+                <a:srgbClr val="000000"/>
+              </a:buClr>
+              <a:buSzPct val="45000"/>
+              <a:buFont typeface="Wingdings" charset="2"/>
+              <a:buChar char=""/>
+              <a:tabLst>
+                <a:tab algn="l" pos="0"/>
+              </a:tabLst>
+            </a:pPr>
+            <a:r>
+              <a:rPr b="0" lang="en-US" sz="1000" strike="noStrike" u="none">
+                <a:solidFill>
+                  <a:srgbClr val="000000"/>
+                </a:solidFill>
+                <a:effectLst/>
+                <a:uFillTx/>
+                <a:latin typeface="Arial"/>
+              </a:rPr>
+              <a:t>Epistomická náhoda: protože o něčem nemáme dostatečné množství dat, říkáme že se jedná o náhodu (hod kostkou)</a:t>
+            </a:r>
+            <a:endParaRPr b="0" lang="en-US" sz="1000" strike="noStrike" u="none">
+              <a:solidFill>
+                <a:srgbClr val="000000"/>
+              </a:solidFill>
+              <a:effectLst/>
+              <a:uFillTx/>
+              <a:latin typeface="Arial"/>
+            </a:endParaRPr>
+          </a:p>
+          <a:p>
+            <a:pPr marL="216000" indent="-216000">
+              <a:lnSpc>
+                <a:spcPct val="100000"/>
+              </a:lnSpc>
+              <a:spcBef>
+                <a:spcPts val="1191"/>
+              </a:spcBef>
+              <a:spcAft>
+                <a:spcPts val="992"/>
+              </a:spcAft>
+              <a:buClr>
+                <a:srgbClr val="000000"/>
+              </a:buClr>
+              <a:buSzPct val="45000"/>
+              <a:buFont typeface="Wingdings" charset="2"/>
+              <a:buChar char=""/>
+              <a:tabLst>
+                <a:tab algn="l" pos="0"/>
+              </a:tabLst>
+            </a:pPr>
+            <a:r>
+              <a:rPr b="0" lang="en-US" sz="1000" strike="noStrike" u="none">
+                <a:solidFill>
+                  <a:srgbClr val="000000"/>
+                </a:solidFill>
+                <a:effectLst/>
+                <a:uFillTx/>
+                <a:latin typeface="Arial"/>
+              </a:rPr>
+              <a:t>V IT dělíme zdroje náhody na:</a:t>
+            </a:r>
+            <a:endParaRPr b="0" lang="en-US" sz="1000" strike="noStrike" u="none">
+              <a:solidFill>
+                <a:srgbClr val="000000"/>
+              </a:solidFill>
+              <a:effectLst/>
+              <a:uFillTx/>
+              <a:latin typeface="Arial"/>
+            </a:endParaRPr>
+          </a:p>
+          <a:p>
+            <a:pPr lvl="1" marL="432000" indent="-216000">
+              <a:lnSpc>
+                <a:spcPct val="100000"/>
+              </a:lnSpc>
+              <a:spcBef>
+                <a:spcPts val="1134"/>
+              </a:spcBef>
+              <a:buClr>
+                <a:srgbClr val="000000"/>
+              </a:buClr>
+              <a:buSzPct val="45000"/>
+              <a:buFont typeface="Wingdings" charset="2"/>
+              <a:buChar char=""/>
+              <a:tabLst>
+                <a:tab algn="l" pos="0"/>
+              </a:tabLst>
+            </a:pPr>
+            <a:r>
+              <a:rPr b="0" lang="en-US" sz="1000" strike="noStrike" u="none">
+                <a:solidFill>
+                  <a:srgbClr val="000000"/>
+                </a:solidFill>
+                <a:effectLst/>
+                <a:uFillTx/>
+                <a:latin typeface="Arial"/>
+              </a:rPr>
+              <a:t>TRNG (True Random Number Generator) – hardwarový šum.</a:t>
+            </a:r>
+            <a:endParaRPr b="0" lang="en-US" sz="1000" strike="noStrike" u="none">
+              <a:solidFill>
+                <a:srgbClr val="000000"/>
+              </a:solidFill>
+              <a:effectLst/>
+              <a:uFillTx/>
+              <a:latin typeface="Arial"/>
+            </a:endParaRPr>
+          </a:p>
+          <a:p>
+            <a:pPr lvl="1" marL="432000" indent="-216000">
+              <a:lnSpc>
+                <a:spcPct val="100000"/>
+              </a:lnSpc>
+              <a:spcBef>
+                <a:spcPts val="1134"/>
+              </a:spcBef>
+              <a:buClr>
+                <a:srgbClr val="000000"/>
+              </a:buClr>
+              <a:buSzPct val="45000"/>
+              <a:buFont typeface="Wingdings" charset="2"/>
+              <a:buChar char=""/>
+              <a:tabLst>
+                <a:tab algn="l" pos="0"/>
+              </a:tabLst>
+            </a:pPr>
+            <a:r>
+              <a:rPr b="0" lang="en-US" sz="1000" strike="noStrike" u="none">
+                <a:solidFill>
+                  <a:srgbClr val="000000"/>
+                </a:solidFill>
+                <a:effectLst/>
+                <a:uFillTx/>
+                <a:latin typeface="Arial"/>
+              </a:rPr>
+              <a:t>PRNG (Pseudo-Random Number Generator) – matematický výpočet</a:t>
             </a:r>
             <a:endParaRPr b="0" lang="en-US" sz="1000" strike="noStrike" u="none">
               <a:solidFill>
@@ -2016,7 +4199,7 @@
       </p:grpSpPr>
       <p:sp>
         <p:nvSpPr>
-          <p:cNvPr id="16" name="PlaceHolder 1"/>
+          <p:cNvPr id="27" name="PlaceHolder 1"/>
           <p:cNvSpPr>
             <a:spLocks noGrp="1"/>
           </p:cNvSpPr>
@@ -2026,8 +4209,8 @@
         </p:nvSpPr>
         <p:spPr>
           <a:xfrm>
-            <a:off x="504000" y="225720"/>
-            <a:ext cx="9071280" cy="946800"/>
+            <a:off x="504000" y="225360"/>
+            <a:ext cx="9070920" cy="947160"/>
           </a:xfrm>
           <a:prstGeom prst="rect">
             <a:avLst/>
@@ -2075,7 +4258,7 @@
       </p:sp>
       <p:sp>
         <p:nvSpPr>
-          <p:cNvPr id="17" name="PlaceHolder 2"/>
+          <p:cNvPr id="28" name="PlaceHolder 2"/>
           <p:cNvSpPr>
             <a:spLocks noGrp="1"/>
           </p:cNvSpPr>
@@ -2086,7 +4269,7 @@
         <p:spPr>
           <a:xfrm>
             <a:off x="504000" y="1326600"/>
-            <a:ext cx="9071280" cy="3287880"/>
+            <a:ext cx="9070920" cy="3287520"/>
           </a:xfrm>
           <a:prstGeom prst="rect">
             <a:avLst/>
@@ -2101,13 +4284,267 @@
             <a:normAutofit/>
           </a:bodyPr>
           <a:p>
+            <a:pPr indent="-324000">
+              <a:lnSpc>
+                <a:spcPct val="100000"/>
+              </a:lnSpc>
+              <a:buClr>
+                <a:srgbClr val="000000"/>
+              </a:buClr>
+              <a:buSzPct val="55000"/>
+              <a:buFont typeface="Symbol" charset="2"/>
+              <a:buChar char=""/>
+            </a:pPr>
+            <a:r>
+              <a:rPr b="0" lang="en-US" sz="2000" strike="noStrike" u="none">
+                <a:solidFill>
+                  <a:srgbClr val="000000"/>
+                </a:solidFill>
+                <a:effectLst/>
+                <a:uFillTx/>
+                <a:latin typeface="Arial"/>
+              </a:rPr>
+              <a:t>Hra na náhodu</a:t>
+            </a:r>
+            <a:endParaRPr b="0" lang="en-US" sz="2000" strike="noStrike" u="none">
+              <a:solidFill>
+                <a:srgbClr val="000000"/>
+              </a:solidFill>
+              <a:effectLst/>
+              <a:uFillTx/>
+              <a:latin typeface="Arial"/>
+            </a:endParaRPr>
+          </a:p>
+          <a:p>
+            <a:pPr indent="-324000">
+              <a:lnSpc>
+                <a:spcPct val="100000"/>
+              </a:lnSpc>
+              <a:buClr>
+                <a:srgbClr val="000000"/>
+              </a:buClr>
+              <a:buSzPct val="55000"/>
+              <a:buFont typeface="Symbol" charset="2"/>
+              <a:buChar char=""/>
+            </a:pPr>
+            <a:r>
+              <a:rPr b="0" lang="en-US" sz="2000" strike="noStrike" u="none">
+                <a:solidFill>
+                  <a:srgbClr val="000000"/>
+                </a:solidFill>
+                <a:effectLst/>
+                <a:uFillTx/>
+                <a:latin typeface="Arial"/>
+              </a:rPr>
+              <a:t>Vlastnosti pseudonáhodných generátorů (PRNG):</a:t>
+            </a:r>
+            <a:endParaRPr b="0" lang="en-US" sz="2000" strike="noStrike" u="none">
+              <a:solidFill>
+                <a:srgbClr val="000000"/>
+              </a:solidFill>
+              <a:effectLst/>
+              <a:uFillTx/>
+              <a:latin typeface="Arial"/>
+            </a:endParaRPr>
+          </a:p>
+          <a:p>
+            <a:pPr lvl="1" marL="864000" indent="-324000">
+              <a:lnSpc>
+                <a:spcPct val="100000"/>
+              </a:lnSpc>
+              <a:spcBef>
+                <a:spcPts val="1134"/>
+              </a:spcBef>
+              <a:buClr>
+                <a:srgbClr val="000000"/>
+              </a:buClr>
+              <a:buSzPct val="75000"/>
+              <a:buFont typeface="Symbol" charset="2"/>
+              <a:buChar char=""/>
+            </a:pPr>
+            <a:r>
+              <a:rPr b="1" lang="en-US" sz="2000" strike="noStrike" u="none">
+                <a:solidFill>
+                  <a:srgbClr val="000000"/>
+                </a:solidFill>
+                <a:effectLst/>
+                <a:uFillTx/>
+                <a:latin typeface="Arial"/>
+              </a:rPr>
+              <a:t>Determinismus</a:t>
+            </a:r>
+            <a:r>
+              <a:rPr b="0" lang="en-US" sz="2000" strike="noStrike" u="none">
+                <a:solidFill>
+                  <a:srgbClr val="000000"/>
+                </a:solidFill>
+                <a:effectLst/>
+                <a:uFillTx/>
+                <a:latin typeface="Arial"/>
+              </a:rPr>
+              <a:t>: pro stejný vstup dostaneme vždy stejný výstup</a:t>
+            </a:r>
+            <a:endParaRPr b="0" lang="en-US" sz="2000" strike="noStrike" u="none">
+              <a:solidFill>
+                <a:srgbClr val="000000"/>
+              </a:solidFill>
+              <a:effectLst/>
+              <a:uFillTx/>
+              <a:latin typeface="Arial"/>
+            </a:endParaRPr>
+          </a:p>
+          <a:p>
+            <a:pPr lvl="1" marL="864000" indent="-324000">
+              <a:lnSpc>
+                <a:spcPct val="100000"/>
+              </a:lnSpc>
+              <a:spcBef>
+                <a:spcPts val="1134"/>
+              </a:spcBef>
+              <a:buClr>
+                <a:srgbClr val="000000"/>
+              </a:buClr>
+              <a:buSzPct val="75000"/>
+              <a:buFont typeface="Symbol" charset="2"/>
+              <a:buChar char=""/>
+            </a:pPr>
+            <a:r>
+              <a:rPr b="1" lang="en-US" sz="2000" strike="noStrike" u="none">
+                <a:solidFill>
+                  <a:srgbClr val="000000"/>
+                </a:solidFill>
+                <a:effectLst/>
+                <a:uFillTx/>
+                <a:latin typeface="Arial"/>
+              </a:rPr>
+              <a:t>Periodicita</a:t>
+            </a:r>
+            <a:r>
+              <a:rPr b="0" lang="en-US" sz="2000" strike="noStrike" u="none">
+                <a:solidFill>
+                  <a:srgbClr val="000000"/>
+                </a:solidFill>
+                <a:effectLst/>
+                <a:uFillTx/>
+                <a:latin typeface="Arial"/>
+              </a:rPr>
+              <a:t>: řada generovaných čísel se opakuje</a:t>
+            </a:r>
+            <a:endParaRPr b="0" lang="en-US" sz="2000" strike="noStrike" u="none">
+              <a:solidFill>
+                <a:srgbClr val="000000"/>
+              </a:solidFill>
+              <a:effectLst/>
+              <a:uFillTx/>
+              <a:latin typeface="Arial"/>
+            </a:endParaRPr>
+          </a:p>
+          <a:p>
+            <a:pPr lvl="1" marL="864000" indent="-324000">
+              <a:lnSpc>
+                <a:spcPct val="100000"/>
+              </a:lnSpc>
+              <a:spcBef>
+                <a:spcPts val="1134"/>
+              </a:spcBef>
+              <a:buClr>
+                <a:srgbClr val="000000"/>
+              </a:buClr>
+              <a:buSzPct val="75000"/>
+              <a:buFont typeface="Symbol" charset="2"/>
+              <a:buChar char=""/>
+            </a:pPr>
+            <a:r>
+              <a:rPr b="1" lang="en-US" sz="2000" strike="noStrike" u="none">
+                <a:solidFill>
+                  <a:srgbClr val="000000"/>
+                </a:solidFill>
+                <a:effectLst/>
+                <a:uFillTx/>
+                <a:latin typeface="Arial"/>
+              </a:rPr>
+              <a:t>Efektivita</a:t>
+            </a:r>
+            <a:r>
+              <a:rPr b="0" lang="en-US" sz="2000" strike="noStrike" u="none">
+                <a:solidFill>
+                  <a:srgbClr val="000000"/>
+                </a:solidFill>
+                <a:effectLst/>
+                <a:uFillTx/>
+                <a:latin typeface="Arial"/>
+              </a:rPr>
+              <a:t>: rychlost výpočtu</a:t>
+            </a:r>
+            <a:endParaRPr b="0" lang="en-US" sz="2000" strike="noStrike" u="none">
+              <a:solidFill>
+                <a:srgbClr val="000000"/>
+              </a:solidFill>
+              <a:effectLst/>
+              <a:uFillTx/>
+              <a:latin typeface="Arial"/>
+            </a:endParaRPr>
+          </a:p>
+          <a:p>
             <a:pPr indent="0">
+              <a:lnSpc>
+                <a:spcPct val="100000"/>
+              </a:lnSpc>
               <a:spcBef>
                 <a:spcPts val="1417"/>
               </a:spcBef>
               <a:buNone/>
             </a:pPr>
-            <a:endParaRPr b="0" lang="en-US" sz="1800" strike="noStrike" u="none">
+            <a:r>
+              <a:rPr b="0" lang="en-US" sz="2000" strike="noStrike" u="none">
+                <a:solidFill>
+                  <a:srgbClr val="000000"/>
+                </a:solidFill>
+                <a:effectLst/>
+                <a:uFillTx/>
+                <a:latin typeface="Arial"/>
+              </a:rPr>
+              <a:t> </a:t>
+            </a:r>
+            <a:endParaRPr b="0" lang="en-US" sz="2000" strike="noStrike" u="none">
+              <a:solidFill>
+                <a:srgbClr val="000000"/>
+              </a:solidFill>
+              <a:effectLst/>
+              <a:uFillTx/>
+              <a:latin typeface="Arial"/>
+            </a:endParaRPr>
+          </a:p>
+          <a:p>
+            <a:pPr indent="-324000">
+              <a:lnSpc>
+                <a:spcPct val="100000"/>
+              </a:lnSpc>
+              <a:spcBef>
+                <a:spcPts val="1191"/>
+              </a:spcBef>
+              <a:spcAft>
+                <a:spcPts val="992"/>
+              </a:spcAft>
+              <a:buClr>
+                <a:srgbClr val="000000"/>
+              </a:buClr>
+              <a:buSzPct val="55000"/>
+              <a:buFont typeface="Symbol" charset="2"/>
+              <a:buChar char=""/>
+            </a:pPr>
+            <a:r>
+              <a:rPr b="0" lang="en-US" sz="2000" strike="noStrike" u="none">
+                <a:solidFill>
+                  <a:srgbClr val="000000"/>
+                </a:solidFill>
+                <a:effectLst/>
+                <a:uFillTx/>
+                <a:latin typeface="Arial"/>
+              </a:rPr>
+              <a:t>Náhoda je jen řada čísel, jejíž pravidlo neznáme</a:t>
+            </a:r>
+            <a:endParaRPr b="0" lang="en-US" sz="2000" strike="noStrike" u="none">
               <a:solidFill>
                 <a:srgbClr val="000000"/>
               </a:solidFill>
@@ -2150,7 +4587,7 @@
       </p:grpSpPr>
       <p:sp>
         <p:nvSpPr>
-          <p:cNvPr id="18" name="PlaceHolder 1"/>
+          <p:cNvPr id="29" name="PlaceHolder 1"/>
           <p:cNvSpPr>
             <a:spLocks noGrp="1"/>
           </p:cNvSpPr>
@@ -2160,8 +4597,8 @@
         </p:nvSpPr>
         <p:spPr>
           <a:xfrm>
-            <a:off x="504000" y="225720"/>
-            <a:ext cx="9071280" cy="946800"/>
+            <a:off x="504000" y="225360"/>
+            <a:ext cx="9070920" cy="947160"/>
           </a:xfrm>
           <a:prstGeom prst="rect">
             <a:avLst/>
@@ -2194,7 +4631,7 @@
                 <a:uFillTx/>
                 <a:latin typeface="Arial"/>
               </a:rPr>
-              <a:t>Historie</a:t>
+              <a:t>Pohled do historie</a:t>
             </a:r>
             <a:endParaRPr b="0" lang="en-US" sz="4400" strike="noStrike" u="none">
               <a:solidFill>
@@ -2209,7 +4646,7 @@
       </p:sp>
       <p:sp>
         <p:nvSpPr>
-          <p:cNvPr id="19" name="PlaceHolder 2"/>
+          <p:cNvPr id="30" name="PlaceHolder 2"/>
           <p:cNvSpPr>
             <a:spLocks noGrp="1"/>
           </p:cNvSpPr>
@@ -2220,7 +4657,7 @@
         <p:spPr>
           <a:xfrm>
             <a:off x="504000" y="1326600"/>
-            <a:ext cx="9071280" cy="3287880"/>
+            <a:ext cx="9070920" cy="3287520"/>
           </a:xfrm>
           <a:prstGeom prst="rect">
             <a:avLst/>
@@ -2235,13 +4672,115 @@
             <a:normAutofit/>
           </a:bodyPr>
           <a:p>
-            <a:pPr indent="0">
+            <a:pPr marL="432000" indent="-324000">
               <a:spcBef>
                 <a:spcPts val="1417"/>
               </a:spcBef>
-              <a:buNone/>
-            </a:pPr>
-            <a:endParaRPr b="0" lang="en-US" sz="1800" strike="noStrike" u="none">
+              <a:buClr>
+                <a:srgbClr val="000000"/>
+              </a:buClr>
+              <a:buSzPct val="45000"/>
+              <a:buFont typeface="Wingdings" charset="2"/>
+              <a:buChar char=""/>
+            </a:pPr>
+            <a:r>
+              <a:rPr b="0" lang="en-US" sz="3200" strike="noStrike" u="none">
+                <a:solidFill>
+                  <a:srgbClr val="000000"/>
+                </a:solidFill>
+                <a:effectLst/>
+                <a:uFillTx/>
+                <a:latin typeface="Arial"/>
+              </a:rPr>
+              <a:t>Před počítači: fyzické tabulky (kniha A million </a:t>
+            </a:r>
+            <a:r>
+              <a:rPr b="0" lang="en-US" sz="3200" strike="noStrike" u="none">
+                <a:solidFill>
+                  <a:srgbClr val="000000"/>
+                </a:solidFill>
+                <a:effectLst/>
+                <a:uFillTx/>
+                <a:latin typeface="Arial"/>
+              </a:rPr>
+              <a:t>Random Digits, 1955)</a:t>
+            </a:r>
+            <a:endParaRPr b="0" lang="en-US" sz="3200" strike="noStrike" u="none">
+              <a:solidFill>
+                <a:srgbClr val="000000"/>
+              </a:solidFill>
+              <a:effectLst/>
+              <a:uFillTx/>
+              <a:latin typeface="Arial"/>
+            </a:endParaRPr>
+          </a:p>
+          <a:p>
+            <a:pPr marL="432000" indent="-324000">
+              <a:spcBef>
+                <a:spcPts val="1417"/>
+              </a:spcBef>
+              <a:buClr>
+                <a:srgbClr val="000000"/>
+              </a:buClr>
+              <a:buSzPct val="45000"/>
+              <a:buFont typeface="Wingdings" charset="2"/>
+              <a:buChar char=""/>
+            </a:pPr>
+            <a:r>
+              <a:rPr b="0" lang="en-US" sz="3200" strike="noStrike" u="none">
+                <a:solidFill>
+                  <a:srgbClr val="000000"/>
+                </a:solidFill>
+                <a:effectLst/>
+                <a:uFillTx/>
+                <a:latin typeface="Arial"/>
+              </a:rPr>
+              <a:t>John Von Neumann: metoda prostředních </a:t>
+            </a:r>
+            <a:r>
+              <a:rPr b="0" lang="en-US" sz="3200" strike="noStrike" u="none">
+                <a:solidFill>
+                  <a:srgbClr val="000000"/>
+                </a:solidFill>
+                <a:effectLst/>
+                <a:uFillTx/>
+                <a:latin typeface="Arial"/>
+              </a:rPr>
+              <a:t>čtverců – první generování čísel algoritmem</a:t>
+            </a:r>
+            <a:endParaRPr b="0" lang="en-US" sz="3200" strike="noStrike" u="none">
+              <a:solidFill>
+                <a:srgbClr val="000000"/>
+              </a:solidFill>
+              <a:effectLst/>
+              <a:uFillTx/>
+              <a:latin typeface="Arial"/>
+            </a:endParaRPr>
+          </a:p>
+          <a:p>
+            <a:pPr marL="432000" indent="-324000">
+              <a:spcBef>
+                <a:spcPts val="1417"/>
+              </a:spcBef>
+              <a:buClr>
+                <a:srgbClr val="000000"/>
+              </a:buClr>
+              <a:buSzPct val="45000"/>
+              <a:buFont typeface="Wingdings" charset="2"/>
+              <a:buChar char=""/>
+            </a:pPr>
+            <a:r>
+              <a:rPr b="0" lang="en-US" sz="3200" strike="noStrike" u="none">
+                <a:solidFill>
+                  <a:srgbClr val="000000"/>
+                </a:solidFill>
+                <a:effectLst/>
+                <a:uFillTx/>
+                <a:latin typeface="Arial"/>
+              </a:rPr>
+              <a:t>Hlavní problém: krátká perioda</a:t>
+            </a:r>
+            <a:endParaRPr b="0" lang="en-US" sz="3200" strike="noStrike" u="none">
               <a:solidFill>
                 <a:srgbClr val="000000"/>
               </a:solidFill>
@@ -2284,7 +4823,7 @@
       </p:grpSpPr>
       <p:sp>
         <p:nvSpPr>
-          <p:cNvPr id="20" name="PlaceHolder 1"/>
+          <p:cNvPr id="31" name="PlaceHolder 1"/>
           <p:cNvSpPr>
             <a:spLocks noGrp="1"/>
           </p:cNvSpPr>
@@ -2294,8 +4833,8 @@
         </p:nvSpPr>
         <p:spPr>
           <a:xfrm>
-            <a:off x="504000" y="225720"/>
-            <a:ext cx="9071280" cy="946800"/>
+            <a:off x="504000" y="225360"/>
+            <a:ext cx="9070920" cy="947160"/>
           </a:xfrm>
           <a:prstGeom prst="rect">
             <a:avLst/>
@@ -2328,7 +4867,7 @@
                 <a:uFillTx/>
                 <a:latin typeface="Arial"/>
               </a:rPr>
-              <a:t>Princip náhodnosti v počítačích</a:t>
+              <a:t>Kongruentní generátor</a:t>
             </a:r>
             <a:endParaRPr b="0" lang="en-US" sz="4400" strike="noStrike" u="none">
               <a:solidFill>
@@ -2343,7 +4882,7 @@
       </p:sp>
       <p:sp>
         <p:nvSpPr>
-          <p:cNvPr id="21" name="PlaceHolder 2"/>
+          <p:cNvPr id="32" name="PlaceHolder 2"/>
           <p:cNvSpPr>
             <a:spLocks noGrp="1"/>
           </p:cNvSpPr>
@@ -2353,8 +4892,8 @@
         </p:nvSpPr>
         <p:spPr>
           <a:xfrm>
-            <a:off x="504000" y="1326600"/>
-            <a:ext cx="9071280" cy="3287880"/>
+            <a:off x="457200" y="1371600"/>
+            <a:ext cx="9070920" cy="3886200"/>
           </a:xfrm>
           <a:prstGeom prst="rect">
             <a:avLst/>
@@ -2366,7 +4905,7 @@
         </p:spPr>
         <p:txBody>
           <a:bodyPr lIns="0" rIns="0" tIns="0" bIns="0" anchor="t">
-            <a:normAutofit/>
+            <a:normAutofit lnSpcReduction="9999"/>
           </a:bodyPr>
           <a:p>
             <a:pPr marL="432000" indent="-324000">
@@ -2392,9 +4931,120 @@
                 <a:uFillTx/>
                 <a:latin typeface="Arial"/>
               </a:rPr>
+              <a:t>Základní způsob generování náhodných čísel</a:t>
+            </a:r>
+            <a:endParaRPr b="0" lang="en-US" sz="3200" strike="noStrike" u="none">
+              <a:solidFill>
+                <a:srgbClr val="000000"/>
+              </a:solidFill>
+              <a:effectLst/>
+              <a:uFillTx/>
+              <a:latin typeface="Arial"/>
+            </a:endParaRPr>
+          </a:p>
+          <a:p>
+            <a:pPr marL="432000" indent="-324000">
+              <a:lnSpc>
+                <a:spcPct val="100000"/>
+              </a:lnSpc>
+              <a:spcBef>
+                <a:spcPts val="1417"/>
+              </a:spcBef>
+              <a:buClr>
+                <a:srgbClr val="000000"/>
+              </a:buClr>
+              <a:buSzPct val="45000"/>
+              <a:buFont typeface="Wingdings" charset="2"/>
+              <a:buChar char=""/>
+            </a:pPr>
+            <a:r>
+              <a:rPr b="0" lang="en-US" sz="3200" strike="noStrike" u="none">
+                <a:solidFill>
+                  <a:srgbClr val="000000"/>
+                </a:solidFill>
+                <a:effectLst/>
+                <a:uFillTx/>
+                <a:latin typeface="Arial"/>
+              </a:rPr>
               <a:t>Velmi jednoduchá funkce generátoru náhodných čísel</a:t>
             </a:r>
             <a:endParaRPr b="0" lang="en-US" sz="3200" strike="noStrike" u="none">
+              <a:solidFill>
+                <a:srgbClr val="000000"/>
+              </a:solidFill>
+              <a:effectLst/>
+              <a:uFillTx/>
+              <a:latin typeface="Arial"/>
+            </a:endParaRPr>
+          </a:p>
+          <a:p>
+            <a:pPr marL="432000" indent="0">
+              <a:lnSpc>
+                <a:spcPct val="100000"/>
+              </a:lnSpc>
+              <a:spcBef>
+                <a:spcPts val="1191"/>
+              </a:spcBef>
+              <a:spcAft>
+                <a:spcPts val="992"/>
+              </a:spcAft>
+              <a:buNone/>
+            </a:pPr>
+            <a:endParaRPr b="0" lang="en-US" sz="3200" strike="noStrike" u="none">
+              <a:solidFill>
+                <a:srgbClr val="000000"/>
+              </a:solidFill>
+              <a:effectLst/>
+              <a:uFillTx/>
+              <a:latin typeface="Arial"/>
+            </a:endParaRPr>
+          </a:p>
+          <a:p>
+            <a:pPr marL="432000" indent="-324000">
+              <a:lnSpc>
+                <a:spcPct val="100000"/>
+              </a:lnSpc>
+              <a:spcBef>
+                <a:spcPts val="1191"/>
+              </a:spcBef>
+              <a:spcAft>
+                <a:spcPts val="992"/>
+              </a:spcAft>
+              <a:buClr>
+                <a:srgbClr val="000000"/>
+              </a:buClr>
+              <a:buSzPct val="45000"/>
+              <a:buFont typeface="Wingdings" charset="2"/>
+              <a:buChar char=""/>
+            </a:pPr>
+            <a:r>
+              <a:rPr b="0" lang="en-US" sz="3200" strike="noStrike" u="none">
+                <a:solidFill>
+                  <a:srgbClr val="000000"/>
+                </a:solidFill>
+                <a:effectLst/>
+                <a:uFillTx/>
+                <a:latin typeface="Arial"/>
+              </a:rPr>
+              <a:t>Vzorec: X_n+1​=(a*X_n​+c)(mod m) ←-- tohle prosím do latexu nebo ať to vypadá jako rovnice</a:t>
+            </a:r>
+            <a:endParaRPr b="0" lang="en-US" sz="3200" strike="noStrike" u="none">
+              <a:solidFill>
+                <a:srgbClr val="000000"/>
+              </a:solidFill>
+              <a:effectLst/>
+              <a:uFillTx/>
+              <a:latin typeface="Arial"/>
+            </a:endParaRPr>
+          </a:p>
+          <a:p>
+            <a:pPr indent="0">
+              <a:lnSpc>
+                <a:spcPct val="100000"/>
+              </a:lnSpc>
+              <a:buNone/>
+            </a:pPr>
+            <a:endParaRPr b="0" lang="en-US" sz="1600" strike="noStrike" u="none">
               <a:solidFill>
                 <a:srgbClr val="000000"/>
               </a:solidFill>
@@ -2437,18 +5087,18 @@
       </p:grpSpPr>
       <p:sp>
         <p:nvSpPr>
-          <p:cNvPr id="22" name="PlaceHolder 1"/>
+          <p:cNvPr id="33" name="PlaceHolder 1"/>
           <p:cNvSpPr>
             <a:spLocks noGrp="1"/>
           </p:cNvSpPr>
           <p:nvPr>
-            <p:ph type="title"/>
+            <p:ph type="subTitle"/>
           </p:nvPr>
         </p:nvSpPr>
         <p:spPr>
           <a:xfrm>
-            <a:off x="504000" y="225720"/>
-            <a:ext cx="9071280" cy="946800"/>
+            <a:off x="1143000" y="1560600"/>
+            <a:ext cx="8229600" cy="2414160"/>
           </a:xfrm>
           <a:prstGeom prst="rect">
             <a:avLst/>
@@ -2463,133 +5113,259 @@
             <a:spAutoFit/>
           </a:bodyPr>
           <a:p>
-            <a:pPr indent="0" algn="ctr">
-              <a:lnSpc>
-                <a:spcPct val="100000"/>
-              </a:lnSpc>
-              <a:buNone/>
-              <a:tabLst>
-                <a:tab algn="l" pos="0"/>
-              </a:tabLst>
-            </a:pPr>
-            <a:r>
-              <a:rPr b="0" lang="en-US" sz="4400" strike="noStrike" u="none">
-                <a:solidFill>
-                  <a:srgbClr val="000000"/>
-                </a:solidFill>
-                <a:effectLst/>
-                <a:uFillTx/>
-                <a:latin typeface="Arial"/>
-              </a:rPr>
-              <a:t>SEEDS</a:t>
-            </a:r>
-            <a:endParaRPr b="0" lang="en-US" sz="4400" strike="noStrike" u="none">
-              <a:solidFill>
-                <a:srgbClr val="000000"/>
-              </a:solidFill>
-              <a:effectLst/>
-              <a:uFillTx/>
-              <a:latin typeface="Arial"/>
-            </a:endParaRPr>
-          </a:p>
-        </p:txBody>
-      </p:sp>
-      <p:sp>
-        <p:nvSpPr>
-          <p:cNvPr id="23" name="PlaceHolder 2"/>
-          <p:cNvSpPr>
-            <a:spLocks noGrp="1"/>
-          </p:cNvSpPr>
-          <p:nvPr>
-            <p:ph/>
-          </p:nvPr>
-        </p:nvSpPr>
-        <p:spPr>
-          <a:xfrm>
-            <a:off x="504000" y="1326600"/>
-            <a:ext cx="9071280" cy="3287880"/>
-          </a:xfrm>
-          <a:prstGeom prst="rect">
-            <a:avLst/>
-          </a:prstGeom>
-          <a:noFill/>
-          <a:ln w="0">
-            <a:noFill/>
-          </a:ln>
-        </p:spPr>
-        <p:txBody>
-          <a:bodyPr lIns="0" rIns="0" tIns="0" bIns="0" anchor="t">
-            <a:normAutofit/>
-          </a:bodyPr>
-          <a:p>
-            <a:pPr marL="432000" indent="0">
-              <a:lnSpc>
-                <a:spcPct val="100000"/>
-              </a:lnSpc>
-              <a:spcBef>
-                <a:spcPts val="1417"/>
-              </a:spcBef>
-              <a:buNone/>
-              <a:tabLst>
-                <a:tab algn="l" pos="0"/>
-              </a:tabLst>
-            </a:pPr>
-            <a:r>
-              <a:rPr b="0" lang="en-US" sz="3200" strike="noStrike" u="none">
-                <a:solidFill>
-                  <a:srgbClr val="000000"/>
-                </a:solidFill>
-                <a:effectLst/>
-                <a:uFillTx/>
-                <a:latin typeface="Arial"/>
-              </a:rPr>
-              <a:t>Čas jako SEED</a:t>
-            </a:r>
-            <a:endParaRPr b="0" lang="en-US" sz="3200" strike="noStrike" u="none">
-              <a:solidFill>
-                <a:srgbClr val="000000"/>
-              </a:solidFill>
-              <a:effectLst/>
-              <a:uFillTx/>
-              <a:latin typeface="Arial"/>
-            </a:endParaRPr>
-          </a:p>
-          <a:p>
-            <a:pPr marL="432000" indent="-324000">
-              <a:lnSpc>
-                <a:spcPct val="100000"/>
-              </a:lnSpc>
-              <a:spcBef>
-                <a:spcPts val="1417"/>
-              </a:spcBef>
-              <a:buClr>
-                <a:srgbClr val="000000"/>
-              </a:buClr>
-              <a:buSzPct val="45000"/>
-              <a:buFont typeface="Wingdings" charset="2"/>
-              <a:buChar char=""/>
-              <a:tabLst>
-                <a:tab algn="l" pos="0"/>
-              </a:tabLst>
-            </a:pPr>
-            <a:r>
-              <a:rPr b="0" lang="en-US" sz="3200" strike="noStrike" u="none">
-                <a:solidFill>
-                  <a:srgbClr val="000000"/>
-                </a:solidFill>
-                <a:effectLst/>
-                <a:uFillTx/>
-                <a:latin typeface="Arial"/>
-              </a:rPr>
-              <a:t>yadayada</a:t>
-            </a:r>
-            <a:endParaRPr b="0" lang="en-US" sz="3200" strike="noStrike" u="none">
-              <a:solidFill>
-                <a:srgbClr val="000000"/>
-              </a:solidFill>
-              <a:effectLst/>
-              <a:uFillTx/>
-              <a:latin typeface="Arial"/>
+            <a:pPr>
+              <a:lnSpc>
+                <a:spcPct val="100000"/>
+              </a:lnSpc>
+            </a:pPr>
+            <a:r>
+              <a:rPr b="0" lang="en-US" sz="1600" strike="noStrike" u="none">
+                <a:solidFill>
+                  <a:srgbClr val="000000"/>
+                </a:solidFill>
+                <a:effectLst/>
+                <a:uFillTx/>
+                <a:latin typeface="JetBrainsMono NF"/>
+              </a:rPr>
+              <a:t>// počáteční hodnota, 32b</a:t>
+            </a:r>
+            <a:endParaRPr b="0" lang="en-US" sz="1600" strike="noStrike" u="none">
+              <a:solidFill>
+                <a:srgbClr val="000000"/>
+              </a:solidFill>
+              <a:effectLst/>
+              <a:uFillTx/>
+              <a:latin typeface="JetBrainsMono NF"/>
+            </a:endParaRPr>
+          </a:p>
+          <a:p>
+            <a:pPr>
+              <a:lnSpc>
+                <a:spcPct val="100000"/>
+              </a:lnSpc>
+            </a:pPr>
+            <a:r>
+              <a:rPr b="0" lang="en-US" sz="1600" strike="noStrike" u="none">
+                <a:solidFill>
+                  <a:srgbClr val="000000"/>
+                </a:solidFill>
+                <a:effectLst/>
+                <a:uFillTx/>
+                <a:latin typeface="JetBrainsMono NF"/>
+              </a:rPr>
+              <a:t>static uint32_t ix = SEED;</a:t>
+            </a:r>
+            <a:endParaRPr b="0" lang="en-US" sz="1600" strike="noStrike" u="none">
+              <a:solidFill>
+                <a:srgbClr val="000000"/>
+              </a:solidFill>
+              <a:effectLst/>
+              <a:uFillTx/>
+              <a:latin typeface="JetBrainsMono NF"/>
+            </a:endParaRPr>
+          </a:p>
+          <a:p>
+            <a:pPr>
+              <a:lnSpc>
+                <a:spcPct val="100000"/>
+              </a:lnSpc>
+            </a:pPr>
+            <a:endParaRPr b="0" lang="en-US" sz="1600" strike="noStrike" u="none">
+              <a:solidFill>
+                <a:srgbClr val="000000"/>
+              </a:solidFill>
+              <a:effectLst/>
+              <a:uFillTx/>
+              <a:latin typeface="JetBrainsMono NF"/>
+            </a:endParaRPr>
+          </a:p>
+          <a:p>
+            <a:pPr>
+              <a:lnSpc>
+                <a:spcPct val="100000"/>
+              </a:lnSpc>
+            </a:pPr>
+            <a:r>
+              <a:rPr b="0" lang="en-US" sz="1600" strike="noStrike" u="none">
+                <a:solidFill>
+                  <a:srgbClr val="000000"/>
+                </a:solidFill>
+                <a:effectLst/>
+                <a:uFillTx/>
+                <a:latin typeface="JetBrainsMono NF"/>
+              </a:rPr>
+              <a:t>double Random(void) {</a:t>
+            </a:r>
+            <a:endParaRPr b="0" lang="en-US" sz="1600" strike="noStrike" u="none">
+              <a:solidFill>
+                <a:srgbClr val="000000"/>
+              </a:solidFill>
+              <a:effectLst/>
+              <a:uFillTx/>
+              <a:latin typeface="JetBrainsMono NF"/>
+            </a:endParaRPr>
+          </a:p>
+          <a:p>
+            <a:pPr>
+              <a:lnSpc>
+                <a:spcPct val="100000"/>
+              </a:lnSpc>
+            </a:pPr>
+            <a:r>
+              <a:rPr b="0" lang="en-US" sz="1600" strike="noStrike" u="none">
+                <a:solidFill>
+                  <a:srgbClr val="000000"/>
+                </a:solidFill>
+                <a:effectLst/>
+                <a:uFillTx/>
+                <a:latin typeface="JetBrainsMono NF"/>
+              </a:rPr>
+              <a:t> </a:t>
+            </a:r>
+            <a:r>
+              <a:rPr b="0" lang="en-US" sz="1600" strike="noStrike" u="none">
+                <a:solidFill>
+                  <a:srgbClr val="000000"/>
+                </a:solidFill>
+                <a:effectLst/>
+                <a:uFillTx/>
+                <a:latin typeface="JetBrainsMono NF"/>
+              </a:rPr>
+              <a:t>	</a:t>
+            </a:r>
+            <a:r>
+              <a:rPr b="0" lang="en-US" sz="1600" strike="noStrike" u="none">
+                <a:solidFill>
+                  <a:srgbClr val="000000"/>
+                </a:solidFill>
+                <a:effectLst/>
+                <a:uFillTx/>
+                <a:latin typeface="JetBrainsMono NF"/>
+              </a:rPr>
+              <a:t>// mod 2^32 je implicitní (“přetečení”)</a:t>
+            </a:r>
+            <a:endParaRPr b="0" lang="en-US" sz="1600" strike="noStrike" u="none">
+              <a:solidFill>
+                <a:srgbClr val="000000"/>
+              </a:solidFill>
+              <a:effectLst/>
+              <a:uFillTx/>
+              <a:latin typeface="JetBrainsMono NF"/>
+            </a:endParaRPr>
+          </a:p>
+          <a:p>
+            <a:pPr>
+              <a:lnSpc>
+                <a:spcPct val="100000"/>
+              </a:lnSpc>
+            </a:pPr>
+            <a:r>
+              <a:rPr b="0" lang="en-US" sz="1600" strike="noStrike" u="none">
+                <a:solidFill>
+                  <a:srgbClr val="000000"/>
+                </a:solidFill>
+                <a:effectLst/>
+                <a:uFillTx/>
+                <a:latin typeface="JetBrainsMono NF"/>
+              </a:rPr>
+              <a:t>	</a:t>
+            </a:r>
+            <a:r>
+              <a:rPr b="0" lang="en-US" sz="1600" strike="noStrike" u="none">
+                <a:solidFill>
+                  <a:srgbClr val="000000"/>
+                </a:solidFill>
+                <a:effectLst/>
+                <a:uFillTx/>
+                <a:latin typeface="JetBrainsMono NF"/>
+              </a:rPr>
+              <a:t>ix = ix * 69069u + 1u;</a:t>
+            </a:r>
+            <a:endParaRPr b="0" lang="en-US" sz="1600" strike="noStrike" u="none">
+              <a:solidFill>
+                <a:srgbClr val="000000"/>
+              </a:solidFill>
+              <a:effectLst/>
+              <a:uFillTx/>
+              <a:latin typeface="JetBrainsMono NF"/>
+            </a:endParaRPr>
+          </a:p>
+          <a:p>
+            <a:pPr>
+              <a:lnSpc>
+                <a:spcPct val="100000"/>
+              </a:lnSpc>
+            </a:pPr>
+            <a:endParaRPr b="0" lang="en-US" sz="1600" strike="noStrike" u="none">
+              <a:solidFill>
+                <a:srgbClr val="000000"/>
+              </a:solidFill>
+              <a:effectLst/>
+              <a:uFillTx/>
+              <a:latin typeface="JetBrainsMono NF"/>
+            </a:endParaRPr>
+          </a:p>
+          <a:p>
+            <a:pPr>
+              <a:lnSpc>
+                <a:spcPct val="100000"/>
+              </a:lnSpc>
+            </a:pPr>
+            <a:r>
+              <a:rPr b="0" lang="en-US" sz="1600" strike="noStrike" u="none">
+                <a:solidFill>
+                  <a:srgbClr val="000000"/>
+                </a:solidFill>
+                <a:effectLst/>
+                <a:uFillTx/>
+                <a:latin typeface="JetBrainsMono NF"/>
+              </a:rPr>
+              <a:t>	</a:t>
+            </a:r>
+            <a:r>
+              <a:rPr b="0" lang="en-US" sz="1600" strike="noStrike" u="none">
+                <a:solidFill>
+                  <a:srgbClr val="000000"/>
+                </a:solidFill>
+                <a:effectLst/>
+                <a:uFillTx/>
+                <a:latin typeface="JetBrainsMono NF"/>
+              </a:rPr>
+              <a:t>return ix / ((double)UINT32_MAX + 1.0);</a:t>
+            </a:r>
+            <a:endParaRPr b="0" lang="en-US" sz="1600" strike="noStrike" u="none">
+              <a:solidFill>
+                <a:srgbClr val="000000"/>
+              </a:solidFill>
+              <a:effectLst/>
+              <a:uFillTx/>
+              <a:latin typeface="JetBrainsMono NF"/>
+            </a:endParaRPr>
+          </a:p>
+          <a:p>
+            <a:pPr>
+              <a:lnSpc>
+                <a:spcPct val="100000"/>
+              </a:lnSpc>
+            </a:pPr>
+            <a:r>
+              <a:rPr b="0" lang="en-US" sz="1600" strike="noStrike" u="none">
+                <a:solidFill>
+                  <a:srgbClr val="000000"/>
+                </a:solidFill>
+                <a:effectLst/>
+                <a:uFillTx/>
+                <a:latin typeface="JetBrainsMono NF"/>
+              </a:rPr>
+              <a:t>}</a:t>
+            </a:r>
+            <a:endParaRPr b="0" lang="en-US" sz="1600" strike="noStrike" u="none">
+              <a:solidFill>
+                <a:srgbClr val="000000"/>
+              </a:solidFill>
+              <a:effectLst/>
+              <a:uFillTx/>
+              <a:latin typeface="JetBrainsMono NF"/>
             </a:endParaRPr>
           </a:p>
         </p:txBody>
@@ -2626,7 +5402,7 @@
       </p:grpSpPr>
       <p:sp>
         <p:nvSpPr>
-          <p:cNvPr id="24" name="PlaceHolder 1"/>
+          <p:cNvPr id="34" name="PlaceHolder 1"/>
           <p:cNvSpPr>
             <a:spLocks noGrp="1"/>
           </p:cNvSpPr>
@@ -2636,8 +5412,8 @@
         </p:nvSpPr>
         <p:spPr>
           <a:xfrm>
-            <a:off x="504000" y="225720"/>
-            <a:ext cx="9071280" cy="946800"/>
+            <a:off x="504000" y="225360"/>
+            <a:ext cx="9070920" cy="947160"/>
           </a:xfrm>
           <a:prstGeom prst="rect">
             <a:avLst/>
@@ -2670,7 +5446,7 @@
                 <a:uFillTx/>
                 <a:latin typeface="Arial"/>
               </a:rPr>
-              <a:t>Využití</a:t>
+              <a:t>SEEDS</a:t>
             </a:r>
             <a:endParaRPr b="0" lang="en-US" sz="4400" strike="noStrike" u="none">
               <a:solidFill>
@@ -2685,7 +5461,7 @@
       </p:sp>
       <p:sp>
         <p:nvSpPr>
-          <p:cNvPr id="25" name="PlaceHolder 2"/>
+          <p:cNvPr id="35" name="PlaceHolder 2"/>
           <p:cNvSpPr>
             <a:spLocks noGrp="1"/>
           </p:cNvSpPr>
@@ -2696,7 +5472,7 @@
         <p:spPr>
           <a:xfrm>
             <a:off x="504000" y="1326600"/>
-            <a:ext cx="9071280" cy="3287880"/>
+            <a:ext cx="9070920" cy="3287520"/>
           </a:xfrm>
           <a:prstGeom prst="rect">
             <a:avLst/>
@@ -2711,13 +5487,93 @@
             <a:normAutofit/>
           </a:bodyPr>
           <a:p>
-            <a:pPr indent="0">
+            <a:pPr marL="432000" indent="-324000">
               <a:spcBef>
                 <a:spcPts val="1417"/>
               </a:spcBef>
-              <a:buNone/>
-            </a:pPr>
-            <a:endParaRPr b="0" lang="en-US" sz="1800" strike="noStrike" u="none">
+              <a:buClr>
+                <a:srgbClr val="000000"/>
+              </a:buClr>
+              <a:buSzPct val="45000"/>
+              <a:buFont typeface="Wingdings" charset="2"/>
+              <a:buChar char=""/>
+            </a:pPr>
+            <a:r>
+              <a:rPr b="0" lang="en-US" sz="3200" strike="noStrike" u="none">
+                <a:solidFill>
+                  <a:srgbClr val="000000"/>
+                </a:solidFill>
+                <a:effectLst/>
+                <a:uFillTx/>
+                <a:latin typeface="Arial"/>
+              </a:rPr>
+              <a:t>Seed = počáteční hodnota algoritmu</a:t>
+            </a:r>
+            <a:endParaRPr b="0" lang="en-US" sz="3200" strike="noStrike" u="none">
+              <a:solidFill>
+                <a:srgbClr val="000000"/>
+              </a:solidFill>
+              <a:effectLst/>
+              <a:uFillTx/>
+              <a:latin typeface="Arial"/>
+            </a:endParaRPr>
+          </a:p>
+          <a:p>
+            <a:pPr marL="432000" indent="-324000">
+              <a:spcBef>
+                <a:spcPts val="1417"/>
+              </a:spcBef>
+              <a:buClr>
+                <a:srgbClr val="000000"/>
+              </a:buClr>
+              <a:buSzPct val="45000"/>
+              <a:buFont typeface="Wingdings" charset="2"/>
+              <a:buChar char=""/>
+            </a:pPr>
+            <a:r>
+              <a:rPr b="0" lang="en-US" sz="3200" strike="noStrike" u="none">
+                <a:solidFill>
+                  <a:srgbClr val="000000"/>
+                </a:solidFill>
+                <a:effectLst/>
+                <a:uFillTx/>
+                <a:latin typeface="Arial"/>
+              </a:rPr>
+              <a:t>Reprodukovatelnost</a:t>
+            </a:r>
+            <a:endParaRPr b="0" lang="en-US" sz="3200" strike="noStrike" u="none">
+              <a:solidFill>
+                <a:srgbClr val="000000"/>
+              </a:solidFill>
+              <a:effectLst/>
+              <a:uFillTx/>
+              <a:latin typeface="Arial"/>
+            </a:endParaRPr>
+          </a:p>
+          <a:p>
+            <a:pPr marL="432000" indent="-324000">
+              <a:spcBef>
+                <a:spcPts val="1417"/>
+              </a:spcBef>
+              <a:buClr>
+                <a:srgbClr val="000000"/>
+              </a:buClr>
+              <a:buSzPct val="45000"/>
+              <a:buFont typeface="Wingdings" charset="2"/>
+              <a:buChar char=""/>
+            </a:pPr>
+            <a:r>
+              <a:rPr b="0" lang="en-US" sz="3200" strike="noStrike" u="none">
+                <a:solidFill>
+                  <a:srgbClr val="000000"/>
+                </a:solidFill>
+                <a:effectLst/>
+                <a:uFillTx/>
+                <a:latin typeface="Arial"/>
+              </a:rPr>
+              <a:t>Využití aktuálního času jako seed</a:t>
+            </a:r>
+            <a:endParaRPr b="0" lang="en-US" sz="3200" strike="noStrike" u="none">
               <a:solidFill>
                 <a:srgbClr val="000000"/>
               </a:solidFill>
@@ -2760,7 +5616,7 @@
       </p:grpSpPr>
       <p:sp>
         <p:nvSpPr>
-          <p:cNvPr id="26" name="PlaceHolder 1"/>
+          <p:cNvPr id="36" name="PlaceHolder 1"/>
           <p:cNvSpPr>
             <a:spLocks noGrp="1"/>
           </p:cNvSpPr>
@@ -2770,8 +5626,8 @@
         </p:nvSpPr>
         <p:spPr>
           <a:xfrm>
-            <a:off x="504000" y="225720"/>
-            <a:ext cx="9071280" cy="946800"/>
+            <a:off x="530280" y="1338840"/>
+            <a:ext cx="9070920" cy="947160"/>
           </a:xfrm>
           <a:prstGeom prst="rect">
             <a:avLst/>
@@ -2804,7 +5660,7 @@
                 <a:uFillTx/>
                 <a:latin typeface="Arial"/>
               </a:rPr>
-              <a:t>Bezpečnost</a:t>
+              <a:t>Využití</a:t>
             </a:r>
             <a:endParaRPr b="0" lang="en-US" sz="4400" strike="noStrike" u="none">
               <a:solidFill>
@@ -2819,18 +5675,14 @@
       </p:sp>
       <p:sp>
         <p:nvSpPr>
-          <p:cNvPr id="27" name="PlaceHolder 2"/>
-          <p:cNvSpPr>
-            <a:spLocks noGrp="1"/>
-          </p:cNvSpPr>
-          <p:nvPr>
-            <p:ph/>
-          </p:nvPr>
+          <p:cNvPr id="37" name=""/>
+          <p:cNvSpPr txBox="1"/>
+          <p:nvPr/>
         </p:nvSpPr>
         <p:spPr>
           <a:xfrm>
-            <a:off x="504000" y="1326600"/>
-            <a:ext cx="9071280" cy="3287880"/>
+            <a:off x="1828800" y="2514600"/>
+            <a:ext cx="7086600" cy="715320"/>
           </a:xfrm>
           <a:prstGeom prst="rect">
             <a:avLst/>
@@ -2841,17 +5693,22 @@
           </a:ln>
         </p:spPr>
         <p:txBody>
-          <a:bodyPr lIns="0" rIns="0" tIns="0" bIns="0" anchor="t">
-            <a:normAutofit/>
+          <a:bodyPr lIns="90000" rIns="90000" tIns="45000" bIns="45000" anchor="t">
+            <a:spAutoFit/>
           </a:bodyPr>
           <a:p>
-            <a:pPr indent="0">
-              <a:spcBef>
-                <a:spcPts val="1417"/>
-              </a:spcBef>
-              <a:buNone/>
-            </a:pPr>
-            <a:endParaRPr b="0" lang="en-US" sz="1800" strike="noStrike" u="none">
+            <a:r>
+              <a:rPr b="0" lang="en-US" sz="2200" strike="noStrike" u="none">
+                <a:solidFill>
+                  <a:srgbClr val="000000"/>
+                </a:solidFill>
+                <a:effectLst/>
+                <a:uFillTx/>
+                <a:latin typeface="Arial"/>
+              </a:rPr>
+              <a:t>Od šifrování zpráv až po nekonečné vesmíry videoher.</a:t>
+            </a:r>
+            <a:endParaRPr b="0" lang="en-US" sz="2200" strike="noStrike" u="none">
               <a:solidFill>
                 <a:srgbClr val="000000"/>
               </a:solidFill>
@@ -2894,7 +5751,7 @@
       </p:grpSpPr>
       <p:sp>
         <p:nvSpPr>
-          <p:cNvPr id="28" name="PlaceHolder 1"/>
+          <p:cNvPr id="38" name="PlaceHolder 1"/>
           <p:cNvSpPr>
             <a:spLocks noGrp="1"/>
           </p:cNvSpPr>
@@ -2904,8 +5761,8 @@
         </p:nvSpPr>
         <p:spPr>
           <a:xfrm>
-            <a:off x="504000" y="225720"/>
-            <a:ext cx="9071280" cy="946800"/>
+            <a:off x="504000" y="225360"/>
+            <a:ext cx="9070920" cy="947160"/>
           </a:xfrm>
           <a:prstGeom prst="rect">
             <a:avLst/>
@@ -2938,7 +5795,7 @@
                 <a:uFillTx/>
                 <a:latin typeface="Arial"/>
               </a:rPr>
-              <a:t>Grafika</a:t>
+              <a:t>Bezpečnost</a:t>
             </a:r>
             <a:endParaRPr b="0" lang="en-US" sz="4400" strike="noStrike" u="none">
               <a:solidFill>
@@ -2953,7 +5810,7 @@
       </p:sp>
       <p:sp>
         <p:nvSpPr>
-          <p:cNvPr id="29" name="PlaceHolder 2"/>
+          <p:cNvPr id="39" name="PlaceHolder 2"/>
           <p:cNvSpPr>
             <a:spLocks noGrp="1"/>
           </p:cNvSpPr>
@@ -2964,7 +5821,7 @@
         <p:spPr>
           <a:xfrm>
             <a:off x="504000" y="1326600"/>
-            <a:ext cx="9071280" cy="3287880"/>
+            <a:ext cx="9070920" cy="3287520"/>
           </a:xfrm>
           <a:prstGeom prst="rect">
             <a:avLst/>
@@ -2979,32 +5836,164 @@
             <a:normAutofit/>
           </a:bodyPr>
           <a:p>
-            <a:pPr marL="432000" indent="-324000">
+            <a:pPr indent="-324000">
+              <a:lnSpc>
+                <a:spcPct val="100000"/>
+              </a:lnSpc>
+              <a:buClr>
+                <a:srgbClr val="000000"/>
+              </a:buClr>
+              <a:buFont typeface="Symbol" charset="2"/>
+              <a:buChar char=""/>
+            </a:pPr>
+            <a:r>
+              <a:rPr b="0" lang="en-US" sz="2600" strike="noStrike" u="none">
+                <a:solidFill>
+                  <a:srgbClr val="000000"/>
+                </a:solidFill>
+                <a:effectLst/>
+                <a:uFillTx/>
+                <a:latin typeface="Arial"/>
+              </a:rPr>
+              <a:t>Problém: PRNG je pro hackery předvídatelný.</a:t>
+            </a:r>
+            <a:endParaRPr b="0" lang="en-US" sz="2600" strike="noStrike" u="none">
+              <a:solidFill>
+                <a:srgbClr val="000000"/>
+              </a:solidFill>
+              <a:effectLst/>
+              <a:uFillTx/>
+              <a:latin typeface="Arial"/>
+            </a:endParaRPr>
+          </a:p>
+          <a:p>
+            <a:pPr indent="-324000">
+              <a:lnSpc>
+                <a:spcPct val="100000"/>
+              </a:lnSpc>
+              <a:buClr>
+                <a:srgbClr val="000000"/>
+              </a:buClr>
+              <a:buFont typeface="Symbol" charset="2"/>
+              <a:buChar char=""/>
+            </a:pPr>
+            <a:r>
+              <a:rPr b="0" lang="en-US" sz="2600" strike="noStrike" u="none">
+                <a:solidFill>
+                  <a:srgbClr val="000000"/>
+                </a:solidFill>
+                <a:effectLst/>
+                <a:uFillTx/>
+                <a:latin typeface="Arial"/>
+              </a:rPr>
+              <a:t>Řešení: Čerpání z fyzické reality.</a:t>
+            </a:r>
+            <a:endParaRPr b="0" lang="en-US" sz="2600" strike="noStrike" u="none">
+              <a:solidFill>
+                <a:srgbClr val="000000"/>
+              </a:solidFill>
+              <a:effectLst/>
+              <a:uFillTx/>
+              <a:latin typeface="Arial"/>
+            </a:endParaRPr>
+          </a:p>
+          <a:p>
+            <a:pPr lvl="1" marL="864000" indent="-324000">
               <a:lnSpc>
                 <a:spcPct val="100000"/>
               </a:lnSpc>
               <a:spcBef>
-                <a:spcPts val="1417"/>
+                <a:spcPts val="1134"/>
               </a:spcBef>
               <a:buClr>
                 <a:srgbClr val="000000"/>
               </a:buClr>
-              <a:buSzPct val="45000"/>
-              <a:buFont typeface="Wingdings" charset="2"/>
-              <a:buChar char=""/>
-            </a:pPr>
-            <a:r>
-              <a:rPr b="0" lang="en-US" sz="3200" strike="noStrike" u="none">
-                <a:solidFill>
-                  <a:srgbClr val="000000"/>
-                </a:solidFill>
-                <a:effectLst/>
-                <a:uFillTx/>
-                <a:latin typeface="Arial"/>
-              </a:rPr>
-              <a:t>Monte carlo – u tohoto se dobře vysvětluje tbh</a:t>
-            </a:r>
-            <a:endParaRPr b="0" lang="en-US" sz="3200" strike="noStrike" u="none">
+              <a:buSzPct val="75000"/>
+              <a:buFont typeface="Symbol" charset="2"/>
+              <a:buChar char=""/>
+            </a:pPr>
+            <a:r>
+              <a:rPr b="0" lang="en-US" sz="2600" strike="noStrike" u="none">
+                <a:solidFill>
+                  <a:srgbClr val="000000"/>
+                </a:solidFill>
+                <a:effectLst/>
+                <a:uFillTx/>
+                <a:latin typeface="Arial"/>
+              </a:rPr>
+              <a:t>Tepelný šum procesoru</a:t>
+            </a:r>
+            <a:endParaRPr b="0" lang="en-US" sz="2600" strike="noStrike" u="none">
+              <a:solidFill>
+                <a:srgbClr val="000000"/>
+              </a:solidFill>
+              <a:effectLst/>
+              <a:uFillTx/>
+              <a:latin typeface="Arial"/>
+            </a:endParaRPr>
+          </a:p>
+          <a:p>
+            <a:pPr lvl="1" marL="864000" indent="-324000">
+              <a:lnSpc>
+                <a:spcPct val="100000"/>
+              </a:lnSpc>
+              <a:spcBef>
+                <a:spcPts val="1134"/>
+              </a:spcBef>
+              <a:buClr>
+                <a:srgbClr val="000000"/>
+              </a:buClr>
+              <a:buSzPct val="75000"/>
+              <a:buFont typeface="Symbol" charset="2"/>
+              <a:buChar char=""/>
+            </a:pPr>
+            <a:r>
+              <a:rPr b="0" lang="en-US" sz="2600" strike="noStrike" u="none">
+                <a:solidFill>
+                  <a:srgbClr val="000000"/>
+                </a:solidFill>
+                <a:effectLst/>
+                <a:uFillTx/>
+                <a:latin typeface="Arial"/>
+              </a:rPr>
+              <a:t>Pohyby myši</a:t>
+            </a:r>
+            <a:endParaRPr b="0" lang="en-US" sz="2600" strike="noStrike" u="none">
+              <a:solidFill>
+                <a:srgbClr val="000000"/>
+              </a:solidFill>
+              <a:effectLst/>
+              <a:uFillTx/>
+              <a:latin typeface="Arial"/>
+            </a:endParaRPr>
+          </a:p>
+          <a:p>
+            <a:pPr lvl="1" marL="864000" indent="-324000">
+              <a:lnSpc>
+                <a:spcPct val="100000"/>
+              </a:lnSpc>
+              <a:spcBef>
+                <a:spcPts val="1134"/>
+              </a:spcBef>
+              <a:buClr>
+                <a:srgbClr val="000000"/>
+              </a:buClr>
+              <a:buSzPct val="75000"/>
+              <a:buFont typeface="Symbol" charset="2"/>
+              <a:buChar char=""/>
+            </a:pPr>
+            <a:r>
+              <a:rPr b="0" lang="en-US" sz="2600" strike="noStrike" u="none">
+                <a:solidFill>
+                  <a:srgbClr val="000000"/>
+                </a:solidFill>
+                <a:effectLst/>
+                <a:uFillTx/>
+                <a:latin typeface="Arial"/>
+              </a:rPr>
+              <a:t>Lávové lampy (Cloudflare)</a:t>
+            </a:r>
+            <a:endParaRPr b="0" lang="en-US" sz="2600" strike="noStrike" u="none">
               <a:solidFill>
                 <a:srgbClr val="000000"/>
               </a:solidFill>
@@ -3015,6 +6004,30 @@
           </a:p>
         </p:txBody>
       </p:sp>
+      <p:pic>
+        <p:nvPicPr>
+          <p:cNvPr id="40" name="" descr=""/>
+          <p:cNvPicPr/>
+          <p:nvPr/>
+        </p:nvPicPr>
+        <p:blipFill>
+          <a:blip r:embed="rId1"/>
+          <a:stretch/>
+        </p:blipFill>
+        <p:spPr>
+          <a:xfrm>
+            <a:off x="5715000" y="3200400"/>
+            <a:ext cx="3932280" cy="2211840"/>
+          </a:xfrm>
+          <a:prstGeom prst="rect">
+            <a:avLst/>
+          </a:prstGeom>
+          <a:noFill/>
+          <a:ln w="0">
+            <a:noFill/>
+          </a:ln>
+        </p:spPr>
+      </p:pic>
     </p:spTree>
   </p:cSld>
   <mc:AlternateContent>
@@ -3132,4 +6145,110 @@
     </a:fmtScheme>
   </a:themeElements>
 </a:theme>
+</file>
+
+<file path=ppt/theme/theme3.xml><?xml version="1.0" encoding="utf-8"?>
+<a:theme xmlns:a="http://schemas.openxmlformats.org/drawingml/2006/main" xmlns:r="http://schemas.openxmlformats.org/officeDocument/2006/relationships" name="Office Theme">
+  <a:themeElements>
+    <a:clrScheme name="LibreOffice">
+      <a:dk1>
+        <a:srgbClr val="000000"/>
+      </a:dk1>
+      <a:lt1>
+        <a:srgbClr val="ffffff"/>
+      </a:lt1>
+      <a:dk2>
+        <a:srgbClr val="000000"/>
+      </a:dk2>
+      <a:lt2>
+        <a:srgbClr val="ffffff"/>
+      </a:lt2>
+      <a:accent1>
+        <a:srgbClr val="18a303"/>
+      </a:accent1>
+      <a:accent2>
+        <a:srgbClr val="0369a3"/>
+      </a:accent2>
+      <a:accent3>
+        <a:srgbClr val="a33e03"/>
+      </a:accent3>
+      <a:accent4>
+        <a:srgbClr val="8e03a3"/>
+      </a:accent4>
+      <a:accent5>
+        <a:srgbClr val="c99c00"/>
+      </a:accent5>
+      <a:accent6>
+        <a:srgbClr val="c9211e"/>
+      </a:accent6>
+      <a:hlink>
+        <a:srgbClr val="0000ee"/>
+      </a:hlink>
+      <a:folHlink>
+        <a:srgbClr val="551a8b"/>
+      </a:folHlink>
+    </a:clrScheme>
+    <a:fontScheme name="Office">
+      <a:majorFont>
+        <a:latin typeface="Arial" pitchFamily="0" charset="1"/>
+        <a:ea typeface="DejaVu Sans" pitchFamily="0" charset="1"/>
+        <a:cs typeface="DejaVu Sans" pitchFamily="0" charset="1"/>
+      </a:majorFont>
+      <a:minorFont>
+        <a:latin typeface="Arial" pitchFamily="0" charset="1"/>
+        <a:ea typeface="DejaVu Sans" pitchFamily="0" charset="1"/>
+        <a:cs typeface="DejaVu Sans" pitchFamily="0" charset="1"/>
+      </a:minorFont>
+    </a:fontScheme>
+    <a:fmtScheme>
+      <a:fillStyleLst>
+        <a:solidFill>
+          <a:schemeClr val="phClr"/>
+        </a:solidFill>
+        <a:solidFill>
+          <a:schemeClr val="phClr"/>
+        </a:solidFill>
+        <a:solidFill>
+          <a:schemeClr val="phClr"/>
+        </a:solidFill>
+      </a:fillStyleLst>
+      <a:lnStyleLst>
+        <a:ln w="6350" cap="flat" cmpd="sng" algn="ctr">
+          <a:prstDash val="solid"/>
+          <a:miter/>
+        </a:ln>
+        <a:ln w="6350" cap="flat" cmpd="sng" algn="ctr">
+          <a:prstDash val="solid"/>
+          <a:miter/>
+        </a:ln>
+        <a:ln w="6350" cap="flat" cmpd="sng" algn="ctr">
+          <a:prstDash val="solid"/>
+          <a:miter/>
+        </a:ln>
+      </a:lnStyleLst>
+      <a:effectStyleLst>
+        <a:effectStyle>
+          <a:effectLst/>
+        </a:effectStyle>
+        <a:effectStyle>
+          <a:effectLst/>
+        </a:effectStyle>
+        <a:effectStyle>
+          <a:effectLst/>
+        </a:effectStyle>
+      </a:effectStyleLst>
+      <a:bgFillStyleLst>
+        <a:solidFill>
+          <a:schemeClr val="phClr"/>
+        </a:solidFill>
+        <a:solidFill>
+          <a:schemeClr val="phClr"/>
+        </a:solidFill>
+        <a:solidFill>
+          <a:schemeClr val="phClr"/>
+        </a:solidFill>
+      </a:bgFillStyleLst>
+    </a:fmtScheme>
+  </a:themeElements>
+</a:theme>
 </file>